--- a/Forenzicna_analiza_OS_Linux.pptx
+++ b/Forenzicna_analiza_OS_Linux.pptx
@@ -12,6 +12,15 @@
     <p:sldId id="260" r:id="rId6"/>
     <p:sldId id="261" r:id="rId7"/>
     <p:sldId id="262" r:id="rId8"/>
+    <p:sldId id="263" r:id="rId9"/>
+    <p:sldId id="264" r:id="rId10"/>
+    <p:sldId id="265" r:id="rId11"/>
+    <p:sldId id="266" r:id="rId12"/>
+    <p:sldId id="267" r:id="rId13"/>
+    <p:sldId id="268" r:id="rId14"/>
+    <p:sldId id="269" r:id="rId15"/>
+    <p:sldId id="270" r:id="rId16"/>
+    <p:sldId id="271" r:id="rId17"/>
   </p:sldIdLst>
   <p:sldSz cx="9144000" cy="6858000" type="screen4x3"/>
   <p:notesSz cx="6858000" cy="9144000"/>
@@ -320,7 +329,8 @@
           <a:p>
             <a:fld id="{3C7CD48A-696A-41FD-A16D-D97AE668279A}" type="datetimeFigureOut">
               <a:rPr lang="sl-SI" smtClean="0"/>
-              <a:t>16.5.2012</a:t>
+              <a:pPr/>
+              <a:t>18.5.2012</a:t>
             </a:fld>
             <a:endParaRPr lang="sl-SI"/>
           </a:p>
@@ -359,6 +369,7 @@
           <a:p>
             <a:fld id="{E5640DDF-A92B-4F4F-962A-1E0761F319B5}" type="slidenum">
               <a:rPr lang="sl-SI" smtClean="0"/>
+              <a:pPr/>
               <a:t>‹#›</a:t>
             </a:fld>
             <a:endParaRPr lang="sl-SI"/>
@@ -514,7 +525,8 @@
           <a:p>
             <a:fld id="{3C7CD48A-696A-41FD-A16D-D97AE668279A}" type="datetimeFigureOut">
               <a:rPr lang="sl-SI" smtClean="0"/>
-              <a:t>16.5.2012</a:t>
+              <a:pPr/>
+              <a:t>18.5.2012</a:t>
             </a:fld>
             <a:endParaRPr lang="sl-SI"/>
           </a:p>
@@ -560,6 +572,7 @@
           <a:p>
             <a:fld id="{E5640DDF-A92B-4F4F-962A-1E0761F319B5}" type="slidenum">
               <a:rPr lang="sl-SI" smtClean="0"/>
+              <a:pPr/>
               <a:t>‹#›</a:t>
             </a:fld>
             <a:endParaRPr lang="sl-SI"/>
@@ -702,7 +715,8 @@
           <a:p>
             <a:fld id="{3C7CD48A-696A-41FD-A16D-D97AE668279A}" type="datetimeFigureOut">
               <a:rPr lang="sl-SI" smtClean="0"/>
-              <a:t>16.5.2012</a:t>
+              <a:pPr/>
+              <a:t>18.5.2012</a:t>
             </a:fld>
             <a:endParaRPr lang="sl-SI"/>
           </a:p>
@@ -748,6 +762,7 @@
           <a:p>
             <a:fld id="{E5640DDF-A92B-4F4F-962A-1E0761F319B5}" type="slidenum">
               <a:rPr lang="sl-SI" smtClean="0"/>
+              <a:pPr/>
               <a:t>‹#›</a:t>
             </a:fld>
             <a:endParaRPr lang="sl-SI"/>
@@ -931,7 +946,8 @@
           <a:p>
             <a:fld id="{3C7CD48A-696A-41FD-A16D-D97AE668279A}" type="datetimeFigureOut">
               <a:rPr lang="sl-SI" smtClean="0"/>
-              <a:t>16.5.2012</a:t>
+              <a:pPr/>
+              <a:t>18.5.2012</a:t>
             </a:fld>
             <a:endParaRPr lang="sl-SI"/>
           </a:p>
@@ -977,6 +993,7 @@
           <a:p>
             <a:fld id="{E5640DDF-A92B-4F4F-962A-1E0761F319B5}" type="slidenum">
               <a:rPr lang="sl-SI" smtClean="0"/>
+              <a:pPr/>
               <a:t>‹#›</a:t>
             </a:fld>
             <a:endParaRPr lang="sl-SI"/>
@@ -1212,7 +1229,8 @@
           <a:p>
             <a:fld id="{3C7CD48A-696A-41FD-A16D-D97AE668279A}" type="datetimeFigureOut">
               <a:rPr lang="sl-SI" smtClean="0"/>
-              <a:t>16.5.2012</a:t>
+              <a:pPr/>
+              <a:t>18.5.2012</a:t>
             </a:fld>
             <a:endParaRPr lang="sl-SI"/>
           </a:p>
@@ -1251,6 +1269,7 @@
           <a:p>
             <a:fld id="{E5640DDF-A92B-4F4F-962A-1E0761F319B5}" type="slidenum">
               <a:rPr lang="sl-SI" smtClean="0"/>
+              <a:pPr/>
               <a:t>‹#›</a:t>
             </a:fld>
             <a:endParaRPr lang="sl-SI"/>
@@ -1500,7 +1519,8 @@
           <a:p>
             <a:fld id="{3C7CD48A-696A-41FD-A16D-D97AE668279A}" type="datetimeFigureOut">
               <a:rPr lang="sl-SI" smtClean="0"/>
-              <a:t>16.5.2012</a:t>
+              <a:pPr/>
+              <a:t>18.5.2012</a:t>
             </a:fld>
             <a:endParaRPr lang="sl-SI"/>
           </a:p>
@@ -1551,6 +1571,7 @@
           <a:p>
             <a:fld id="{E5640DDF-A92B-4F4F-962A-1E0761F319B5}" type="slidenum">
               <a:rPr lang="sl-SI" smtClean="0"/>
+              <a:pPr/>
               <a:t>‹#›</a:t>
             </a:fld>
             <a:endParaRPr lang="sl-SI"/>
@@ -2054,7 +2075,8 @@
           <a:p>
             <a:fld id="{3C7CD48A-696A-41FD-A16D-D97AE668279A}" type="datetimeFigureOut">
               <a:rPr lang="sl-SI" smtClean="0"/>
-              <a:t>16.5.2012</a:t>
+              <a:pPr/>
+              <a:t>18.5.2012</a:t>
             </a:fld>
             <a:endParaRPr lang="sl-SI"/>
           </a:p>
@@ -2105,6 +2127,7 @@
           <a:p>
             <a:fld id="{E5640DDF-A92B-4F4F-962A-1E0761F319B5}" type="slidenum">
               <a:rPr lang="sl-SI" smtClean="0"/>
+              <a:pPr/>
               <a:t>‹#›</a:t>
             </a:fld>
             <a:endParaRPr lang="sl-SI"/>
@@ -2185,7 +2208,8 @@
           <a:p>
             <a:fld id="{3C7CD48A-696A-41FD-A16D-D97AE668279A}" type="datetimeFigureOut">
               <a:rPr lang="sl-SI" smtClean="0"/>
-              <a:t>16.5.2012</a:t>
+              <a:pPr/>
+              <a:t>18.5.2012</a:t>
             </a:fld>
             <a:endParaRPr lang="sl-SI"/>
           </a:p>
@@ -2231,6 +2255,7 @@
           <a:p>
             <a:fld id="{E5640DDF-A92B-4F4F-962A-1E0761F319B5}" type="slidenum">
               <a:rPr lang="sl-SI" smtClean="0"/>
+              <a:pPr/>
               <a:t>‹#›</a:t>
             </a:fld>
             <a:endParaRPr lang="sl-SI"/>
@@ -2335,7 +2360,8 @@
           <a:p>
             <a:fld id="{3C7CD48A-696A-41FD-A16D-D97AE668279A}" type="datetimeFigureOut">
               <a:rPr lang="sl-SI" smtClean="0"/>
-              <a:t>16.5.2012</a:t>
+              <a:pPr/>
+              <a:t>18.5.2012</a:t>
             </a:fld>
             <a:endParaRPr lang="sl-SI"/>
           </a:p>
@@ -2381,6 +2407,7 @@
           <a:p>
             <a:fld id="{E5640DDF-A92B-4F4F-962A-1E0761F319B5}" type="slidenum">
               <a:rPr lang="sl-SI" smtClean="0"/>
+              <a:pPr/>
               <a:t>‹#›</a:t>
             </a:fld>
             <a:endParaRPr lang="sl-SI"/>
@@ -2656,7 +2683,8 @@
           <a:p>
             <a:fld id="{3C7CD48A-696A-41FD-A16D-D97AE668279A}" type="datetimeFigureOut">
               <a:rPr lang="sl-SI" smtClean="0"/>
-              <a:t>16.5.2012</a:t>
+              <a:pPr/>
+              <a:t>18.5.2012</a:t>
             </a:fld>
             <a:endParaRPr lang="sl-SI"/>
           </a:p>
@@ -2695,6 +2723,7 @@
           <a:p>
             <a:fld id="{E5640DDF-A92B-4F4F-962A-1E0761F319B5}" type="slidenum">
               <a:rPr lang="sl-SI" smtClean="0"/>
+              <a:pPr/>
               <a:t>‹#›</a:t>
             </a:fld>
             <a:endParaRPr lang="sl-SI"/>
@@ -2953,7 +2982,8 @@
           <a:p>
             <a:fld id="{3C7CD48A-696A-41FD-A16D-D97AE668279A}" type="datetimeFigureOut">
               <a:rPr lang="sl-SI" smtClean="0"/>
-              <a:t>16.5.2012</a:t>
+              <a:pPr/>
+              <a:t>18.5.2012</a:t>
             </a:fld>
             <a:endParaRPr lang="sl-SI"/>
           </a:p>
@@ -2992,6 +3022,7 @@
           <a:p>
             <a:fld id="{E5640DDF-A92B-4F4F-962A-1E0761F319B5}" type="slidenum">
               <a:rPr lang="sl-SI" smtClean="0"/>
+              <a:pPr/>
               <a:t>‹#›</a:t>
             </a:fld>
             <a:endParaRPr lang="sl-SI"/>
@@ -3198,7 +3229,8 @@
           <a:p>
             <a:fld id="{3C7CD48A-696A-41FD-A16D-D97AE668279A}" type="datetimeFigureOut">
               <a:rPr lang="sl-SI" smtClean="0"/>
-              <a:t>16.5.2012</a:t>
+              <a:pPr/>
+              <a:t>18.5.2012</a:t>
             </a:fld>
             <a:endParaRPr lang="sl-SI"/>
           </a:p>
@@ -3241,6 +3273,7 @@
           <a:p>
             <a:fld id="{E5640DDF-A92B-4F4F-962A-1E0761F319B5}" type="slidenum">
               <a:rPr lang="sl-SI" smtClean="0"/>
+              <a:pPr/>
               <a:t>‹#›</a:t>
             </a:fld>
             <a:endParaRPr lang="sl-SI"/>
@@ -3772,23 +3805,8 @@
               <a:rPr lang="sl-SI" dirty="0" smtClean="0">
                 <a:latin typeface="Baskerville Old Face" pitchFamily="18" charset="0"/>
               </a:rPr>
-              <a:t>Žiga Elsner, Primož Bajželj, </a:t>
-            </a:r>
-            <a:r>
-              <a:rPr lang="sl-SI" dirty="0" smtClean="0">
-                <a:latin typeface="Baskerville Old Face" pitchFamily="18" charset="0"/>
-              </a:rPr>
-              <a:t>Uroš </a:t>
-            </a:r>
-            <a:r>
-              <a:rPr lang="sl-SI" dirty="0" smtClean="0">
-                <a:latin typeface="Baskerville Old Face" pitchFamily="18" charset="0"/>
-              </a:rPr>
-              <a:t>Kastelic, </a:t>
-            </a:r>
-            <a:endParaRPr lang="sl-SI" dirty="0" smtClean="0">
-              <a:latin typeface="Baskerville Old Face" pitchFamily="18" charset="0"/>
-            </a:endParaRPr>
+              <a:t>Žiga Elsner, Primož Bajželj, Uroš Kastelic, </a:t>
+            </a:r>
           </a:p>
           <a:p>
             <a:r>
@@ -3833,6 +3851,848 @@
       </p:par>
     </p:tnLst>
   </p:timing>
+</p:sld>
+</file>
+
+<file path=ppt/slides/slide10.xml><?xml version="1.0" encoding="utf-8"?>
+<p:sld xmlns:a="http://schemas.openxmlformats.org/drawingml/2006/main" xmlns:r="http://schemas.openxmlformats.org/officeDocument/2006/relationships" xmlns:p="http://schemas.openxmlformats.org/presentationml/2006/main">
+  <p:cSld>
+    <p:spTree>
+      <p:nvGrpSpPr>
+        <p:cNvPr id="1" name=""/>
+        <p:cNvGrpSpPr/>
+        <p:nvPr/>
+      </p:nvGrpSpPr>
+      <p:grpSpPr>
+        <a:xfrm>
+          <a:off x="0" y="0"/>
+          <a:ext cx="0" cy="0"/>
+          <a:chOff x="0" y="0"/>
+          <a:chExt cx="0" cy="0"/>
+        </a:xfrm>
+      </p:grpSpPr>
+      <p:sp>
+        <p:nvSpPr>
+          <p:cNvPr id="2" name="Title 1"/>
+          <p:cNvSpPr>
+            <a:spLocks noGrp="1"/>
+          </p:cNvSpPr>
+          <p:nvPr>
+            <p:ph type="title"/>
+          </p:nvPr>
+        </p:nvSpPr>
+        <p:spPr/>
+        <p:txBody>
+          <a:bodyPr/>
+          <a:lstStyle/>
+          <a:p>
+            <a:r>
+              <a:rPr lang="hr-HR" dirty="0" smtClean="0"/>
+              <a:t>Forenzična preiskava diska(2)</a:t>
+            </a:r>
+            <a:endParaRPr lang="en-US" dirty="0"/>
+          </a:p>
+        </p:txBody>
+      </p:sp>
+      <p:sp>
+        <p:nvSpPr>
+          <p:cNvPr id="3" name="Content Placeholder 2"/>
+          <p:cNvSpPr>
+            <a:spLocks noGrp="1"/>
+          </p:cNvSpPr>
+          <p:nvPr>
+            <p:ph idx="1"/>
+          </p:nvPr>
+        </p:nvSpPr>
+        <p:spPr/>
+        <p:txBody>
+          <a:bodyPr/>
+          <a:lstStyle/>
+          <a:p>
+            <a:r>
+              <a:rPr lang="hr-HR" dirty="0" smtClean="0"/>
+              <a:t>Posebnosti Linux okolja</a:t>
+            </a:r>
+          </a:p>
+          <a:p>
+            <a:pPr>
+              <a:buNone/>
+            </a:pPr>
+            <a:r>
+              <a:rPr lang="hr-HR" dirty="0" smtClean="0"/>
+              <a:t>	</a:t>
+            </a:r>
+            <a:r>
+              <a:rPr lang="hr-HR" dirty="0" smtClean="0"/>
+              <a:t>		- pridobivanje zbrisanih podatkov</a:t>
+            </a:r>
+          </a:p>
+          <a:p>
+            <a:pPr>
+              <a:buNone/>
+            </a:pPr>
+            <a:r>
+              <a:rPr lang="hr-HR" dirty="0" smtClean="0"/>
+              <a:t>	</a:t>
+            </a:r>
+            <a:r>
+              <a:rPr lang="hr-HR" dirty="0" smtClean="0"/>
+              <a:t>		-  skrivanje podatkov</a:t>
+            </a:r>
+          </a:p>
+          <a:p>
+            <a:pPr>
+              <a:buNone/>
+            </a:pPr>
+            <a:r>
+              <a:rPr lang="hr-HR" dirty="0" smtClean="0"/>
+              <a:t>	</a:t>
+            </a:r>
+            <a:r>
+              <a:rPr lang="hr-HR" dirty="0" smtClean="0"/>
+              <a:t>		- časovni žigi</a:t>
+            </a:r>
+          </a:p>
+          <a:p>
+            <a:pPr>
+              <a:buNone/>
+            </a:pPr>
+            <a:r>
+              <a:rPr lang="hr-HR" dirty="0" smtClean="0"/>
+              <a:t>	</a:t>
+            </a:r>
+            <a:r>
+              <a:rPr lang="hr-HR" dirty="0" smtClean="0"/>
+              <a:t>		- disk zaščiten z enkripcijo in  gesli	</a:t>
+            </a:r>
+            <a:endParaRPr lang="en-US" dirty="0"/>
+          </a:p>
+        </p:txBody>
+      </p:sp>
+    </p:spTree>
+  </p:cSld>
+  <p:clrMapOvr>
+    <a:masterClrMapping/>
+  </p:clrMapOvr>
+</p:sld>
+</file>
+
+<file path=ppt/slides/slide11.xml><?xml version="1.0" encoding="utf-8"?>
+<p:sld xmlns:a="http://schemas.openxmlformats.org/drawingml/2006/main" xmlns:r="http://schemas.openxmlformats.org/officeDocument/2006/relationships" xmlns:p="http://schemas.openxmlformats.org/presentationml/2006/main">
+  <p:cSld>
+    <p:spTree>
+      <p:nvGrpSpPr>
+        <p:cNvPr id="1" name=""/>
+        <p:cNvGrpSpPr/>
+        <p:nvPr/>
+      </p:nvGrpSpPr>
+      <p:grpSpPr>
+        <a:xfrm>
+          <a:off x="0" y="0"/>
+          <a:ext cx="0" cy="0"/>
+          <a:chOff x="0" y="0"/>
+          <a:chExt cx="0" cy="0"/>
+        </a:xfrm>
+      </p:grpSpPr>
+      <p:sp>
+        <p:nvSpPr>
+          <p:cNvPr id="2" name="Title 1"/>
+          <p:cNvSpPr>
+            <a:spLocks noGrp="1"/>
+          </p:cNvSpPr>
+          <p:nvPr>
+            <p:ph type="title"/>
+          </p:nvPr>
+        </p:nvSpPr>
+        <p:spPr/>
+        <p:txBody>
+          <a:bodyPr/>
+          <a:lstStyle/>
+          <a:p>
+            <a:r>
+              <a:rPr lang="hr-HR" dirty="0" smtClean="0"/>
+              <a:t>Pridobivanje skritih podatkov</a:t>
+            </a:r>
+            <a:endParaRPr lang="en-US" dirty="0"/>
+          </a:p>
+        </p:txBody>
+      </p:sp>
+      <p:sp>
+        <p:nvSpPr>
+          <p:cNvPr id="3" name="Content Placeholder 2"/>
+          <p:cNvSpPr>
+            <a:spLocks noGrp="1"/>
+          </p:cNvSpPr>
+          <p:nvPr>
+            <p:ph idx="1"/>
+          </p:nvPr>
+        </p:nvSpPr>
+        <p:spPr/>
+        <p:txBody>
+          <a:bodyPr/>
+          <a:lstStyle/>
+          <a:p>
+            <a:pPr>
+              <a:buNone/>
+            </a:pPr>
+            <a:r>
+              <a:rPr lang="hr-HR" dirty="0" smtClean="0"/>
+              <a:t>	</a:t>
+            </a:r>
+            <a:endParaRPr lang="hr-HR" dirty="0" smtClean="0"/>
+          </a:p>
+          <a:p>
+            <a:r>
+              <a:rPr lang="hr-HR" dirty="0" smtClean="0"/>
+              <a:t>Poiščemo vse zbrisane inode in z njimi pridobimo izgubljen podatke</a:t>
+            </a:r>
+          </a:p>
+          <a:p>
+            <a:r>
+              <a:rPr lang="hr-HR" dirty="0" smtClean="0"/>
+              <a:t>Preverjanje direktorijev in iskanje zbrisanih vnosov</a:t>
+            </a:r>
+          </a:p>
+          <a:p>
+            <a:r>
+              <a:rPr lang="hr-HR" dirty="0" smtClean="0"/>
+              <a:t>File carving</a:t>
+            </a:r>
+            <a:endParaRPr lang="en-US" dirty="0"/>
+          </a:p>
+        </p:txBody>
+      </p:sp>
+    </p:spTree>
+  </p:cSld>
+  <p:clrMapOvr>
+    <a:masterClrMapping/>
+  </p:clrMapOvr>
+</p:sld>
+</file>
+
+<file path=ppt/slides/slide12.xml><?xml version="1.0" encoding="utf-8"?>
+<p:sld xmlns:a="http://schemas.openxmlformats.org/drawingml/2006/main" xmlns:r="http://schemas.openxmlformats.org/officeDocument/2006/relationships" xmlns:p="http://schemas.openxmlformats.org/presentationml/2006/main">
+  <p:cSld>
+    <p:spTree>
+      <p:nvGrpSpPr>
+        <p:cNvPr id="1" name=""/>
+        <p:cNvGrpSpPr/>
+        <p:nvPr/>
+      </p:nvGrpSpPr>
+      <p:grpSpPr>
+        <a:xfrm>
+          <a:off x="0" y="0"/>
+          <a:ext cx="0" cy="0"/>
+          <a:chOff x="0" y="0"/>
+          <a:chExt cx="0" cy="0"/>
+        </a:xfrm>
+      </p:grpSpPr>
+      <p:sp>
+        <p:nvSpPr>
+          <p:cNvPr id="2" name="Title 1"/>
+          <p:cNvSpPr>
+            <a:spLocks noGrp="1"/>
+          </p:cNvSpPr>
+          <p:nvPr>
+            <p:ph type="title"/>
+          </p:nvPr>
+        </p:nvSpPr>
+        <p:spPr/>
+        <p:txBody>
+          <a:bodyPr/>
+          <a:lstStyle/>
+          <a:p>
+            <a:r>
+              <a:rPr lang="hr-HR" dirty="0" smtClean="0"/>
+              <a:t>Skrivanje podatkov</a:t>
+            </a:r>
+            <a:endParaRPr lang="en-US" dirty="0"/>
+          </a:p>
+        </p:txBody>
+      </p:sp>
+      <p:sp>
+        <p:nvSpPr>
+          <p:cNvPr id="3" name="Content Placeholder 2"/>
+          <p:cNvSpPr>
+            <a:spLocks noGrp="1"/>
+          </p:cNvSpPr>
+          <p:nvPr>
+            <p:ph idx="1"/>
+          </p:nvPr>
+        </p:nvSpPr>
+        <p:spPr/>
+        <p:txBody>
+          <a:bodyPr/>
+          <a:lstStyle/>
+          <a:p>
+            <a:r>
+              <a:rPr lang="hr-HR" dirty="0" smtClean="0"/>
+              <a:t>Manipulacija z imeni datotek</a:t>
+            </a:r>
+          </a:p>
+          <a:p>
+            <a:r>
+              <a:rPr lang="hr-HR" dirty="0" smtClean="0"/>
+              <a:t>Skrivanje v </a:t>
+            </a:r>
+            <a:r>
+              <a:rPr lang="hr-HR" i="1" dirty="0" smtClean="0"/>
+              <a:t>file slack</a:t>
+            </a:r>
+            <a:endParaRPr lang="hr-HR" dirty="0" smtClean="0"/>
+          </a:p>
+          <a:p>
+            <a:r>
+              <a:rPr lang="hr-HR" dirty="0" smtClean="0"/>
+              <a:t>Alternativni tok podatkov</a:t>
+            </a:r>
+          </a:p>
+          <a:p>
+            <a:r>
+              <a:rPr lang="hr-HR" dirty="0" smtClean="0"/>
+              <a:t>Steganografija</a:t>
+            </a:r>
+            <a:endParaRPr lang="en-US" dirty="0"/>
+          </a:p>
+        </p:txBody>
+      </p:sp>
+    </p:spTree>
+  </p:cSld>
+  <p:clrMapOvr>
+    <a:masterClrMapping/>
+  </p:clrMapOvr>
+</p:sld>
+</file>
+
+<file path=ppt/slides/slide13.xml><?xml version="1.0" encoding="utf-8"?>
+<p:sld xmlns:a="http://schemas.openxmlformats.org/drawingml/2006/main" xmlns:r="http://schemas.openxmlformats.org/officeDocument/2006/relationships" xmlns:p="http://schemas.openxmlformats.org/presentationml/2006/main">
+  <p:cSld>
+    <p:spTree>
+      <p:nvGrpSpPr>
+        <p:cNvPr id="1" name=""/>
+        <p:cNvGrpSpPr/>
+        <p:nvPr/>
+      </p:nvGrpSpPr>
+      <p:grpSpPr>
+        <a:xfrm>
+          <a:off x="0" y="0"/>
+          <a:ext cx="0" cy="0"/>
+          <a:chOff x="0" y="0"/>
+          <a:chExt cx="0" cy="0"/>
+        </a:xfrm>
+      </p:grpSpPr>
+      <p:sp>
+        <p:nvSpPr>
+          <p:cNvPr id="2" name="Title 1"/>
+          <p:cNvSpPr>
+            <a:spLocks noGrp="1"/>
+          </p:cNvSpPr>
+          <p:nvPr>
+            <p:ph type="title"/>
+          </p:nvPr>
+        </p:nvSpPr>
+        <p:spPr/>
+        <p:txBody>
+          <a:bodyPr/>
+          <a:lstStyle/>
+          <a:p>
+            <a:r>
+              <a:rPr lang="hr-HR" dirty="0" smtClean="0"/>
+              <a:t>Časovni žigi(timestamps)</a:t>
+            </a:r>
+            <a:endParaRPr lang="en-US" dirty="0"/>
+          </a:p>
+        </p:txBody>
+      </p:sp>
+      <p:pic>
+        <p:nvPicPr>
+          <p:cNvPr id="4" name="Slika 6"/>
+          <p:cNvPicPr>
+            <a:picLocks noGrp="1"/>
+          </p:cNvPicPr>
+          <p:nvPr>
+            <p:ph idx="1"/>
+          </p:nvPr>
+        </p:nvPicPr>
+        <p:blipFill>
+          <a:blip r:embed="rId2">
+            <a:extLst>
+              <a:ext uri="{28A0092B-C50C-407E-A947-70E740481C1C}">
+                <a14:useLocalDpi xmlns="" xmlns:wpc="http://schemas.microsoft.com/office/word/2010/wordprocessingCanvas" xmlns:mc="http://schemas.openxmlformats.org/markup-compatibility/2006" xmlns:o="urn:schemas-microsoft-com:office:office" xmlns:m="http://schemas.openxmlformats.org/officeDocument/2006/math" xmlns:v="urn:schemas-microsoft-com:vml" xmlns:wp14="http://schemas.microsoft.com/office/word/2010/wordprocessingDrawing" xmlns:wp="http://schemas.openxmlformats.org/drawingml/2006/wordprocessingDrawing" xmlns:w10="urn:schemas-microsoft-com:office:word" xmlns:w="http://schemas.openxmlformats.org/wordprocessingml/2006/main" xmlns:w14="http://schemas.microsoft.com/office/word/2010/wordml" xmlns:wpg="http://schemas.microsoft.com/office/word/2010/wordprocessingGroup" xmlns:wpi="http://schemas.microsoft.com/office/word/2010/wordprocessingInk" xmlns:wne="http://schemas.microsoft.com/office/word/2006/wordml" xmlns:wps="http://schemas.microsoft.com/office/word/2010/wordprocessingShape" xmlns:a14="http://schemas.microsoft.com/office/drawing/2010/main" xmlns:pic="http://schemas.openxmlformats.org/drawingml/2006/picture" xmlns:lc="http://schemas.openxmlformats.org/drawingml/2006/lockedCanvas" val="0"/>
+              </a:ext>
+            </a:extLst>
+          </a:blip>
+          <a:srcRect/>
+          <a:stretch>
+            <a:fillRect/>
+          </a:stretch>
+        </p:blipFill>
+        <p:spPr bwMode="auto">
+          <a:xfrm>
+            <a:off x="1000100" y="1785926"/>
+            <a:ext cx="6929486" cy="2214578"/>
+          </a:xfrm>
+          <a:prstGeom prst="rect">
+            <a:avLst/>
+          </a:prstGeom>
+          <a:noFill/>
+          <a:ln>
+            <a:noFill/>
+          </a:ln>
+        </p:spPr>
+      </p:pic>
+      <p:sp>
+        <p:nvSpPr>
+          <p:cNvPr id="5" name="TextBox 4"/>
+          <p:cNvSpPr txBox="1"/>
+          <p:nvPr/>
+        </p:nvSpPr>
+        <p:spPr>
+          <a:xfrm>
+            <a:off x="714348" y="4714884"/>
+            <a:ext cx="7572428" cy="584775"/>
+          </a:xfrm>
+          <a:prstGeom prst="rect">
+            <a:avLst/>
+          </a:prstGeom>
+          <a:noFill/>
+        </p:spPr>
+        <p:txBody>
+          <a:bodyPr wrap="square" rtlCol="0">
+            <a:spAutoFit/>
+          </a:bodyPr>
+          <a:lstStyle/>
+          <a:p>
+            <a:r>
+              <a:rPr lang="hr-HR" sz="3200" dirty="0" smtClean="0"/>
+              <a:t>v Linux okolji – ctime in mtime</a:t>
+            </a:r>
+            <a:endParaRPr lang="en-US" sz="3200" dirty="0"/>
+          </a:p>
+        </p:txBody>
+      </p:sp>
+    </p:spTree>
+  </p:cSld>
+  <p:clrMapOvr>
+    <a:masterClrMapping/>
+  </p:clrMapOvr>
+</p:sld>
+</file>
+
+<file path=ppt/slides/slide14.xml><?xml version="1.0" encoding="utf-8"?>
+<p:sld xmlns:a="http://schemas.openxmlformats.org/drawingml/2006/main" xmlns:r="http://schemas.openxmlformats.org/officeDocument/2006/relationships" xmlns:p="http://schemas.openxmlformats.org/presentationml/2006/main">
+  <p:cSld>
+    <p:spTree>
+      <p:nvGrpSpPr>
+        <p:cNvPr id="1" name=""/>
+        <p:cNvGrpSpPr/>
+        <p:nvPr/>
+      </p:nvGrpSpPr>
+      <p:grpSpPr>
+        <a:xfrm>
+          <a:off x="0" y="0"/>
+          <a:ext cx="0" cy="0"/>
+          <a:chOff x="0" y="0"/>
+          <a:chExt cx="0" cy="0"/>
+        </a:xfrm>
+      </p:grpSpPr>
+      <p:sp>
+        <p:nvSpPr>
+          <p:cNvPr id="2" name="Title 1"/>
+          <p:cNvSpPr>
+            <a:spLocks noGrp="1"/>
+          </p:cNvSpPr>
+          <p:nvPr>
+            <p:ph type="title"/>
+          </p:nvPr>
+        </p:nvSpPr>
+        <p:spPr/>
+        <p:txBody>
+          <a:bodyPr/>
+          <a:lstStyle/>
+          <a:p>
+            <a:r>
+              <a:rPr lang="hr-HR" dirty="0" smtClean="0"/>
+              <a:t>Dnevniške datoteke</a:t>
+            </a:r>
+            <a:endParaRPr lang="en-US" dirty="0"/>
+          </a:p>
+        </p:txBody>
+      </p:sp>
+      <p:sp>
+        <p:nvSpPr>
+          <p:cNvPr id="3" name="Content Placeholder 2"/>
+          <p:cNvSpPr>
+            <a:spLocks noGrp="1"/>
+          </p:cNvSpPr>
+          <p:nvPr>
+            <p:ph idx="1"/>
+          </p:nvPr>
+        </p:nvSpPr>
+        <p:spPr/>
+        <p:txBody>
+          <a:bodyPr>
+            <a:normAutofit fontScale="85000" lnSpcReduction="20000"/>
+          </a:bodyPr>
+          <a:lstStyle/>
+          <a:p>
+            <a:r>
+              <a:rPr lang="sl-SI" i="1" dirty="0" smtClean="0"/>
+              <a:t>/var/log/message</a:t>
+            </a:r>
+            <a:r>
+              <a:rPr lang="sl-SI" dirty="0" smtClean="0"/>
+              <a:t>: generalna sporočila in sporočila povezana z sistemom</a:t>
+            </a:r>
+            <a:endParaRPr lang="en-US" dirty="0" smtClean="0"/>
+          </a:p>
+          <a:p>
+            <a:r>
+              <a:rPr lang="sl-SI" i="1" dirty="0" smtClean="0"/>
+              <a:t>/var/log/auth.log</a:t>
+            </a:r>
+            <a:r>
+              <a:rPr lang="sl-SI" dirty="0" smtClean="0"/>
+              <a:t>: avtentikacija</a:t>
+            </a:r>
+            <a:endParaRPr lang="en-US" dirty="0" smtClean="0"/>
+          </a:p>
+          <a:p>
+            <a:r>
+              <a:rPr lang="sl-SI" i="1" dirty="0" smtClean="0"/>
+              <a:t>/var/log/kern.log</a:t>
+            </a:r>
+            <a:r>
+              <a:rPr lang="sl-SI" dirty="0" smtClean="0"/>
+              <a:t>: jedro</a:t>
+            </a:r>
+            <a:endParaRPr lang="en-US" dirty="0" smtClean="0"/>
+          </a:p>
+          <a:p>
+            <a:r>
+              <a:rPr lang="sl-SI" i="1" dirty="0" smtClean="0"/>
+              <a:t>/var/log/cron.log</a:t>
+            </a:r>
+            <a:r>
+              <a:rPr lang="sl-SI" dirty="0" smtClean="0"/>
+              <a:t>: Cron </a:t>
+            </a:r>
+            <a:endParaRPr lang="en-US" dirty="0" smtClean="0"/>
+          </a:p>
+          <a:p>
+            <a:r>
+              <a:rPr lang="sl-SI" i="1" dirty="0" smtClean="0"/>
+              <a:t>/var/log/maillog</a:t>
+            </a:r>
+            <a:r>
+              <a:rPr lang="sl-SI" dirty="0" smtClean="0"/>
+              <a:t>: poštni strežnik</a:t>
+            </a:r>
+            <a:endParaRPr lang="en-US" dirty="0" smtClean="0"/>
+          </a:p>
+          <a:p>
+            <a:r>
+              <a:rPr lang="sl-SI" i="1" dirty="0" smtClean="0"/>
+              <a:t>/var/log/qmail/ </a:t>
+            </a:r>
+            <a:r>
+              <a:rPr lang="sl-SI" dirty="0" smtClean="0"/>
+              <a:t>: Qmail </a:t>
+            </a:r>
+            <a:endParaRPr lang="en-US" dirty="0" smtClean="0"/>
+          </a:p>
+          <a:p>
+            <a:r>
+              <a:rPr lang="sl-SI" i="1" dirty="0" smtClean="0"/>
+              <a:t>/var/log/httpd/</a:t>
+            </a:r>
+            <a:r>
+              <a:rPr lang="sl-SI" dirty="0" smtClean="0"/>
+              <a:t>: Apache strežnik in sporočila o napakami</a:t>
+            </a:r>
+            <a:endParaRPr lang="en-US" dirty="0" smtClean="0"/>
+          </a:p>
+          <a:p>
+            <a:r>
+              <a:rPr lang="sl-SI" i="1" dirty="0" smtClean="0"/>
+              <a:t>/var/log/boot.log</a:t>
+            </a:r>
+            <a:r>
+              <a:rPr lang="sl-SI" dirty="0" smtClean="0"/>
+              <a:t> : </a:t>
+            </a:r>
+            <a:r>
+              <a:rPr lang="sl-SI" i="1" dirty="0" smtClean="0"/>
+              <a:t>System boot </a:t>
+            </a:r>
+            <a:r>
+              <a:rPr lang="sl-SI" dirty="0" smtClean="0"/>
+              <a:t>sporočila</a:t>
+            </a:r>
+            <a:endParaRPr lang="en-US" dirty="0" smtClean="0"/>
+          </a:p>
+          <a:p>
+            <a:r>
+              <a:rPr lang="sl-SI" i="1" dirty="0" smtClean="0"/>
+              <a:t>/var/log/mysqld.log</a:t>
+            </a:r>
+            <a:r>
+              <a:rPr lang="sl-SI" dirty="0" smtClean="0"/>
+              <a:t>: </a:t>
+            </a:r>
+            <a:r>
+              <a:rPr lang="sl-SI" i="1" dirty="0" smtClean="0"/>
+              <a:t>MySQL server</a:t>
+            </a:r>
+            <a:r>
+              <a:rPr lang="sl-SI" dirty="0" smtClean="0"/>
+              <a:t> sporočila</a:t>
+            </a:r>
+            <a:endParaRPr lang="en-US" dirty="0" smtClean="0"/>
+          </a:p>
+          <a:p>
+            <a:r>
+              <a:rPr lang="sl-SI" i="1" dirty="0" smtClean="0"/>
+              <a:t>/var/log/secure</a:t>
+            </a:r>
+            <a:r>
+              <a:rPr lang="sl-SI" dirty="0" smtClean="0"/>
+              <a:t>: avtentikacija </a:t>
+            </a:r>
+            <a:endParaRPr lang="en-US" dirty="0" smtClean="0"/>
+          </a:p>
+          <a:p>
+            <a:r>
+              <a:rPr lang="sl-SI" i="1" dirty="0" smtClean="0"/>
+              <a:t>/var/log/utmp</a:t>
+            </a:r>
+            <a:r>
+              <a:rPr lang="sl-SI" dirty="0" smtClean="0"/>
+              <a:t> ali </a:t>
+            </a:r>
+            <a:r>
+              <a:rPr lang="sl-SI" i="1" dirty="0" smtClean="0"/>
+              <a:t>/var/log/wtmp</a:t>
+            </a:r>
+            <a:r>
+              <a:rPr lang="sl-SI" dirty="0" smtClean="0"/>
+              <a:t>:</a:t>
+            </a:r>
+            <a:r>
+              <a:rPr lang="sl-SI" i="1" dirty="0" smtClean="0"/>
+              <a:t> login</a:t>
+            </a:r>
+            <a:r>
+              <a:rPr lang="sl-SI" dirty="0" smtClean="0"/>
+              <a:t> sporočila</a:t>
+            </a:r>
+            <a:endParaRPr lang="en-US" dirty="0"/>
+          </a:p>
+        </p:txBody>
+      </p:sp>
+    </p:spTree>
+  </p:cSld>
+  <p:clrMapOvr>
+    <a:masterClrMapping/>
+  </p:clrMapOvr>
+</p:sld>
+</file>
+
+<file path=ppt/slides/slide15.xml><?xml version="1.0" encoding="utf-8"?>
+<p:sld xmlns:a="http://schemas.openxmlformats.org/drawingml/2006/main" xmlns:r="http://schemas.openxmlformats.org/officeDocument/2006/relationships" xmlns:p="http://schemas.openxmlformats.org/presentationml/2006/main">
+  <p:cSld>
+    <p:spTree>
+      <p:nvGrpSpPr>
+        <p:cNvPr id="1" name=""/>
+        <p:cNvGrpSpPr/>
+        <p:nvPr/>
+      </p:nvGrpSpPr>
+      <p:grpSpPr>
+        <a:xfrm>
+          <a:off x="0" y="0"/>
+          <a:ext cx="0" cy="0"/>
+          <a:chOff x="0" y="0"/>
+          <a:chExt cx="0" cy="0"/>
+        </a:xfrm>
+      </p:grpSpPr>
+      <p:sp>
+        <p:nvSpPr>
+          <p:cNvPr id="2" name="Title 1"/>
+          <p:cNvSpPr>
+            <a:spLocks noGrp="1"/>
+          </p:cNvSpPr>
+          <p:nvPr>
+            <p:ph type="title"/>
+          </p:nvPr>
+        </p:nvSpPr>
+        <p:spPr/>
+        <p:txBody>
+          <a:bodyPr>
+            <a:normAutofit fontScale="90000"/>
+          </a:bodyPr>
+          <a:lstStyle/>
+          <a:p>
+            <a:r>
+              <a:rPr lang="hr-HR" dirty="0" smtClean="0"/>
+              <a:t>Disk zaščiten z enkripcijo in gesli</a:t>
+            </a:r>
+            <a:endParaRPr lang="en-US" dirty="0"/>
+          </a:p>
+        </p:txBody>
+      </p:sp>
+      <p:sp>
+        <p:nvSpPr>
+          <p:cNvPr id="3" name="Content Placeholder 2"/>
+          <p:cNvSpPr>
+            <a:spLocks noGrp="1"/>
+          </p:cNvSpPr>
+          <p:nvPr>
+            <p:ph idx="1"/>
+          </p:nvPr>
+        </p:nvSpPr>
+        <p:spPr/>
+        <p:txBody>
+          <a:bodyPr>
+            <a:normAutofit lnSpcReduction="10000"/>
+          </a:bodyPr>
+          <a:lstStyle/>
+          <a:p>
+            <a:r>
+              <a:rPr lang="hr-HR" dirty="0" smtClean="0"/>
+              <a:t>c</a:t>
+            </a:r>
+            <a:r>
+              <a:rPr lang="hr-HR" dirty="0" smtClean="0"/>
+              <a:t>rypt() – ukaz v bash-u za kriptiranje</a:t>
+            </a:r>
+          </a:p>
+          <a:p>
+            <a:r>
+              <a:rPr lang="hr-HR" dirty="0" smtClean="0"/>
+              <a:t>starejše distribucije Linuxa je uporabljao DES enkripcijski algoritem</a:t>
+            </a:r>
+          </a:p>
+          <a:p>
+            <a:r>
+              <a:rPr lang="hr-HR" dirty="0" smtClean="0"/>
+              <a:t>nove distribucije – MD5, SHA-256, SHA-512, BlowFish</a:t>
+            </a:r>
+          </a:p>
+          <a:p>
+            <a:endParaRPr lang="hr-HR" dirty="0" smtClean="0"/>
+          </a:p>
+          <a:p>
+            <a:r>
+              <a:rPr lang="sl-SI" dirty="0" smtClean="0"/>
+              <a:t>Po zakoniku Republike Slovenije je lastnik diska dolžan preiskovalcem dati vsa gesla in skrite ključe</a:t>
+            </a:r>
+            <a:r>
+              <a:rPr lang="hr-HR" dirty="0" smtClean="0"/>
+              <a:t> </a:t>
+            </a:r>
+          </a:p>
+          <a:p>
+            <a:pPr>
+              <a:buNone/>
+            </a:pPr>
+            <a:r>
+              <a:rPr lang="hr-HR" dirty="0" smtClean="0"/>
+              <a:t>	</a:t>
+            </a:r>
+            <a:r>
+              <a:rPr lang="hr-HR" dirty="0" smtClean="0"/>
+              <a:t>	        </a:t>
+            </a:r>
+            <a:endParaRPr lang="en-US" dirty="0"/>
+          </a:p>
+        </p:txBody>
+      </p:sp>
+    </p:spTree>
+  </p:cSld>
+  <p:clrMapOvr>
+    <a:masterClrMapping/>
+  </p:clrMapOvr>
+</p:sld>
+</file>
+
+<file path=ppt/slides/slide16.xml><?xml version="1.0" encoding="utf-8"?>
+<p:sld xmlns:a="http://schemas.openxmlformats.org/drawingml/2006/main" xmlns:r="http://schemas.openxmlformats.org/officeDocument/2006/relationships" xmlns:p="http://schemas.openxmlformats.org/presentationml/2006/main">
+  <p:cSld>
+    <p:spTree>
+      <p:nvGrpSpPr>
+        <p:cNvPr id="1" name=""/>
+        <p:cNvGrpSpPr/>
+        <p:nvPr/>
+      </p:nvGrpSpPr>
+      <p:grpSpPr>
+        <a:xfrm>
+          <a:off x="0" y="0"/>
+          <a:ext cx="0" cy="0"/>
+          <a:chOff x="0" y="0"/>
+          <a:chExt cx="0" cy="0"/>
+        </a:xfrm>
+      </p:grpSpPr>
+      <p:sp>
+        <p:nvSpPr>
+          <p:cNvPr id="2" name="Title 1"/>
+          <p:cNvSpPr>
+            <a:spLocks noGrp="1"/>
+          </p:cNvSpPr>
+          <p:nvPr>
+            <p:ph type="title"/>
+          </p:nvPr>
+        </p:nvSpPr>
+        <p:spPr/>
+        <p:txBody>
+          <a:bodyPr>
+            <a:normAutofit fontScale="90000"/>
+          </a:bodyPr>
+          <a:lstStyle/>
+          <a:p>
+            <a:r>
+              <a:rPr lang="hr-HR" dirty="0" smtClean="0"/>
+              <a:t>Forenzična orodja za raziskavo diska</a:t>
+            </a:r>
+            <a:endParaRPr lang="en-US" dirty="0"/>
+          </a:p>
+        </p:txBody>
+      </p:sp>
+      <p:sp>
+        <p:nvSpPr>
+          <p:cNvPr id="3" name="Content Placeholder 2"/>
+          <p:cNvSpPr>
+            <a:spLocks noGrp="1"/>
+          </p:cNvSpPr>
+          <p:nvPr>
+            <p:ph idx="1"/>
+          </p:nvPr>
+        </p:nvSpPr>
+        <p:spPr/>
+        <p:txBody>
+          <a:bodyPr/>
+          <a:lstStyle/>
+          <a:p>
+            <a:r>
+              <a:rPr lang="hr-HR" dirty="0" smtClean="0"/>
+              <a:t>SleuthKit, The Linux disk editor, The SMART tool, The Autopsy Forensic Browser, DEFT Linux, Penguin Sleuth Kit...</a:t>
+            </a:r>
+          </a:p>
+          <a:p>
+            <a:endParaRPr lang="hr-HR" dirty="0" smtClean="0"/>
+          </a:p>
+          <a:p>
+            <a:r>
+              <a:rPr lang="hr-HR" dirty="0" smtClean="0"/>
+              <a:t>OpenPuff, Jack the Ripper,</a:t>
+            </a:r>
+          </a:p>
+        </p:txBody>
+      </p:sp>
+    </p:spTree>
+  </p:cSld>
+  <p:clrMapOvr>
+    <a:masterClrMapping/>
+  </p:clrMapOvr>
 </p:sld>
 </file>
 
@@ -4066,11 +4926,7 @@
           <a:p>
             <a:r>
               <a:rPr lang="sl-SI" sz="3600" dirty="0" smtClean="0"/>
-              <a:t>Preiskovanje spletnih </a:t>
-            </a:r>
-            <a:r>
-              <a:rPr lang="sl-SI" sz="3600" dirty="0" smtClean="0"/>
-              <a:t>brskalnikov (1.)</a:t>
+              <a:t>Preiskovanje spletnih brskalnikov (1.)</a:t>
             </a:r>
             <a:endParaRPr lang="sl-SI" sz="3600" dirty="0"/>
           </a:p>
@@ -4127,11 +4983,7 @@
             </a:r>
             <a:r>
               <a:rPr lang="sl-SI" dirty="0" smtClean="0"/>
-              <a:t>/&lt;PROFILE</a:t>
-            </a:r>
-            <a:r>
-              <a:rPr lang="sl-SI" dirty="0" smtClean="0"/>
-              <a:t>&gt;/</a:t>
+              <a:t>/&lt;PROFILE&gt;/</a:t>
             </a:r>
           </a:p>
           <a:p>
@@ -4291,19 +5143,7 @@
           <a:p>
             <a:r>
               <a:rPr lang="sl-SI" sz="3600" dirty="0" smtClean="0"/>
-              <a:t>Preiskovanje spletnih brskalnikov </a:t>
-            </a:r>
-            <a:r>
-              <a:rPr lang="sl-SI" sz="3600" dirty="0" smtClean="0"/>
-              <a:t>(</a:t>
-            </a:r>
-            <a:r>
-              <a:rPr lang="sl-SI" sz="3600" dirty="0" smtClean="0"/>
-              <a:t>2</a:t>
-            </a:r>
-            <a:r>
-              <a:rPr lang="sl-SI" sz="3600" dirty="0" smtClean="0"/>
-              <a:t>.)</a:t>
+              <a:t>Preiskovanje spletnih brskalnikov (2.)</a:t>
             </a:r>
             <a:endParaRPr lang="sl-SI" sz="3600" dirty="0"/>
           </a:p>
@@ -4336,11 +5176,7 @@
             </a:r>
             <a:r>
               <a:rPr lang="sl-SI" dirty="0" smtClean="0"/>
-              <a:t> </a:t>
-            </a:r>
-            <a:r>
-              <a:rPr lang="sl-SI" dirty="0" smtClean="0"/>
-              <a:t>– mikrosekunde od 1.1.1970 </a:t>
+              <a:t> – mikrosekunde od 1.1.1970 </a:t>
             </a:r>
             <a:r>
               <a:rPr lang="sl-SI" dirty="0" smtClean="0">
@@ -4419,11 +5255,7 @@
             </a:r>
             <a:r>
               <a:rPr lang="sl-SI" sz="2700" dirty="0" smtClean="0"/>
-              <a:t>', </a:t>
-            </a:r>
-            <a:r>
-              <a:rPr lang="sl-SI" sz="2700" dirty="0" smtClean="0"/>
-              <a:t>'</a:t>
+              <a:t>', '</a:t>
             </a:r>
             <a:r>
               <a:rPr lang="sl-SI" sz="2700" dirty="0" err="1" smtClean="0"/>
@@ -4583,11 +5415,7 @@
           <a:p>
             <a:r>
               <a:rPr lang="sl-SI" sz="3600" dirty="0" smtClean="0"/>
-              <a:t>Preiskovanje spletnih </a:t>
-            </a:r>
-            <a:r>
-              <a:rPr lang="sl-SI" sz="3600" dirty="0" smtClean="0"/>
-              <a:t>brskalnikov (3.)</a:t>
+              <a:t>Preiskovanje spletnih brskalnikov (3.)</a:t>
             </a:r>
             <a:endParaRPr lang="sl-SI" sz="3600" dirty="0"/>
           </a:p>
@@ -4885,11 +5713,7 @@
           <a:p>
             <a:r>
               <a:rPr lang="sl-SI" sz="3600" dirty="0" smtClean="0"/>
-              <a:t>Preiskovanje spletnih brskalnikov </a:t>
-            </a:r>
-            <a:r>
-              <a:rPr lang="sl-SI" sz="3600" dirty="0" smtClean="0"/>
-              <a:t>(4.)</a:t>
+              <a:t>Preiskovanje spletnih brskalnikov (4.)</a:t>
             </a:r>
             <a:endParaRPr lang="sl-SI" sz="3600" dirty="0"/>
           </a:p>
@@ -5011,11 +5835,7 @@
             </a:pPr>
             <a:r>
               <a:rPr lang="sl-SI" dirty="0" smtClean="0"/>
-              <a:t> ...&gt;</a:t>
-            </a:r>
-            <a:r>
-              <a:rPr lang="sl-SI" dirty="0" smtClean="0"/>
-              <a:t>WHERE </a:t>
+              <a:t> ...&gt;WHERE </a:t>
             </a:r>
             <a:r>
               <a:rPr lang="sl-SI" dirty="0" err="1" smtClean="0"/>
@@ -5096,11 +5916,7 @@
           <a:p>
             <a:r>
               <a:rPr lang="sl-SI" sz="3600" dirty="0" smtClean="0"/>
-              <a:t>Preiskovanje spletnih brskalnikov </a:t>
-            </a:r>
-            <a:r>
-              <a:rPr lang="sl-SI" sz="3600" dirty="0" smtClean="0"/>
-              <a:t>(5.)</a:t>
+              <a:t>Preiskovanje spletnih brskalnikov (5.)</a:t>
             </a:r>
             <a:endParaRPr lang="sl-SI" sz="3600" dirty="0"/>
           </a:p>
@@ -5220,6 +6036,229 @@
       </p:par>
     </p:tnLst>
   </p:timing>
+</p:sld>
+</file>
+
+<file path=ppt/slides/slide8.xml><?xml version="1.0" encoding="utf-8"?>
+<p:sld xmlns:a="http://schemas.openxmlformats.org/drawingml/2006/main" xmlns:r="http://schemas.openxmlformats.org/officeDocument/2006/relationships" xmlns:p="http://schemas.openxmlformats.org/presentationml/2006/main">
+  <p:cSld>
+    <p:spTree>
+      <p:nvGrpSpPr>
+        <p:cNvPr id="1" name=""/>
+        <p:cNvGrpSpPr/>
+        <p:nvPr/>
+      </p:nvGrpSpPr>
+      <p:grpSpPr>
+        <a:xfrm>
+          <a:off x="0" y="0"/>
+          <a:ext cx="0" cy="0"/>
+          <a:chOff x="0" y="0"/>
+          <a:chExt cx="0" cy="0"/>
+        </a:xfrm>
+      </p:grpSpPr>
+      <p:sp>
+        <p:nvSpPr>
+          <p:cNvPr id="2" name="Title 1"/>
+          <p:cNvSpPr>
+            <a:spLocks noGrp="1"/>
+          </p:cNvSpPr>
+          <p:nvPr>
+            <p:ph type="title"/>
+          </p:nvPr>
+        </p:nvSpPr>
+        <p:spPr/>
+        <p:txBody>
+          <a:bodyPr>
+            <a:normAutofit fontScale="90000"/>
+          </a:bodyPr>
+          <a:lstStyle/>
+          <a:p>
+            <a:r>
+              <a:rPr lang="hr-HR" dirty="0" smtClean="0"/>
+              <a:t>Forenzična preiskava diska</a:t>
+            </a:r>
+            <a:r>
+              <a:rPr lang="hr-HR" sz="3300" dirty="0" smtClean="0"/>
+              <a:t/>
+            </a:r>
+            <a:br>
+              <a:rPr lang="hr-HR" sz="3300" dirty="0" smtClean="0"/>
+            </a:br>
+            <a:r>
+              <a:rPr lang="hr-HR" sz="3300" dirty="0" smtClean="0"/>
+              <a:t>opisali: Željko Plesac,Jan Varljen</a:t>
+            </a:r>
+            <a:endParaRPr lang="en-US" sz="3300" dirty="0"/>
+          </a:p>
+        </p:txBody>
+      </p:sp>
+      <p:sp>
+        <p:nvSpPr>
+          <p:cNvPr id="3" name="Content Placeholder 2"/>
+          <p:cNvSpPr>
+            <a:spLocks noGrp="1"/>
+          </p:cNvSpPr>
+          <p:nvPr>
+            <p:ph idx="1"/>
+          </p:nvPr>
+        </p:nvSpPr>
+        <p:spPr/>
+        <p:txBody>
+          <a:bodyPr/>
+          <a:lstStyle/>
+          <a:p>
+            <a:r>
+              <a:rPr lang="hr-HR" dirty="0" smtClean="0"/>
+              <a:t>priklopitev diska v </a:t>
+            </a:r>
+            <a:r>
+              <a:rPr lang="hr-HR" i="1" dirty="0" smtClean="0"/>
+              <a:t>read-only</a:t>
+            </a:r>
+            <a:r>
+              <a:rPr lang="hr-HR" dirty="0" smtClean="0"/>
+              <a:t> načinu</a:t>
+            </a:r>
+          </a:p>
+          <a:p>
+            <a:r>
+              <a:rPr lang="hr-HR" dirty="0" smtClean="0"/>
+              <a:t>posebnosti Linux okolja</a:t>
+            </a:r>
+          </a:p>
+          <a:p>
+            <a:r>
+              <a:rPr lang="hr-HR" dirty="0" smtClean="0"/>
+              <a:t>f</a:t>
+            </a:r>
+            <a:r>
+              <a:rPr lang="hr-HR" dirty="0" smtClean="0"/>
+              <a:t>orenzična orodja za preiskavo diska</a:t>
+            </a:r>
+          </a:p>
+          <a:p>
+            <a:endParaRPr lang="en-US" dirty="0"/>
+          </a:p>
+        </p:txBody>
+      </p:sp>
+    </p:spTree>
+  </p:cSld>
+  <p:clrMapOvr>
+    <a:masterClrMapping/>
+  </p:clrMapOvr>
+</p:sld>
+</file>
+
+<file path=ppt/slides/slide9.xml><?xml version="1.0" encoding="utf-8"?>
+<p:sld xmlns:a="http://schemas.openxmlformats.org/drawingml/2006/main" xmlns:r="http://schemas.openxmlformats.org/officeDocument/2006/relationships" xmlns:p="http://schemas.openxmlformats.org/presentationml/2006/main">
+  <p:cSld>
+    <p:spTree>
+      <p:nvGrpSpPr>
+        <p:cNvPr id="1" name=""/>
+        <p:cNvGrpSpPr/>
+        <p:nvPr/>
+      </p:nvGrpSpPr>
+      <p:grpSpPr>
+        <a:xfrm>
+          <a:off x="0" y="0"/>
+          <a:ext cx="0" cy="0"/>
+          <a:chOff x="0" y="0"/>
+          <a:chExt cx="0" cy="0"/>
+        </a:xfrm>
+      </p:grpSpPr>
+      <p:sp>
+        <p:nvSpPr>
+          <p:cNvPr id="2" name="Title 1"/>
+          <p:cNvSpPr>
+            <a:spLocks noGrp="1"/>
+          </p:cNvSpPr>
+          <p:nvPr>
+            <p:ph type="title"/>
+          </p:nvPr>
+        </p:nvSpPr>
+        <p:spPr/>
+        <p:txBody>
+          <a:bodyPr>
+            <a:normAutofit/>
+          </a:bodyPr>
+          <a:lstStyle/>
+          <a:p>
+            <a:r>
+              <a:rPr lang="hr-HR" sz="4000" dirty="0" smtClean="0"/>
+              <a:t>Forenzična preiskava diska(1)</a:t>
+            </a:r>
+            <a:endParaRPr lang="en-US" sz="4000" dirty="0"/>
+          </a:p>
+        </p:txBody>
+      </p:sp>
+      <p:sp>
+        <p:nvSpPr>
+          <p:cNvPr id="3" name="Content Placeholder 2"/>
+          <p:cNvSpPr>
+            <a:spLocks noGrp="1"/>
+          </p:cNvSpPr>
+          <p:nvPr>
+            <p:ph idx="1"/>
+          </p:nvPr>
+        </p:nvSpPr>
+        <p:spPr/>
+        <p:txBody>
+          <a:bodyPr/>
+          <a:lstStyle/>
+          <a:p>
+            <a:r>
+              <a:rPr lang="hr-HR" dirty="0" smtClean="0"/>
+              <a:t>k</a:t>
+            </a:r>
+            <a:r>
+              <a:rPr lang="hr-HR" dirty="0" smtClean="0"/>
+              <a:t>o smo prejeli disk(ali sliko diska), na računalnik ga priklopimo v </a:t>
+            </a:r>
+            <a:r>
+              <a:rPr lang="hr-HR" i="1" dirty="0" smtClean="0"/>
+              <a:t>read-only</a:t>
+            </a:r>
+            <a:r>
+              <a:rPr lang="hr-HR" dirty="0" smtClean="0"/>
+              <a:t> načinu</a:t>
+            </a:r>
+          </a:p>
+          <a:p>
+            <a:endParaRPr lang="hr-HR" dirty="0" smtClean="0"/>
+          </a:p>
+          <a:p>
+            <a:pPr lvl="1">
+              <a:buNone/>
+            </a:pPr>
+            <a:r>
+              <a:rPr lang="hr-HR" sz="2200" dirty="0" smtClean="0"/>
+              <a:t>	mount –r medij direktorij</a:t>
+            </a:r>
+            <a:endParaRPr lang="hr-HR" sz="3200" dirty="0" smtClean="0"/>
+          </a:p>
+          <a:p>
+            <a:pPr lvl="1">
+              <a:buNone/>
+            </a:pPr>
+            <a:endParaRPr lang="hr-HR" sz="3200" dirty="0" smtClean="0"/>
+          </a:p>
+          <a:p>
+            <a:pPr lvl="1">
+              <a:buNone/>
+            </a:pPr>
+            <a:r>
+              <a:rPr lang="hr-HR" sz="3200" dirty="0" smtClean="0"/>
+              <a:t>Z tim smo zagotovili nespremenjljivost podatkov(uporabimo še MD5 hash kodo)</a:t>
+            </a:r>
+            <a:endParaRPr lang="hr-HR" sz="2200" dirty="0" smtClean="0"/>
+          </a:p>
+        </p:txBody>
+      </p:sp>
+    </p:spTree>
+  </p:cSld>
+  <p:clrMapOvr>
+    <a:masterClrMapping/>
+  </p:clrMapOvr>
 </p:sld>
 </file>
 

--- a/Forenzicna_analiza_OS_Linux.pptx
+++ b/Forenzicna_analiza_OS_Linux.pptx
@@ -4,23 +4,32 @@
   <p:sldMasterIdLst>
     <p:sldMasterId id="2147483672" r:id="rId1"/>
   </p:sldMasterIdLst>
+  <p:notesMasterIdLst>
+    <p:notesMasterId r:id="rId24"/>
+  </p:notesMasterIdLst>
   <p:sldIdLst>
     <p:sldId id="256" r:id="rId2"/>
-    <p:sldId id="257" r:id="rId3"/>
-    <p:sldId id="258" r:id="rId4"/>
-    <p:sldId id="259" r:id="rId5"/>
-    <p:sldId id="260" r:id="rId6"/>
-    <p:sldId id="261" r:id="rId7"/>
-    <p:sldId id="262" r:id="rId8"/>
-    <p:sldId id="263" r:id="rId9"/>
-    <p:sldId id="264" r:id="rId10"/>
-    <p:sldId id="265" r:id="rId11"/>
-    <p:sldId id="266" r:id="rId12"/>
-    <p:sldId id="267" r:id="rId13"/>
-    <p:sldId id="268" r:id="rId14"/>
-    <p:sldId id="269" r:id="rId15"/>
-    <p:sldId id="270" r:id="rId16"/>
-    <p:sldId id="271" r:id="rId17"/>
+    <p:sldId id="272" r:id="rId3"/>
+    <p:sldId id="273" r:id="rId4"/>
+    <p:sldId id="274" r:id="rId5"/>
+    <p:sldId id="275" r:id="rId6"/>
+    <p:sldId id="276" r:id="rId7"/>
+    <p:sldId id="277" r:id="rId8"/>
+    <p:sldId id="278" r:id="rId9"/>
+    <p:sldId id="279" r:id="rId10"/>
+    <p:sldId id="280" r:id="rId11"/>
+    <p:sldId id="281" r:id="rId12"/>
+    <p:sldId id="282" r:id="rId13"/>
+    <p:sldId id="283" r:id="rId14"/>
+    <p:sldId id="284" r:id="rId15"/>
+    <p:sldId id="285" r:id="rId16"/>
+    <p:sldId id="286" r:id="rId17"/>
+    <p:sldId id="257" r:id="rId18"/>
+    <p:sldId id="258" r:id="rId19"/>
+    <p:sldId id="259" r:id="rId20"/>
+    <p:sldId id="260" r:id="rId21"/>
+    <p:sldId id="261" r:id="rId22"/>
+    <p:sldId id="262" r:id="rId23"/>
   </p:sldIdLst>
   <p:sldSz cx="9144000" cy="6858000" type="screen4x3"/>
   <p:notesSz cx="6858000" cy="9144000"/>
@@ -120,6 +129,440 @@
     </a:lvl9pPr>
   </p:defaultTextStyle>
 </p:presentation>
+</file>
+
+<file path=ppt/notesMasters/notesMaster1.xml><?xml version="1.0" encoding="utf-8"?>
+<p:notesMaster xmlns:a="http://schemas.openxmlformats.org/drawingml/2006/main" xmlns:r="http://schemas.openxmlformats.org/officeDocument/2006/relationships" xmlns:p="http://schemas.openxmlformats.org/presentationml/2006/main">
+  <p:cSld>
+    <p:bg>
+      <p:bgRef idx="1001">
+        <a:schemeClr val="bg1"/>
+      </p:bgRef>
+    </p:bg>
+    <p:spTree>
+      <p:nvGrpSpPr>
+        <p:cNvPr id="1" name=""/>
+        <p:cNvGrpSpPr/>
+        <p:nvPr/>
+      </p:nvGrpSpPr>
+      <p:grpSpPr>
+        <a:xfrm>
+          <a:off x="0" y="0"/>
+          <a:ext cx="0" cy="0"/>
+          <a:chOff x="0" y="0"/>
+          <a:chExt cx="0" cy="0"/>
+        </a:xfrm>
+      </p:grpSpPr>
+      <p:sp>
+        <p:nvSpPr>
+          <p:cNvPr id="2" name="Header Placeholder 1"/>
+          <p:cNvSpPr>
+            <a:spLocks noGrp="1"/>
+          </p:cNvSpPr>
+          <p:nvPr>
+            <p:ph type="hdr" sz="quarter"/>
+          </p:nvPr>
+        </p:nvSpPr>
+        <p:spPr>
+          <a:xfrm>
+            <a:off x="0" y="0"/>
+            <a:ext cx="2971800" cy="457200"/>
+          </a:xfrm>
+          <a:prstGeom prst="rect">
+            <a:avLst/>
+          </a:prstGeom>
+        </p:spPr>
+        <p:txBody>
+          <a:bodyPr vert="horz" lIns="91440" tIns="45720" rIns="91440" bIns="45720" rtlCol="0"/>
+          <a:lstStyle>
+            <a:lvl1pPr algn="l">
+              <a:defRPr sz="1200"/>
+            </a:lvl1pPr>
+          </a:lstStyle>
+          <a:p>
+            <a:endParaRPr lang="sl-SI"/>
+          </a:p>
+        </p:txBody>
+      </p:sp>
+      <p:sp>
+        <p:nvSpPr>
+          <p:cNvPr id="3" name="Date Placeholder 2"/>
+          <p:cNvSpPr>
+            <a:spLocks noGrp="1"/>
+          </p:cNvSpPr>
+          <p:nvPr>
+            <p:ph type="dt" idx="1"/>
+          </p:nvPr>
+        </p:nvSpPr>
+        <p:spPr>
+          <a:xfrm>
+            <a:off x="3884613" y="0"/>
+            <a:ext cx="2971800" cy="457200"/>
+          </a:xfrm>
+          <a:prstGeom prst="rect">
+            <a:avLst/>
+          </a:prstGeom>
+        </p:spPr>
+        <p:txBody>
+          <a:bodyPr vert="horz" lIns="91440" tIns="45720" rIns="91440" bIns="45720" rtlCol="0"/>
+          <a:lstStyle>
+            <a:lvl1pPr algn="r">
+              <a:defRPr sz="1200"/>
+            </a:lvl1pPr>
+          </a:lstStyle>
+          <a:p>
+            <a:fld id="{0CC6D711-9C7A-43E8-8C63-5C2510C58EF8}" type="datetimeFigureOut">
+              <a:rPr lang="sl-SI" smtClean="0"/>
+              <a:t>18.5.2012</a:t>
+            </a:fld>
+            <a:endParaRPr lang="sl-SI"/>
+          </a:p>
+        </p:txBody>
+      </p:sp>
+      <p:sp>
+        <p:nvSpPr>
+          <p:cNvPr id="4" name="Slide Image Placeholder 3"/>
+          <p:cNvSpPr>
+            <a:spLocks noGrp="1" noRot="1" noChangeAspect="1"/>
+          </p:cNvSpPr>
+          <p:nvPr>
+            <p:ph type="sldImg" idx="2"/>
+          </p:nvPr>
+        </p:nvSpPr>
+        <p:spPr>
+          <a:xfrm>
+            <a:off x="1143000" y="685800"/>
+            <a:ext cx="4572000" cy="3429000"/>
+          </a:xfrm>
+          <a:prstGeom prst="rect">
+            <a:avLst/>
+          </a:prstGeom>
+          <a:noFill/>
+          <a:ln w="12700">
+            <a:solidFill>
+              <a:prstClr val="black"/>
+            </a:solidFill>
+          </a:ln>
+        </p:spPr>
+        <p:txBody>
+          <a:bodyPr vert="horz" lIns="91440" tIns="45720" rIns="91440" bIns="45720" rtlCol="0" anchor="ctr"/>
+          <a:lstStyle/>
+          <a:p>
+            <a:endParaRPr lang="sl-SI"/>
+          </a:p>
+        </p:txBody>
+      </p:sp>
+      <p:sp>
+        <p:nvSpPr>
+          <p:cNvPr id="5" name="Notes Placeholder 4"/>
+          <p:cNvSpPr>
+            <a:spLocks noGrp="1"/>
+          </p:cNvSpPr>
+          <p:nvPr>
+            <p:ph type="body" sz="quarter" idx="3"/>
+          </p:nvPr>
+        </p:nvSpPr>
+        <p:spPr>
+          <a:xfrm>
+            <a:off x="685800" y="4343400"/>
+            <a:ext cx="5486400" cy="4114800"/>
+          </a:xfrm>
+          <a:prstGeom prst="rect">
+            <a:avLst/>
+          </a:prstGeom>
+        </p:spPr>
+        <p:txBody>
+          <a:bodyPr vert="horz" lIns="91440" tIns="45720" rIns="91440" bIns="45720" rtlCol="0"/>
+          <a:lstStyle/>
+          <a:p>
+            <a:pPr lvl="0"/>
+            <a:r>
+              <a:rPr lang="en-US" smtClean="0"/>
+              <a:t>Click to edit Master text styles</a:t>
+            </a:r>
+          </a:p>
+          <a:p>
+            <a:pPr lvl="1"/>
+            <a:r>
+              <a:rPr lang="en-US" smtClean="0"/>
+              <a:t>Second level</a:t>
+            </a:r>
+          </a:p>
+          <a:p>
+            <a:pPr lvl="2"/>
+            <a:r>
+              <a:rPr lang="en-US" smtClean="0"/>
+              <a:t>Third level</a:t>
+            </a:r>
+          </a:p>
+          <a:p>
+            <a:pPr lvl="3"/>
+            <a:r>
+              <a:rPr lang="en-US" smtClean="0"/>
+              <a:t>Fourth level</a:t>
+            </a:r>
+          </a:p>
+          <a:p>
+            <a:pPr lvl="4"/>
+            <a:r>
+              <a:rPr lang="en-US" smtClean="0"/>
+              <a:t>Fifth level</a:t>
+            </a:r>
+            <a:endParaRPr lang="sl-SI"/>
+          </a:p>
+        </p:txBody>
+      </p:sp>
+      <p:sp>
+        <p:nvSpPr>
+          <p:cNvPr id="6" name="Footer Placeholder 5"/>
+          <p:cNvSpPr>
+            <a:spLocks noGrp="1"/>
+          </p:cNvSpPr>
+          <p:nvPr>
+            <p:ph type="ftr" sz="quarter" idx="4"/>
+          </p:nvPr>
+        </p:nvSpPr>
+        <p:spPr>
+          <a:xfrm>
+            <a:off x="0" y="8685213"/>
+            <a:ext cx="2971800" cy="457200"/>
+          </a:xfrm>
+          <a:prstGeom prst="rect">
+            <a:avLst/>
+          </a:prstGeom>
+        </p:spPr>
+        <p:txBody>
+          <a:bodyPr vert="horz" lIns="91440" tIns="45720" rIns="91440" bIns="45720" rtlCol="0" anchor="b"/>
+          <a:lstStyle>
+            <a:lvl1pPr algn="l">
+              <a:defRPr sz="1200"/>
+            </a:lvl1pPr>
+          </a:lstStyle>
+          <a:p>
+            <a:endParaRPr lang="sl-SI"/>
+          </a:p>
+        </p:txBody>
+      </p:sp>
+      <p:sp>
+        <p:nvSpPr>
+          <p:cNvPr id="7" name="Slide Number Placeholder 6"/>
+          <p:cNvSpPr>
+            <a:spLocks noGrp="1"/>
+          </p:cNvSpPr>
+          <p:nvPr>
+            <p:ph type="sldNum" sz="quarter" idx="5"/>
+          </p:nvPr>
+        </p:nvSpPr>
+        <p:spPr>
+          <a:xfrm>
+            <a:off x="3884613" y="8685213"/>
+            <a:ext cx="2971800" cy="457200"/>
+          </a:xfrm>
+          <a:prstGeom prst="rect">
+            <a:avLst/>
+          </a:prstGeom>
+        </p:spPr>
+        <p:txBody>
+          <a:bodyPr vert="horz" lIns="91440" tIns="45720" rIns="91440" bIns="45720" rtlCol="0" anchor="b"/>
+          <a:lstStyle>
+            <a:lvl1pPr algn="r">
+              <a:defRPr sz="1200"/>
+            </a:lvl1pPr>
+          </a:lstStyle>
+          <a:p>
+            <a:fld id="{2C770F41-F639-4322-B20E-B9DD24322D64}" type="slidenum">
+              <a:rPr lang="sl-SI" smtClean="0"/>
+              <a:t>‹#›</a:t>
+            </a:fld>
+            <a:endParaRPr lang="sl-SI"/>
+          </a:p>
+        </p:txBody>
+      </p:sp>
+    </p:spTree>
+    <p:extLst>
+      <p:ext uri="{BB962C8B-B14F-4D97-AF65-F5344CB8AC3E}">
+        <p14:creationId xmlns:p14="http://schemas.microsoft.com/office/powerpoint/2010/main" val="2361593570"/>
+      </p:ext>
+    </p:extLst>
+  </p:cSld>
+  <p:clrMap bg1="lt1" tx1="dk1" bg2="lt2" tx2="dk2" accent1="accent1" accent2="accent2" accent3="accent3" accent4="accent4" accent5="accent5" accent6="accent6" hlink="hlink" folHlink="folHlink"/>
+  <p:notesStyle>
+    <a:lvl1pPr marL="0" algn="l" defTabSz="914400" rtl="0" eaLnBrk="1" latinLnBrk="0" hangingPunct="1">
+      <a:defRPr sz="1200" kern="1200">
+        <a:solidFill>
+          <a:schemeClr val="tx1"/>
+        </a:solidFill>
+        <a:latin typeface="+mn-lt"/>
+        <a:ea typeface="+mn-ea"/>
+        <a:cs typeface="+mn-cs"/>
+      </a:defRPr>
+    </a:lvl1pPr>
+    <a:lvl2pPr marL="457200" algn="l" defTabSz="914400" rtl="0" eaLnBrk="1" latinLnBrk="0" hangingPunct="1">
+      <a:defRPr sz="1200" kern="1200">
+        <a:solidFill>
+          <a:schemeClr val="tx1"/>
+        </a:solidFill>
+        <a:latin typeface="+mn-lt"/>
+        <a:ea typeface="+mn-ea"/>
+        <a:cs typeface="+mn-cs"/>
+      </a:defRPr>
+    </a:lvl2pPr>
+    <a:lvl3pPr marL="914400" algn="l" defTabSz="914400" rtl="0" eaLnBrk="1" latinLnBrk="0" hangingPunct="1">
+      <a:defRPr sz="1200" kern="1200">
+        <a:solidFill>
+          <a:schemeClr val="tx1"/>
+        </a:solidFill>
+        <a:latin typeface="+mn-lt"/>
+        <a:ea typeface="+mn-ea"/>
+        <a:cs typeface="+mn-cs"/>
+      </a:defRPr>
+    </a:lvl3pPr>
+    <a:lvl4pPr marL="1371600" algn="l" defTabSz="914400" rtl="0" eaLnBrk="1" latinLnBrk="0" hangingPunct="1">
+      <a:defRPr sz="1200" kern="1200">
+        <a:solidFill>
+          <a:schemeClr val="tx1"/>
+        </a:solidFill>
+        <a:latin typeface="+mn-lt"/>
+        <a:ea typeface="+mn-ea"/>
+        <a:cs typeface="+mn-cs"/>
+      </a:defRPr>
+    </a:lvl4pPr>
+    <a:lvl5pPr marL="1828800" algn="l" defTabSz="914400" rtl="0" eaLnBrk="1" latinLnBrk="0" hangingPunct="1">
+      <a:defRPr sz="1200" kern="1200">
+        <a:solidFill>
+          <a:schemeClr val="tx1"/>
+        </a:solidFill>
+        <a:latin typeface="+mn-lt"/>
+        <a:ea typeface="+mn-ea"/>
+        <a:cs typeface="+mn-cs"/>
+      </a:defRPr>
+    </a:lvl5pPr>
+    <a:lvl6pPr marL="2286000" algn="l" defTabSz="914400" rtl="0" eaLnBrk="1" latinLnBrk="0" hangingPunct="1">
+      <a:defRPr sz="1200" kern="1200">
+        <a:solidFill>
+          <a:schemeClr val="tx1"/>
+        </a:solidFill>
+        <a:latin typeface="+mn-lt"/>
+        <a:ea typeface="+mn-ea"/>
+        <a:cs typeface="+mn-cs"/>
+      </a:defRPr>
+    </a:lvl6pPr>
+    <a:lvl7pPr marL="2743200" algn="l" defTabSz="914400" rtl="0" eaLnBrk="1" latinLnBrk="0" hangingPunct="1">
+      <a:defRPr sz="1200" kern="1200">
+        <a:solidFill>
+          <a:schemeClr val="tx1"/>
+        </a:solidFill>
+        <a:latin typeface="+mn-lt"/>
+        <a:ea typeface="+mn-ea"/>
+        <a:cs typeface="+mn-cs"/>
+      </a:defRPr>
+    </a:lvl7pPr>
+    <a:lvl8pPr marL="3200400" algn="l" defTabSz="914400" rtl="0" eaLnBrk="1" latinLnBrk="0" hangingPunct="1">
+      <a:defRPr sz="1200" kern="1200">
+        <a:solidFill>
+          <a:schemeClr val="tx1"/>
+        </a:solidFill>
+        <a:latin typeface="+mn-lt"/>
+        <a:ea typeface="+mn-ea"/>
+        <a:cs typeface="+mn-cs"/>
+      </a:defRPr>
+    </a:lvl8pPr>
+    <a:lvl9pPr marL="3657600" algn="l" defTabSz="914400" rtl="0" eaLnBrk="1" latinLnBrk="0" hangingPunct="1">
+      <a:defRPr sz="1200" kern="1200">
+        <a:solidFill>
+          <a:schemeClr val="tx1"/>
+        </a:solidFill>
+        <a:latin typeface="+mn-lt"/>
+        <a:ea typeface="+mn-ea"/>
+        <a:cs typeface="+mn-cs"/>
+      </a:defRPr>
+    </a:lvl9pPr>
+  </p:notesStyle>
+</p:notesMaster>
+</file>
+
+<file path=ppt/notesSlides/notesSlide1.xml><?xml version="1.0" encoding="utf-8"?>
+<p:notes xmlns:a="http://schemas.openxmlformats.org/drawingml/2006/main" xmlns:r="http://schemas.openxmlformats.org/officeDocument/2006/relationships" xmlns:p="http://schemas.openxmlformats.org/presentationml/2006/main">
+  <p:cSld>
+    <p:spTree>
+      <p:nvGrpSpPr>
+        <p:cNvPr id="1" name=""/>
+        <p:cNvGrpSpPr/>
+        <p:nvPr/>
+      </p:nvGrpSpPr>
+      <p:grpSpPr>
+        <a:xfrm>
+          <a:off x="0" y="0"/>
+          <a:ext cx="0" cy="0"/>
+          <a:chOff x="0" y="0"/>
+          <a:chExt cx="0" cy="0"/>
+        </a:xfrm>
+      </p:grpSpPr>
+      <p:sp>
+        <p:nvSpPr>
+          <p:cNvPr id="2" name="Slide Image Placeholder 1"/>
+          <p:cNvSpPr>
+            <a:spLocks noGrp="1" noRot="1" noChangeAspect="1"/>
+          </p:cNvSpPr>
+          <p:nvPr>
+            <p:ph type="sldImg"/>
+          </p:nvPr>
+        </p:nvSpPr>
+        <p:spPr/>
+      </p:sp>
+      <p:sp>
+        <p:nvSpPr>
+          <p:cNvPr id="3" name="Notes Placeholder 2"/>
+          <p:cNvSpPr>
+            <a:spLocks noGrp="1"/>
+          </p:cNvSpPr>
+          <p:nvPr>
+            <p:ph type="body" idx="1"/>
+          </p:nvPr>
+        </p:nvSpPr>
+        <p:spPr/>
+        <p:txBody>
+          <a:bodyPr/>
+          <a:lstStyle/>
+          <a:p>
+            <a:endParaRPr lang="sl-SI" dirty="0"/>
+          </a:p>
+        </p:txBody>
+      </p:sp>
+      <p:sp>
+        <p:nvSpPr>
+          <p:cNvPr id="4" name="Slide Number Placeholder 3"/>
+          <p:cNvSpPr>
+            <a:spLocks noGrp="1"/>
+          </p:cNvSpPr>
+          <p:nvPr>
+            <p:ph type="sldNum" sz="quarter" idx="10"/>
+          </p:nvPr>
+        </p:nvSpPr>
+        <p:spPr/>
+        <p:txBody>
+          <a:bodyPr/>
+          <a:lstStyle/>
+          <a:p>
+            <a:fld id="{2C770F41-F639-4322-B20E-B9DD24322D64}" type="slidenum">
+              <a:rPr lang="sl-SI" smtClean="0"/>
+              <a:t>16</a:t>
+            </a:fld>
+            <a:endParaRPr lang="sl-SI"/>
+          </a:p>
+        </p:txBody>
+      </p:sp>
+    </p:spTree>
+    <p:extLst>
+      <p:ext uri="{BB962C8B-B14F-4D97-AF65-F5344CB8AC3E}">
+        <p14:creationId xmlns:p14="http://schemas.microsoft.com/office/powerpoint/2010/main" val="4070342644"/>
+      </p:ext>
+    </p:extLst>
+  </p:cSld>
+  <p:clrMapOvr>
+    <a:masterClrMapping/>
+  </p:clrMapOvr>
+</p:notes>
 </file>
 
 <file path=ppt/slideLayouts/slideLayout1.xml><?xml version="1.0" encoding="utf-8"?>
@@ -3729,13 +4172,19 @@
             <p:ph type="ctrTitle"/>
           </p:nvPr>
         </p:nvSpPr>
-        <p:spPr/>
+        <p:spPr>
+          <a:xfrm>
+            <a:off x="464234" y="381001"/>
+            <a:ext cx="8229600" cy="1679847"/>
+          </a:xfrm>
+        </p:spPr>
         <p:txBody>
           <a:bodyPr>
             <a:normAutofit fontScale="90000"/>
           </a:bodyPr>
           <a:lstStyle/>
           <a:p>
+            <a:pPr algn="ctr"/>
             <a:r>
               <a:rPr lang="sl-SI" b="1" dirty="0" smtClean="0"/>
               <a:t>Forenzična analiza operacijskega sistema Linux </a:t>
@@ -3757,15 +4206,16 @@
         <p:spPr>
           <a:xfrm>
             <a:off x="251520" y="2819400"/>
-            <a:ext cx="8442314" cy="1977752"/>
+            <a:ext cx="8442314" cy="3921968"/>
           </a:xfrm>
         </p:spPr>
         <p:txBody>
           <a:bodyPr>
-            <a:normAutofit fontScale="70000" lnSpcReduction="20000"/>
+            <a:normAutofit fontScale="92500" lnSpcReduction="20000"/>
           </a:bodyPr>
           <a:lstStyle/>
           <a:p>
+            <a:pPr algn="ctr"/>
             <a:r>
               <a:rPr lang="sl-SI" sz="4000" dirty="0" smtClean="0">
                 <a:latin typeface="Baskerville Old Face" pitchFamily="18" charset="0"/>
@@ -3783,55 +4233,57 @@
             </a:endParaRPr>
           </a:p>
           <a:p>
+            <a:pPr algn="ctr"/>
             <a:endParaRPr lang="sl-SI" dirty="0" smtClean="0">
               <a:latin typeface="Baskerville Old Face" pitchFamily="18" charset="0"/>
             </a:endParaRPr>
           </a:p>
           <a:p>
+            <a:pPr algn="ctr"/>
+            <a:r>
+              <a:rPr lang="sl-SI" dirty="0">
+                <a:latin typeface="Baskerville Old Face" pitchFamily="18" charset="0"/>
+              </a:rPr>
+              <a:t>Člani skupine:</a:t>
+            </a:r>
+          </a:p>
+          <a:p>
+            <a:pPr algn="ctr"/>
+            <a:r>
+              <a:rPr lang="sl-SI" dirty="0">
+                <a:latin typeface="Baskerville Old Face" pitchFamily="18" charset="0"/>
+              </a:rPr>
+              <a:t>Žiga Elsner, Primož Bajželj, Uroš Kastelic, </a:t>
+            </a:r>
+          </a:p>
+          <a:p>
+            <a:pPr algn="ctr"/>
+            <a:r>
+              <a:rPr lang="sl-SI" dirty="0">
+                <a:latin typeface="Baskerville Old Face" pitchFamily="18" charset="0"/>
+              </a:rPr>
+              <a:t>Željko Plesac, Jan Varljen</a:t>
+            </a:r>
+          </a:p>
+          <a:p>
+            <a:pPr algn="ctr"/>
             <a:endParaRPr lang="sl-SI" dirty="0" smtClean="0">
               <a:latin typeface="Baskerville Old Face" pitchFamily="18" charset="0"/>
             </a:endParaRPr>
           </a:p>
           <a:p>
+            <a:pPr algn="ctr"/>
+            <a:endParaRPr lang="sl-SI" dirty="0">
+              <a:latin typeface="Baskerville Old Face" pitchFamily="18" charset="0"/>
+            </a:endParaRPr>
+          </a:p>
+          <a:p>
+            <a:pPr algn="ctr"/>
             <a:r>
               <a:rPr lang="sl-SI" dirty="0" smtClean="0">
                 <a:latin typeface="Baskerville Old Face" pitchFamily="18" charset="0"/>
               </a:rPr>
-              <a:t>Člani skupine:</a:t>
-            </a:r>
-          </a:p>
-          <a:p>
-            <a:r>
-              <a:rPr lang="sl-SI" dirty="0" smtClean="0">
-                <a:latin typeface="Baskerville Old Face" pitchFamily="18" charset="0"/>
-              </a:rPr>
-              <a:t>Žiga Elsner, Primož Bajželj, Uroš Kastelic, </a:t>
-            </a:r>
-          </a:p>
-          <a:p>
-            <a:r>
-              <a:rPr lang="sl-SI" dirty="0" smtClean="0">
-                <a:latin typeface="Baskerville Old Face" pitchFamily="18" charset="0"/>
-              </a:rPr>
-              <a:t>Željko </a:t>
-            </a:r>
-            <a:r>
-              <a:rPr lang="sl-SI" dirty="0" err="1" smtClean="0">
-                <a:latin typeface="Baskerville Old Face" pitchFamily="18" charset="0"/>
-              </a:rPr>
-              <a:t>Plesac</a:t>
-            </a:r>
-            <a:r>
-              <a:rPr lang="sl-SI" dirty="0" smtClean="0">
-                <a:latin typeface="Baskerville Old Face" pitchFamily="18" charset="0"/>
-              </a:rPr>
-              <a:t>, Jan </a:t>
-            </a:r>
-            <a:r>
-              <a:rPr lang="sl-SI" dirty="0" err="1" smtClean="0">
-                <a:latin typeface="Baskerville Old Face" pitchFamily="18" charset="0"/>
-              </a:rPr>
-              <a:t>Varljen</a:t>
+              <a:t>FRI, 2012</a:t>
             </a:r>
             <a:endParaRPr lang="sl-SI" dirty="0">
               <a:latin typeface="Baskerville Old Face" pitchFamily="18" charset="0"/>
@@ -3883,12 +4335,15 @@
         </p:nvSpPr>
         <p:spPr/>
         <p:txBody>
-          <a:bodyPr/>
+          <a:bodyPr>
+            <a:normAutofit fontScale="90000"/>
+          </a:bodyPr>
           <a:lstStyle/>
           <a:p>
+            <a:pPr algn="l"/>
             <a:r>
               <a:rPr lang="hr-HR" dirty="0" smtClean="0"/>
-              <a:t>Forenzična preiskava diska(2)</a:t>
+              <a:t>Disk zaščiten z enkripcijo in gesli</a:t>
             </a:r>
             <a:endParaRPr lang="en-US" dirty="0"/>
           </a:p>
@@ -3906,12 +4361,47 @@
         </p:nvSpPr>
         <p:spPr/>
         <p:txBody>
-          <a:bodyPr/>
+          <a:bodyPr>
+            <a:normAutofit lnSpcReduction="10000"/>
+          </a:bodyPr>
           <a:lstStyle/>
           <a:p>
             <a:r>
               <a:rPr lang="hr-HR" dirty="0" smtClean="0"/>
-              <a:t>Posebnosti Linux okolja</a:t>
+              <a:t>crypt() – ukaz v bash-u za kriptiranje</a:t>
+            </a:r>
+          </a:p>
+          <a:p>
+            <a:r>
+              <a:rPr lang="hr-HR" dirty="0" smtClean="0"/>
+              <a:t>starejše distribucije Linuxa </a:t>
+            </a:r>
+            <a:r>
+              <a:rPr lang="hr-HR" dirty="0" smtClean="0"/>
+              <a:t>uporabljajo </a:t>
+            </a:r>
+            <a:r>
+              <a:rPr lang="hr-HR" dirty="0" smtClean="0"/>
+              <a:t>DES enkripcijski algoritem</a:t>
+            </a:r>
+          </a:p>
+          <a:p>
+            <a:r>
+              <a:rPr lang="hr-HR" dirty="0" smtClean="0"/>
+              <a:t>nove distribucije – MD5, SHA-256, SHA-512, BlowFish</a:t>
+            </a:r>
+          </a:p>
+          <a:p>
+            <a:endParaRPr lang="hr-HR" dirty="0" smtClean="0"/>
+          </a:p>
+          <a:p>
+            <a:r>
+              <a:rPr lang="sl-SI" dirty="0" smtClean="0"/>
+              <a:t>Po zakoniku Republike Slovenije je lastnik diska dolžan preiskovalcem dati vsa gesla in skrite ključe</a:t>
+            </a:r>
+            <a:r>
+              <a:rPr lang="hr-HR" dirty="0" smtClean="0"/>
+              <a:t> </a:t>
             </a:r>
           </a:p>
           <a:p>
@@ -3920,56 +4410,18 @@
             </a:pPr>
             <a:r>
               <a:rPr lang="hr-HR" dirty="0" smtClean="0"/>
-              <a:t>	</a:t>
-            </a:r>
-            <a:r>
-              <a:rPr lang="hr-HR" dirty="0" smtClean="0"/>
-              <a:t>		- pridobivanje zbrisanih podatkov</a:t>
-            </a:r>
-          </a:p>
-          <a:p>
-            <a:pPr>
-              <a:buNone/>
-            </a:pPr>
-            <a:r>
-              <a:rPr lang="hr-HR" dirty="0" smtClean="0"/>
-              <a:t>	</a:t>
-            </a:r>
-            <a:r>
-              <a:rPr lang="hr-HR" dirty="0" smtClean="0"/>
-              <a:t>		-  skrivanje podatkov</a:t>
-            </a:r>
-          </a:p>
-          <a:p>
-            <a:pPr>
-              <a:buNone/>
-            </a:pPr>
-            <a:r>
-              <a:rPr lang="hr-HR" dirty="0" smtClean="0"/>
-              <a:t>	</a:t>
-            </a:r>
-            <a:r>
-              <a:rPr lang="hr-HR" dirty="0" smtClean="0"/>
-              <a:t>		- časovni žigi</a:t>
-            </a:r>
-          </a:p>
-          <a:p>
-            <a:pPr>
-              <a:buNone/>
-            </a:pPr>
-            <a:r>
-              <a:rPr lang="hr-HR" dirty="0" smtClean="0"/>
-              <a:t>	</a:t>
-            </a:r>
-            <a:r>
-              <a:rPr lang="hr-HR" dirty="0" smtClean="0"/>
-              <a:t>		- disk zaščiten z enkripcijo in  gesli	</a:t>
+              <a:t>		        </a:t>
             </a:r>
             <a:endParaRPr lang="en-US" dirty="0"/>
           </a:p>
         </p:txBody>
       </p:sp>
     </p:spTree>
+    <p:extLst>
+      <p:ext uri="{BB962C8B-B14F-4D97-AF65-F5344CB8AC3E}">
+        <p14:creationId xmlns:p14="http://schemas.microsoft.com/office/powerpoint/2010/main" val="1445164259"/>
+      </p:ext>
+    </p:extLst>
   </p:cSld>
   <p:clrMapOvr>
     <a:masterClrMapping/>
@@ -4006,63 +4458,70 @@
         </p:nvSpPr>
         <p:spPr/>
         <p:txBody>
+          <a:bodyPr>
+            <a:normAutofit fontScale="90000"/>
+          </a:bodyPr>
+          <a:lstStyle/>
+          <a:p>
+            <a:pPr algn="l"/>
+            <a:r>
+              <a:rPr lang="hr-HR" dirty="0" smtClean="0"/>
+              <a:t>Forenzična orodja za </a:t>
+            </a:r>
+            <a:r>
+              <a:rPr lang="hr-HR" dirty="0" smtClean="0"/>
+              <a:t>preiskavo </a:t>
+            </a:r>
+            <a:r>
+              <a:rPr lang="hr-HR" dirty="0" smtClean="0"/>
+              <a:t>diska</a:t>
+            </a:r>
+            <a:endParaRPr lang="en-US" dirty="0"/>
+          </a:p>
+        </p:txBody>
+      </p:sp>
+      <p:sp>
+        <p:nvSpPr>
+          <p:cNvPr id="3" name="Content Placeholder 2"/>
+          <p:cNvSpPr>
+            <a:spLocks noGrp="1"/>
+          </p:cNvSpPr>
+          <p:nvPr>
+            <p:ph idx="1"/>
+          </p:nvPr>
+        </p:nvSpPr>
+        <p:spPr/>
+        <p:txBody>
           <a:bodyPr/>
           <a:lstStyle/>
           <a:p>
             <a:r>
               <a:rPr lang="hr-HR" dirty="0" smtClean="0"/>
-              <a:t>Pridobivanje skritih podatkov</a:t>
-            </a:r>
-            <a:endParaRPr lang="en-US" dirty="0"/>
-          </a:p>
-        </p:txBody>
-      </p:sp>
-      <p:sp>
-        <p:nvSpPr>
-          <p:cNvPr id="3" name="Content Placeholder 2"/>
-          <p:cNvSpPr>
-            <a:spLocks noGrp="1"/>
-          </p:cNvSpPr>
-          <p:nvPr>
-            <p:ph idx="1"/>
-          </p:nvPr>
-        </p:nvSpPr>
-        <p:spPr/>
-        <p:txBody>
-          <a:bodyPr/>
-          <a:lstStyle/>
-          <a:p>
-            <a:pPr>
-              <a:buNone/>
-            </a:pPr>
+              <a:t>SleuthKit, The Linux disk editor, The SMART tool, The Autopsy Forensic Browser, DEFT Linux, Penguin Sleuth Kit...</a:t>
+            </a:r>
+          </a:p>
+          <a:p>
+            <a:endParaRPr lang="hr-HR" dirty="0" smtClean="0"/>
+          </a:p>
+          <a:p>
             <a:r>
               <a:rPr lang="hr-HR" dirty="0" smtClean="0"/>
-              <a:t>	</a:t>
+              <a:t>OpenPuff, Jack the </a:t>
+            </a:r>
+            <a:r>
+              <a:rPr lang="hr-HR" dirty="0" smtClean="0"/>
+              <a:t>Ripper</a:t>
             </a:r>
             <a:endParaRPr lang="hr-HR" dirty="0" smtClean="0"/>
           </a:p>
-          <a:p>
-            <a:r>
-              <a:rPr lang="hr-HR" dirty="0" smtClean="0"/>
-              <a:t>Poiščemo vse zbrisane inode in z njimi pridobimo izgubljen podatke</a:t>
-            </a:r>
-          </a:p>
-          <a:p>
-            <a:r>
-              <a:rPr lang="hr-HR" dirty="0" smtClean="0"/>
-              <a:t>Preverjanje direktorijev in iskanje zbrisanih vnosov</a:t>
-            </a:r>
-          </a:p>
-          <a:p>
-            <a:r>
-              <a:rPr lang="hr-HR" dirty="0" smtClean="0"/>
-              <a:t>File carving</a:t>
-            </a:r>
-            <a:endParaRPr lang="en-US" dirty="0"/>
-          </a:p>
         </p:txBody>
       </p:sp>
     </p:spTree>
+    <p:extLst>
+      <p:ext uri="{BB962C8B-B14F-4D97-AF65-F5344CB8AC3E}">
+        <p14:creationId xmlns:p14="http://schemas.microsoft.com/office/powerpoint/2010/main" val="844345561"/>
+      </p:ext>
+    </p:extLst>
   </p:cSld>
   <p:clrMapOvr>
     <a:masterClrMapping/>
@@ -4102,11 +4561,12 @@
           <a:bodyPr/>
           <a:lstStyle/>
           <a:p>
-            <a:r>
-              <a:rPr lang="hr-HR" dirty="0" smtClean="0"/>
-              <a:t>Skrivanje podatkov</a:t>
-            </a:r>
-            <a:endParaRPr lang="en-US" dirty="0"/>
+            <a:pPr algn="l"/>
+            <a:r>
+              <a:rPr lang="sl-SI" dirty="0" smtClean="0"/>
+              <a:t>Preiskovanje omrežja</a:t>
+            </a:r>
+            <a:endParaRPr lang="sl-SI" dirty="0"/>
           </a:p>
         </p:txBody>
       </p:sp>
@@ -4126,37 +4586,58 @@
           <a:lstStyle/>
           <a:p>
             <a:r>
-              <a:rPr lang="hr-HR" dirty="0" smtClean="0"/>
-              <a:t>Manipulacija z imeni datotek</a:t>
-            </a:r>
-          </a:p>
-          <a:p>
-            <a:r>
-              <a:rPr lang="hr-HR" dirty="0" smtClean="0"/>
-              <a:t>Skrivanje v </a:t>
-            </a:r>
-            <a:r>
-              <a:rPr lang="hr-HR" i="1" dirty="0" smtClean="0"/>
-              <a:t>file slack</a:t>
-            </a:r>
-            <a:endParaRPr lang="hr-HR" dirty="0" smtClean="0"/>
-          </a:p>
-          <a:p>
-            <a:r>
-              <a:rPr lang="hr-HR" dirty="0" smtClean="0"/>
-              <a:t>Alternativni tok podatkov</a:t>
-            </a:r>
-          </a:p>
-          <a:p>
-            <a:r>
-              <a:rPr lang="hr-HR" dirty="0" smtClean="0"/>
-              <a:t>Steganografija</a:t>
-            </a:r>
-            <a:endParaRPr lang="en-US" dirty="0"/>
+              <a:rPr lang="sl-SI" dirty="0" smtClean="0"/>
+              <a:t>V zadnjem času zelo v porastu</a:t>
+            </a:r>
+          </a:p>
+          <a:p>
+            <a:r>
+              <a:rPr lang="sl-SI" dirty="0" smtClean="0"/>
+              <a:t>Postopki niso 100% definirani</a:t>
+            </a:r>
+          </a:p>
+          <a:p>
+            <a:r>
+              <a:rPr lang="sl-SI" dirty="0" smtClean="0"/>
+              <a:t>Težje od preiskovanja diska</a:t>
+            </a:r>
+          </a:p>
+          <a:p>
+            <a:r>
+              <a:rPr lang="sl-SI" dirty="0" smtClean="0"/>
+              <a:t>Nemogoč zajem celotnega stanja</a:t>
+            </a:r>
+          </a:p>
+          <a:p>
+            <a:r>
+              <a:rPr lang="sl-SI" dirty="0"/>
+              <a:t>P</a:t>
+            </a:r>
+            <a:r>
+              <a:rPr lang="sl-SI" dirty="0" smtClean="0"/>
+              <a:t>odatki neizbrisljivi</a:t>
+            </a:r>
+          </a:p>
+          <a:p>
+            <a:r>
+              <a:rPr lang="sl-SI" dirty="0" smtClean="0"/>
+              <a:t>Ogromno povezanih virov</a:t>
+            </a:r>
+          </a:p>
+          <a:p>
+            <a:r>
+              <a:rPr lang="sl-SI" dirty="0" smtClean="0"/>
+              <a:t>Dokazi lahko distribuirani na več omrežnih napravah</a:t>
+            </a:r>
           </a:p>
         </p:txBody>
       </p:sp>
     </p:spTree>
+    <p:extLst>
+      <p:ext uri="{BB962C8B-B14F-4D97-AF65-F5344CB8AC3E}">
+        <p14:creationId xmlns:p14="http://schemas.microsoft.com/office/powerpoint/2010/main" val="2834587155"/>
+      </p:ext>
+    </p:extLst>
   </p:cSld>
   <p:clrMapOvr>
     <a:masterClrMapping/>
@@ -4196,82 +4677,55 @@
           <a:bodyPr/>
           <a:lstStyle/>
           <a:p>
-            <a:r>
-              <a:rPr lang="hr-HR" dirty="0" smtClean="0"/>
-              <a:t>Časovni žigi(timestamps)</a:t>
-            </a:r>
-            <a:endParaRPr lang="en-US" dirty="0"/>
-          </a:p>
-        </p:txBody>
-      </p:sp>
-      <p:pic>
-        <p:nvPicPr>
-          <p:cNvPr id="4" name="Slika 6"/>
-          <p:cNvPicPr>
-            <a:picLocks noGrp="1"/>
-          </p:cNvPicPr>
+            <a:pPr algn="l"/>
+            <a:r>
+              <a:rPr lang="sl-SI" dirty="0" smtClean="0"/>
+              <a:t>Preiskovanje omrežja</a:t>
+            </a:r>
+            <a:endParaRPr lang="sl-SI" dirty="0"/>
+          </a:p>
+        </p:txBody>
+      </p:sp>
+      <p:sp>
+        <p:nvSpPr>
+          <p:cNvPr id="3" name="Content Placeholder 2"/>
+          <p:cNvSpPr>
+            <a:spLocks noGrp="1"/>
+          </p:cNvSpPr>
           <p:nvPr>
             <p:ph idx="1"/>
           </p:nvPr>
-        </p:nvPicPr>
-        <p:blipFill>
-          <a:blip r:embed="rId2">
-            <a:extLst>
-              <a:ext uri="{28A0092B-C50C-407E-A947-70E740481C1C}">
-                <a14:useLocalDpi xmlns="" xmlns:wpc="http://schemas.microsoft.com/office/word/2010/wordprocessingCanvas" xmlns:mc="http://schemas.openxmlformats.org/markup-compatibility/2006" xmlns:o="urn:schemas-microsoft-com:office:office" xmlns:m="http://schemas.openxmlformats.org/officeDocument/2006/math" xmlns:v="urn:schemas-microsoft-com:vml" xmlns:wp14="http://schemas.microsoft.com/office/word/2010/wordprocessingDrawing" xmlns:wp="http://schemas.openxmlformats.org/drawingml/2006/wordprocessingDrawing" xmlns:w10="urn:schemas-microsoft-com:office:word" xmlns:w="http://schemas.openxmlformats.org/wordprocessingml/2006/main" xmlns:w14="http://schemas.microsoft.com/office/word/2010/wordml" xmlns:wpg="http://schemas.microsoft.com/office/word/2010/wordprocessingGroup" xmlns:wpi="http://schemas.microsoft.com/office/word/2010/wordprocessingInk" xmlns:wne="http://schemas.microsoft.com/office/word/2006/wordml" xmlns:wps="http://schemas.microsoft.com/office/word/2010/wordprocessingShape" xmlns:a14="http://schemas.microsoft.com/office/drawing/2010/main" xmlns:pic="http://schemas.openxmlformats.org/drawingml/2006/picture" xmlns:lc="http://schemas.openxmlformats.org/drawingml/2006/lockedCanvas" val="0"/>
-              </a:ext>
-            </a:extLst>
-          </a:blip>
-          <a:srcRect/>
-          <a:stretch>
-            <a:fillRect/>
-          </a:stretch>
-        </p:blipFill>
-        <p:spPr bwMode="auto">
-          <a:xfrm>
-            <a:off x="1000100" y="1785926"/>
-            <a:ext cx="6929486" cy="2214578"/>
-          </a:xfrm>
-          <a:prstGeom prst="rect">
-            <a:avLst/>
-          </a:prstGeom>
-          <a:noFill/>
-          <a:ln>
-            <a:noFill/>
-          </a:ln>
-        </p:spPr>
-      </p:pic>
-      <p:sp>
-        <p:nvSpPr>
-          <p:cNvPr id="5" name="TextBox 4"/>
-          <p:cNvSpPr txBox="1"/>
-          <p:nvPr/>
-        </p:nvSpPr>
-        <p:spPr>
-          <a:xfrm>
-            <a:off x="714348" y="4714884"/>
-            <a:ext cx="7572428" cy="584775"/>
-          </a:xfrm>
-          <a:prstGeom prst="rect">
-            <a:avLst/>
-          </a:prstGeom>
-          <a:noFill/>
-        </p:spPr>
-        <p:txBody>
-          <a:bodyPr wrap="square" rtlCol="0">
-            <a:spAutoFit/>
-          </a:bodyPr>
+        </p:nvSpPr>
+        <p:spPr/>
+        <p:txBody>
+          <a:bodyPr/>
           <a:lstStyle/>
           <a:p>
             <a:r>
-              <a:rPr lang="hr-HR" sz="3200" dirty="0" smtClean="0"/>
-              <a:t>v Linux okolji – ctime in mtime</a:t>
-            </a:r>
-            <a:endParaRPr lang="en-US" sz="3200" dirty="0"/>
+              <a:rPr lang="sl-SI" dirty="0" smtClean="0"/>
+              <a:t>Potrebno znanje TCP/IP plasti in njihovih protokolov</a:t>
+            </a:r>
+          </a:p>
+          <a:p>
+            <a:r>
+              <a:rPr lang="sl-SI" dirty="0" smtClean="0"/>
+              <a:t>Vsaka plast ima svojo funkcijo</a:t>
+            </a:r>
+          </a:p>
+          <a:p>
+            <a:r>
+              <a:rPr lang="sl-SI" dirty="0" smtClean="0"/>
+              <a:t>Nižje stvari nudijo storitve višjim</a:t>
+            </a:r>
           </a:p>
         </p:txBody>
       </p:sp>
     </p:spTree>
+    <p:extLst>
+      <p:ext uri="{BB962C8B-B14F-4D97-AF65-F5344CB8AC3E}">
+        <p14:creationId xmlns:p14="http://schemas.microsoft.com/office/powerpoint/2010/main" val="234423182"/>
+      </p:ext>
+    </p:extLst>
   </p:cSld>
   <p:clrMapOvr>
     <a:masterClrMapping/>
@@ -4311,11 +4765,12 @@
           <a:bodyPr/>
           <a:lstStyle/>
           <a:p>
-            <a:r>
-              <a:rPr lang="hr-HR" dirty="0" smtClean="0"/>
-              <a:t>Dnevniške datoteke</a:t>
-            </a:r>
-            <a:endParaRPr lang="en-US" dirty="0"/>
+            <a:pPr algn="l"/>
+            <a:r>
+              <a:rPr lang="sl-SI" dirty="0" smtClean="0"/>
+              <a:t>Preiskovanje omrežja</a:t>
+            </a:r>
+            <a:endParaRPr lang="sl-SI" dirty="0"/>
           </a:p>
         </p:txBody>
       </p:sp>
@@ -4331,166 +4786,37 @@
         </p:nvSpPr>
         <p:spPr/>
         <p:txBody>
-          <a:bodyPr>
-            <a:normAutofit fontScale="85000" lnSpcReduction="20000"/>
-          </a:bodyPr>
+          <a:bodyPr/>
           <a:lstStyle/>
           <a:p>
             <a:r>
-              <a:rPr lang="sl-SI" i="1" dirty="0" smtClean="0"/>
-              <a:t>/var/log/message</a:t>
-            </a:r>
-            <a:r>
-              <a:rPr lang="sl-SI" dirty="0" smtClean="0"/>
-              <a:t>: generalna sporočila in sporočila povezana z sistemom</a:t>
-            </a:r>
-            <a:endParaRPr lang="en-US" dirty="0" smtClean="0"/>
-          </a:p>
-          <a:p>
-            <a:r>
-              <a:rPr lang="sl-SI" i="1" dirty="0" smtClean="0"/>
-              <a:t>/var/log/auth.log</a:t>
-            </a:r>
-            <a:r>
-              <a:rPr lang="sl-SI" dirty="0" smtClean="0"/>
-              <a:t>: avtentikacija</a:t>
-            </a:r>
-            <a:endParaRPr lang="en-US" dirty="0" smtClean="0"/>
-          </a:p>
-          <a:p>
-            <a:r>
-              <a:rPr lang="sl-SI" i="1" dirty="0" smtClean="0"/>
-              <a:t>/var/log/kern.log</a:t>
-            </a:r>
-            <a:r>
-              <a:rPr lang="sl-SI" dirty="0" smtClean="0"/>
-              <a:t>: jedro</a:t>
-            </a:r>
-            <a:endParaRPr lang="en-US" dirty="0" smtClean="0"/>
-          </a:p>
-          <a:p>
-            <a:r>
-              <a:rPr lang="sl-SI" i="1" dirty="0" smtClean="0"/>
-              <a:t>/var/log/cron.log</a:t>
-            </a:r>
-            <a:r>
-              <a:rPr lang="sl-SI" dirty="0" smtClean="0"/>
-              <a:t>: Cron </a:t>
-            </a:r>
-            <a:endParaRPr lang="en-US" dirty="0" smtClean="0"/>
-          </a:p>
-          <a:p>
-            <a:r>
-              <a:rPr lang="sl-SI" i="1" dirty="0" smtClean="0"/>
-              <a:t>/var/log/maillog</a:t>
-            </a:r>
-            <a:r>
-              <a:rPr lang="sl-SI" dirty="0" smtClean="0"/>
-              <a:t>: poštni strežnik</a:t>
-            </a:r>
-            <a:endParaRPr lang="en-US" dirty="0" smtClean="0"/>
-          </a:p>
-          <a:p>
-            <a:r>
-              <a:rPr lang="sl-SI" i="1" dirty="0" smtClean="0"/>
-              <a:t>/var/log/qmail/ </a:t>
-            </a:r>
-            <a:r>
-              <a:rPr lang="sl-SI" dirty="0" smtClean="0"/>
-              <a:t>: Qmail </a:t>
-            </a:r>
-            <a:endParaRPr lang="en-US" dirty="0" smtClean="0"/>
-          </a:p>
-          <a:p>
-            <a:r>
-              <a:rPr lang="sl-SI" i="1" dirty="0" smtClean="0"/>
-              <a:t>/var/log/httpd/</a:t>
-            </a:r>
-            <a:r>
-              <a:rPr lang="sl-SI" dirty="0" smtClean="0"/>
-              <a:t>: Apache strežnik in sporočila o napakami</a:t>
-            </a:r>
-            <a:endParaRPr lang="en-US" dirty="0" smtClean="0"/>
-          </a:p>
-          <a:p>
-            <a:r>
-              <a:rPr lang="sl-SI" i="1" dirty="0" smtClean="0"/>
-              <a:t>/var/log/boot.log</a:t>
-            </a:r>
-            <a:r>
-              <a:rPr lang="sl-SI" dirty="0" smtClean="0"/>
-              <a:t> : </a:t>
-            </a:r>
-            <a:r>
-              <a:rPr lang="sl-SI" i="1" dirty="0" smtClean="0"/>
-              <a:t>System boot </a:t>
-            </a:r>
-            <a:r>
-              <a:rPr lang="sl-SI" dirty="0" smtClean="0"/>
-              <a:t>sporočila</a:t>
-            </a:r>
-            <a:endParaRPr lang="en-US" dirty="0" smtClean="0"/>
-          </a:p>
-          <a:p>
-            <a:r>
-              <a:rPr lang="sl-SI" i="1" dirty="0" smtClean="0"/>
-              <a:t>/var/log/mysqld.log</a:t>
-            </a:r>
-            <a:r>
-              <a:rPr lang="sl-SI" dirty="0" smtClean="0"/>
-              <a:t>: </a:t>
-            </a:r>
-            <a:r>
-              <a:rPr lang="sl-SI" i="1" dirty="0" smtClean="0"/>
-              <a:t>MySQL server</a:t>
-            </a:r>
-            <a:r>
-              <a:rPr lang="sl-SI" dirty="0" smtClean="0"/>
-              <a:t> sporočila</a:t>
-            </a:r>
-            <a:endParaRPr lang="en-US" dirty="0" smtClean="0"/>
-          </a:p>
-          <a:p>
-            <a:r>
-              <a:rPr lang="sl-SI" i="1" dirty="0" smtClean="0"/>
-              <a:t>/var/log/secure</a:t>
-            </a:r>
-            <a:r>
-              <a:rPr lang="sl-SI" dirty="0" smtClean="0"/>
-              <a:t>: avtentikacija </a:t>
-            </a:r>
-            <a:endParaRPr lang="en-US" dirty="0" smtClean="0"/>
-          </a:p>
-          <a:p>
-            <a:r>
-              <a:rPr lang="sl-SI" i="1" dirty="0" smtClean="0"/>
-              <a:t>/var/log/utmp</a:t>
-            </a:r>
-            <a:r>
-              <a:rPr lang="sl-SI" dirty="0" smtClean="0"/>
-              <a:t> ali </a:t>
-            </a:r>
-            <a:r>
-              <a:rPr lang="sl-SI" i="1" dirty="0" smtClean="0"/>
-              <a:t>/var/log/wtmp</a:t>
-            </a:r>
-            <a:r>
-              <a:rPr lang="sl-SI" dirty="0" smtClean="0"/>
-              <a:t>:</a:t>
-            </a:r>
-            <a:r>
-              <a:rPr lang="sl-SI" i="1" dirty="0" smtClean="0"/>
-              <a:t> login</a:t>
-            </a:r>
-            <a:r>
-              <a:rPr lang="sl-SI" dirty="0" smtClean="0"/>
-              <a:t> sporočila</a:t>
-            </a:r>
-            <a:endParaRPr lang="en-US" dirty="0"/>
+              <a:rPr lang="sl-SI" dirty="0" smtClean="0"/>
+              <a:t>Fizična in povezavna plast</a:t>
+            </a:r>
+          </a:p>
+          <a:p>
+            <a:pPr lvl="1"/>
+            <a:r>
+              <a:rPr lang="sl-SI" dirty="0" smtClean="0"/>
+              <a:t>ifconfig za nastavljanje in preverjanje omrežnih vmesnikov</a:t>
+            </a:r>
+          </a:p>
+          <a:p>
+            <a:pPr lvl="1"/>
+            <a:r>
+              <a:rPr lang="sl-SI" dirty="0" smtClean="0"/>
+              <a:t>arp za preslikavo med IP in MAC naslovi</a:t>
+            </a:r>
+            <a:endParaRPr lang="sl-SI" dirty="0"/>
           </a:p>
         </p:txBody>
       </p:sp>
     </p:spTree>
+    <p:extLst>
+      <p:ext uri="{BB962C8B-B14F-4D97-AF65-F5344CB8AC3E}">
+        <p14:creationId xmlns:p14="http://schemas.microsoft.com/office/powerpoint/2010/main" val="1509513030"/>
+      </p:ext>
+    </p:extLst>
   </p:cSld>
   <p:clrMapOvr>
     <a:masterClrMapping/>
@@ -4527,16 +4853,15 @@
         </p:nvSpPr>
         <p:spPr/>
         <p:txBody>
-          <a:bodyPr>
-            <a:normAutofit fontScale="90000"/>
-          </a:bodyPr>
+          <a:bodyPr/>
           <a:lstStyle/>
           <a:p>
-            <a:r>
-              <a:rPr lang="hr-HR" dirty="0" smtClean="0"/>
-              <a:t>Disk zaščiten z enkripcijo in gesli</a:t>
-            </a:r>
-            <a:endParaRPr lang="en-US" dirty="0"/>
+            <a:pPr algn="l"/>
+            <a:r>
+              <a:rPr lang="sl-SI" dirty="0" smtClean="0"/>
+              <a:t>Preiskovanje omrežja</a:t>
+            </a:r>
+            <a:endParaRPr lang="sl-SI" dirty="0"/>
           </a:p>
         </p:txBody>
       </p:sp>
@@ -4552,62 +4877,60 @@
         </p:nvSpPr>
         <p:spPr/>
         <p:txBody>
-          <a:bodyPr>
-            <a:normAutofit lnSpcReduction="10000"/>
-          </a:bodyPr>
+          <a:bodyPr/>
           <a:lstStyle/>
           <a:p>
             <a:r>
-              <a:rPr lang="hr-HR" dirty="0" smtClean="0"/>
-              <a:t>c</a:t>
-            </a:r>
-            <a:r>
-              <a:rPr lang="hr-HR" dirty="0" smtClean="0"/>
-              <a:t>rypt() – ukaz v bash-u za kriptiranje</a:t>
-            </a:r>
-          </a:p>
-          <a:p>
-            <a:r>
-              <a:rPr lang="hr-HR" dirty="0" smtClean="0"/>
-              <a:t>starejše distribucije Linuxa je uporabljao DES enkripcijski algoritem</a:t>
-            </a:r>
-          </a:p>
-          <a:p>
-            <a:r>
-              <a:rPr lang="hr-HR" dirty="0" smtClean="0"/>
-              <a:t>nove distribucije – MD5, SHA-256, SHA-512, BlowFish</a:t>
-            </a:r>
-          </a:p>
-          <a:p>
-            <a:endParaRPr lang="hr-HR" dirty="0" smtClean="0"/>
-          </a:p>
-          <a:p>
-            <a:r>
-              <a:rPr lang="sl-SI" dirty="0" smtClean="0"/>
-              <a:t>Po zakoniku Republike Slovenije je lastnik diska dolžan preiskovalcem dati vsa gesla in skrite ključe</a:t>
-            </a:r>
-            <a:r>
-              <a:rPr lang="hr-HR" dirty="0" smtClean="0"/>
-              <a:t> </a:t>
-            </a:r>
-          </a:p>
-          <a:p>
-            <a:pPr>
-              <a:buNone/>
-            </a:pPr>
-            <a:r>
-              <a:rPr lang="hr-HR" dirty="0" smtClean="0"/>
-              <a:t>	</a:t>
-            </a:r>
-            <a:r>
-              <a:rPr lang="hr-HR" dirty="0" smtClean="0"/>
-              <a:t>	        </a:t>
-            </a:r>
-            <a:endParaRPr lang="en-US" dirty="0"/>
+              <a:rPr lang="sl-SI" dirty="0" smtClean="0"/>
+              <a:t>Omrežna in transportna plast</a:t>
+            </a:r>
+          </a:p>
+          <a:p>
+            <a:pPr lvl="1"/>
+            <a:r>
+              <a:rPr lang="sl-SI" dirty="0" smtClean="0"/>
+              <a:t>nslookup za pretvorbo med IP in DNS</a:t>
+            </a:r>
+          </a:p>
+          <a:p>
+            <a:pPr lvl="1"/>
+            <a:r>
+              <a:rPr lang="sl-SI" dirty="0" smtClean="0"/>
+              <a:t>dig za informacije o DNS strežnikih</a:t>
+            </a:r>
+          </a:p>
+          <a:p>
+            <a:pPr lvl="1"/>
+            <a:r>
+              <a:rPr lang="sl-SI" dirty="0" smtClean="0"/>
+              <a:t>traceroute za sledenje poti podatkov</a:t>
+            </a:r>
+          </a:p>
+          <a:p>
+            <a:pPr lvl="1"/>
+            <a:r>
+              <a:rPr lang="sl-SI" dirty="0" smtClean="0"/>
+              <a:t>nmap za odkrivanje značilnosti sistema</a:t>
+            </a:r>
+          </a:p>
+          <a:p>
+            <a:pPr lvl="1"/>
+            <a:r>
+              <a:rPr lang="sl-SI" dirty="0" smtClean="0"/>
+              <a:t>netstat za odkrivanje aktivnih povezav</a:t>
+            </a:r>
+          </a:p>
+          <a:p>
+            <a:endParaRPr lang="sl-SI" dirty="0"/>
           </a:p>
         </p:txBody>
       </p:sp>
     </p:spTree>
+    <p:extLst>
+      <p:ext uri="{BB962C8B-B14F-4D97-AF65-F5344CB8AC3E}">
+        <p14:creationId xmlns:p14="http://schemas.microsoft.com/office/powerpoint/2010/main" val="2326585462"/>
+      </p:ext>
+    </p:extLst>
   </p:cSld>
   <p:clrMapOvr>
     <a:masterClrMapping/>
@@ -4644,22 +4967,125 @@
         </p:nvSpPr>
         <p:spPr/>
         <p:txBody>
+          <a:bodyPr/>
+          <a:lstStyle/>
+          <a:p>
+            <a:pPr algn="l"/>
+            <a:r>
+              <a:rPr lang="sl-SI" dirty="0" smtClean="0"/>
+              <a:t>Preiskovanje omrežja</a:t>
+            </a:r>
+            <a:endParaRPr lang="sl-SI" dirty="0"/>
+          </a:p>
+        </p:txBody>
+      </p:sp>
+      <p:sp>
+        <p:nvSpPr>
+          <p:cNvPr id="3" name="Content Placeholder 2"/>
+          <p:cNvSpPr>
+            <a:spLocks noGrp="1"/>
+          </p:cNvSpPr>
+          <p:nvPr>
+            <p:ph idx="1"/>
+          </p:nvPr>
+        </p:nvSpPr>
+        <p:spPr/>
+        <p:txBody>
+          <a:bodyPr/>
+          <a:lstStyle/>
+          <a:p>
+            <a:r>
+              <a:rPr lang="sl-SI" dirty="0" smtClean="0"/>
+              <a:t>Aplikacijska plast</a:t>
+            </a:r>
+          </a:p>
+          <a:p>
+            <a:pPr lvl="1"/>
+            <a:r>
+              <a:rPr lang="sl-SI" dirty="0" smtClean="0"/>
+              <a:t>tcpdump in tshark za lovljenje omrežnega prometa</a:t>
+            </a:r>
+          </a:p>
+          <a:p>
+            <a:pPr lvl="1"/>
+            <a:r>
+              <a:rPr lang="sl-SI" dirty="0" smtClean="0"/>
+              <a:t>telnet za oddaljen dostop</a:t>
+            </a:r>
+          </a:p>
+          <a:p>
+            <a:pPr lvl="1"/>
+            <a:r>
+              <a:rPr lang="sl-SI" dirty="0" smtClean="0"/>
+              <a:t>ftp za prenos datotek</a:t>
+            </a:r>
+            <a:endParaRPr lang="sl-SI" dirty="0"/>
+          </a:p>
+        </p:txBody>
+      </p:sp>
+    </p:spTree>
+    <p:extLst>
+      <p:ext uri="{BB962C8B-B14F-4D97-AF65-F5344CB8AC3E}">
+        <p14:creationId xmlns:p14="http://schemas.microsoft.com/office/powerpoint/2010/main" val="209935134"/>
+      </p:ext>
+    </p:extLst>
+  </p:cSld>
+  <p:clrMapOvr>
+    <a:masterClrMapping/>
+  </p:clrMapOvr>
+</p:sld>
+</file>
+
+<file path=ppt/slides/slide17.xml><?xml version="1.0" encoding="utf-8"?>
+<p:sld xmlns:a="http://schemas.openxmlformats.org/drawingml/2006/main" xmlns:r="http://schemas.openxmlformats.org/officeDocument/2006/relationships" xmlns:p="http://schemas.openxmlformats.org/presentationml/2006/main">
+  <p:cSld>
+    <p:spTree>
+      <p:nvGrpSpPr>
+        <p:cNvPr id="1" name=""/>
+        <p:cNvGrpSpPr/>
+        <p:nvPr/>
+      </p:nvGrpSpPr>
+      <p:grpSpPr>
+        <a:xfrm>
+          <a:off x="0" y="0"/>
+          <a:ext cx="0" cy="0"/>
+          <a:chOff x="0" y="0"/>
+          <a:chExt cx="0" cy="0"/>
+        </a:xfrm>
+      </p:grpSpPr>
+      <p:sp>
+        <p:nvSpPr>
+          <p:cNvPr id="2" name="Naslov 1"/>
+          <p:cNvSpPr>
+            <a:spLocks noGrp="1"/>
+          </p:cNvSpPr>
+          <p:nvPr>
+            <p:ph type="title"/>
+          </p:nvPr>
+        </p:nvSpPr>
+        <p:spPr/>
+        <p:txBody>
           <a:bodyPr>
-            <a:normAutofit fontScale="90000"/>
+            <a:noAutofit/>
           </a:bodyPr>
           <a:lstStyle/>
           <a:p>
-            <a:r>
-              <a:rPr lang="hr-HR" dirty="0" smtClean="0"/>
-              <a:t>Forenzična orodja za raziskavo diska</a:t>
-            </a:r>
-            <a:endParaRPr lang="en-US" dirty="0"/>
-          </a:p>
-        </p:txBody>
-      </p:sp>
-      <p:sp>
-        <p:nvSpPr>
-          <p:cNvPr id="3" name="Content Placeholder 2"/>
+            <a:pPr algn="l"/>
+            <a:r>
+              <a:rPr lang="sl-SI" sz="4000" dirty="0" smtClean="0"/>
+              <a:t>Preiskovanje spletnih </a:t>
+            </a:r>
+            <a:r>
+              <a:rPr lang="sl-SI" sz="4000" dirty="0" smtClean="0"/>
+              <a:t>brskalnikov</a:t>
+            </a:r>
+            <a:endParaRPr lang="sl-SI" sz="3000" dirty="0"/>
+          </a:p>
+        </p:txBody>
+      </p:sp>
+      <p:sp>
+        <p:nvSpPr>
+          <p:cNvPr id="3" name="Ograda vsebine 2"/>
           <p:cNvSpPr>
             <a:spLocks noGrp="1"/>
           </p:cNvSpPr>
@@ -4669,22 +5095,121 @@
         </p:nvSpPr>
         <p:spPr/>
         <p:txBody>
-          <a:bodyPr/>
+          <a:bodyPr>
+            <a:normAutofit fontScale="92500" lnSpcReduction="10000"/>
+          </a:bodyPr>
           <a:lstStyle/>
           <a:p>
             <a:r>
-              <a:rPr lang="hr-HR" dirty="0" smtClean="0"/>
-              <a:t>SleuthKit, The Linux disk editor, The SMART tool, The Autopsy Forensic Browser, DEFT Linux, Penguin Sleuth Kit...</a:t>
-            </a:r>
-          </a:p>
-          <a:p>
-            <a:endParaRPr lang="hr-HR" dirty="0" smtClean="0"/>
-          </a:p>
-          <a:p>
-            <a:r>
-              <a:rPr lang="hr-HR" dirty="0" smtClean="0"/>
-              <a:t>OpenPuff, Jack the Ripper,</a:t>
-            </a:r>
+              <a:rPr lang="sl-SI" dirty="0" smtClean="0"/>
+              <a:t>Osredotočili na </a:t>
+            </a:r>
+            <a:r>
+              <a:rPr lang="sl-SI" dirty="0" err="1" smtClean="0"/>
+              <a:t>Firefox</a:t>
+            </a:r>
+            <a:r>
+              <a:rPr lang="sl-SI" dirty="0" smtClean="0"/>
+              <a:t> in Google </a:t>
+            </a:r>
+            <a:r>
+              <a:rPr lang="sl-SI" dirty="0" err="1" smtClean="0"/>
+              <a:t>Chrome</a:t>
+            </a:r>
+            <a:endParaRPr lang="sl-SI" dirty="0" smtClean="0"/>
+          </a:p>
+          <a:p>
+            <a:endParaRPr lang="sl-SI" dirty="0" smtClean="0"/>
+          </a:p>
+          <a:p>
+            <a:r>
+              <a:rPr lang="sl-SI" dirty="0" smtClean="0"/>
+              <a:t>Shranjevanje v .</a:t>
+            </a:r>
+            <a:r>
+              <a:rPr lang="sl-SI" dirty="0" err="1" smtClean="0"/>
+              <a:t>sqlite</a:t>
+            </a:r>
+            <a:r>
+              <a:rPr lang="sl-SI" dirty="0" smtClean="0"/>
+              <a:t> datoteke</a:t>
+            </a:r>
+          </a:p>
+          <a:p>
+            <a:endParaRPr lang="sl-SI" dirty="0" smtClean="0"/>
+          </a:p>
+          <a:p>
+            <a:r>
+              <a:rPr lang="sl-SI" dirty="0" smtClean="0"/>
+              <a:t>Pregledovanje sqlite3</a:t>
+            </a:r>
+          </a:p>
+          <a:p>
+            <a:endParaRPr lang="sl-SI" dirty="0" smtClean="0"/>
+          </a:p>
+          <a:p>
+            <a:r>
+              <a:rPr lang="sl-SI" dirty="0" smtClean="0"/>
+              <a:t>Grafična orodja – </a:t>
+            </a:r>
+            <a:r>
+              <a:rPr lang="sl-SI" dirty="0" err="1" smtClean="0"/>
+              <a:t>SQLite</a:t>
+            </a:r>
+            <a:r>
+              <a:rPr lang="sl-SI" dirty="0" smtClean="0"/>
+              <a:t> </a:t>
+            </a:r>
+            <a:r>
+              <a:rPr lang="sl-SI" dirty="0" err="1" smtClean="0"/>
+              <a:t>Browser</a:t>
+            </a:r>
+            <a:r>
+              <a:rPr lang="sl-SI" dirty="0" smtClean="0"/>
+              <a:t>, </a:t>
+            </a:r>
+            <a:r>
+              <a:rPr lang="sl-SI" dirty="0" err="1" smtClean="0"/>
+              <a:t>SQLite</a:t>
+            </a:r>
+            <a:r>
+              <a:rPr lang="sl-SI" dirty="0" smtClean="0"/>
+              <a:t> </a:t>
+            </a:r>
+            <a:r>
+              <a:rPr lang="sl-SI" dirty="0" err="1" smtClean="0"/>
+              <a:t>Manager</a:t>
+            </a:r>
+            <a:r>
+              <a:rPr lang="sl-SI" dirty="0" smtClean="0"/>
+              <a:t> (</a:t>
+            </a:r>
+            <a:r>
+              <a:rPr lang="sl-SI" dirty="0" err="1" smtClean="0"/>
+              <a:t>Firefox</a:t>
+            </a:r>
+            <a:r>
+              <a:rPr lang="sl-SI" dirty="0" smtClean="0"/>
+              <a:t>)</a:t>
+            </a:r>
+          </a:p>
+          <a:p>
+            <a:endParaRPr lang="sl-SI" dirty="0" smtClean="0"/>
+          </a:p>
+          <a:p>
+            <a:r>
+              <a:rPr lang="sl-SI" dirty="0" smtClean="0"/>
+              <a:t>Strukturirani </a:t>
+            </a:r>
+            <a:r>
+              <a:rPr lang="sl-SI" dirty="0" err="1" smtClean="0"/>
+              <a:t>povpraševalni</a:t>
+            </a:r>
+            <a:r>
+              <a:rPr lang="sl-SI" dirty="0" smtClean="0"/>
+              <a:t> jezik SQL</a:t>
+            </a:r>
+            <a:endParaRPr lang="sl-SI" dirty="0"/>
           </a:p>
         </p:txBody>
       </p:sp>
@@ -4693,6 +5218,504 @@
   <p:clrMapOvr>
     <a:masterClrMapping/>
   </p:clrMapOvr>
+  <p:timing>
+    <p:tnLst>
+      <p:par>
+        <p:cTn id="1" dur="indefinite" restart="never" nodeType="tmRoot"/>
+      </p:par>
+    </p:tnLst>
+  </p:timing>
+</p:sld>
+</file>
+
+<file path=ppt/slides/slide18.xml><?xml version="1.0" encoding="utf-8"?>
+<p:sld xmlns:a="http://schemas.openxmlformats.org/drawingml/2006/main" xmlns:r="http://schemas.openxmlformats.org/officeDocument/2006/relationships" xmlns:p="http://schemas.openxmlformats.org/presentationml/2006/main">
+  <p:cSld>
+    <p:spTree>
+      <p:nvGrpSpPr>
+        <p:cNvPr id="1" name=""/>
+        <p:cNvGrpSpPr/>
+        <p:nvPr/>
+      </p:nvGrpSpPr>
+      <p:grpSpPr>
+        <a:xfrm>
+          <a:off x="0" y="0"/>
+          <a:ext cx="0" cy="0"/>
+          <a:chOff x="0" y="0"/>
+          <a:chExt cx="0" cy="0"/>
+        </a:xfrm>
+      </p:grpSpPr>
+      <p:sp>
+        <p:nvSpPr>
+          <p:cNvPr id="2" name="Naslov 1"/>
+          <p:cNvSpPr>
+            <a:spLocks noGrp="1"/>
+          </p:cNvSpPr>
+          <p:nvPr>
+            <p:ph type="title"/>
+          </p:nvPr>
+        </p:nvSpPr>
+        <p:spPr/>
+        <p:txBody>
+          <a:bodyPr>
+            <a:noAutofit/>
+          </a:bodyPr>
+          <a:lstStyle/>
+          <a:p>
+            <a:pPr algn="l"/>
+            <a:r>
+              <a:rPr lang="sl-SI" sz="3600" dirty="0" smtClean="0"/>
+              <a:t>Preiskovanje spletnih brskalnikov (1.)</a:t>
+            </a:r>
+            <a:endParaRPr lang="sl-SI" sz="3600" dirty="0"/>
+          </a:p>
+        </p:txBody>
+      </p:sp>
+      <p:sp>
+        <p:nvSpPr>
+          <p:cNvPr id="3" name="Ograda vsebine 2"/>
+          <p:cNvSpPr>
+            <a:spLocks noGrp="1"/>
+          </p:cNvSpPr>
+          <p:nvPr>
+            <p:ph idx="1"/>
+          </p:nvPr>
+        </p:nvSpPr>
+        <p:spPr/>
+        <p:txBody>
+          <a:bodyPr>
+            <a:normAutofit fontScale="92500" lnSpcReduction="20000"/>
+          </a:bodyPr>
+          <a:lstStyle/>
+          <a:p>
+            <a:pPr algn="ctr">
+              <a:buNone/>
+            </a:pPr>
+            <a:r>
+              <a:rPr lang="sl-SI" dirty="0" err="1" smtClean="0"/>
+              <a:t>Firefox</a:t>
+            </a:r>
+            <a:endParaRPr lang="sl-SI" dirty="0" smtClean="0"/>
+          </a:p>
+          <a:p>
+            <a:pPr algn="ctr">
+              <a:buNone/>
+            </a:pPr>
+            <a:endParaRPr lang="sl-SI" dirty="0" smtClean="0"/>
+          </a:p>
+          <a:p>
+            <a:r>
+              <a:rPr lang="sl-SI" dirty="0" smtClean="0"/>
+              <a:t>~/.</a:t>
+            </a:r>
+            <a:r>
+              <a:rPr lang="sl-SI" dirty="0" err="1" smtClean="0"/>
+              <a:t>mozilla</a:t>
+            </a:r>
+            <a:r>
+              <a:rPr lang="sl-SI" dirty="0" smtClean="0"/>
+              <a:t>/</a:t>
+            </a:r>
+            <a:r>
+              <a:rPr lang="sl-SI" dirty="0" err="1" smtClean="0"/>
+              <a:t>firefox</a:t>
+            </a:r>
+            <a:r>
+              <a:rPr lang="sl-SI" dirty="0" smtClean="0"/>
+              <a:t>/&lt;PROFILE&gt;/</a:t>
+            </a:r>
+          </a:p>
+          <a:p>
+            <a:endParaRPr lang="sl-SI" dirty="0" smtClean="0"/>
+          </a:p>
+          <a:p>
+            <a:r>
+              <a:rPr lang="sl-SI" dirty="0" err="1" smtClean="0"/>
+              <a:t>addons</a:t>
+            </a:r>
+            <a:r>
+              <a:rPr lang="sl-SI" dirty="0" smtClean="0"/>
+              <a:t>, </a:t>
+            </a:r>
+            <a:r>
+              <a:rPr lang="sl-SI" dirty="0" err="1" smtClean="0"/>
+              <a:t>cookies</a:t>
+            </a:r>
+            <a:r>
+              <a:rPr lang="sl-SI" dirty="0" smtClean="0"/>
+              <a:t>, </a:t>
+            </a:r>
+            <a:r>
+              <a:rPr lang="sl-SI" dirty="0" err="1" smtClean="0"/>
+              <a:t>downloads</a:t>
+            </a:r>
+            <a:r>
+              <a:rPr lang="sl-SI" dirty="0" smtClean="0"/>
+              <a:t>, </a:t>
+            </a:r>
+            <a:r>
+              <a:rPr lang="sl-SI" dirty="0" err="1" smtClean="0"/>
+              <a:t>extensions</a:t>
+            </a:r>
+            <a:r>
+              <a:rPr lang="sl-SI" dirty="0" smtClean="0"/>
+              <a:t>, </a:t>
+            </a:r>
+            <a:r>
+              <a:rPr lang="sl-SI" dirty="0" err="1" smtClean="0"/>
+              <a:t>formhistory</a:t>
+            </a:r>
+            <a:r>
+              <a:rPr lang="sl-SI" dirty="0" smtClean="0"/>
+              <a:t>, </a:t>
+            </a:r>
+            <a:r>
+              <a:rPr lang="sl-SI" dirty="0" err="1" smtClean="0"/>
+              <a:t>places</a:t>
+            </a:r>
+            <a:r>
+              <a:rPr lang="sl-SI" dirty="0" smtClean="0"/>
+              <a:t>, </a:t>
+            </a:r>
+            <a:r>
+              <a:rPr lang="sl-SI" dirty="0" err="1" smtClean="0"/>
+              <a:t>search</a:t>
+            </a:r>
+            <a:r>
+              <a:rPr lang="sl-SI" dirty="0" smtClean="0"/>
+              <a:t>, …</a:t>
+            </a:r>
+          </a:p>
+          <a:p>
+            <a:endParaRPr lang="sl-SI" dirty="0" smtClean="0"/>
+          </a:p>
+          <a:p>
+            <a:r>
+              <a:rPr lang="sl-SI" dirty="0" smtClean="0"/>
+              <a:t>Veliko zanimivih podatkov.</a:t>
+            </a:r>
+          </a:p>
+          <a:p>
+            <a:endParaRPr lang="sl-SI" dirty="0" smtClean="0"/>
+          </a:p>
+          <a:p>
+            <a:r>
+              <a:rPr lang="sl-SI" dirty="0" err="1" smtClean="0"/>
+              <a:t>Places.sqlite</a:t>
+            </a:r>
+            <a:r>
+              <a:rPr lang="sl-SI" dirty="0" smtClean="0"/>
+              <a:t> – zgodovina brskanja.</a:t>
+            </a:r>
+          </a:p>
+          <a:p>
+            <a:endParaRPr lang="sl-SI" dirty="0" smtClean="0"/>
+          </a:p>
+          <a:p>
+            <a:r>
+              <a:rPr lang="sl-SI" dirty="0" err="1" smtClean="0"/>
+              <a:t>Formhistory</a:t>
+            </a:r>
+            <a:r>
+              <a:rPr lang="sl-SI" dirty="0" smtClean="0"/>
+              <a:t> – </a:t>
+            </a:r>
+            <a:r>
+              <a:rPr lang="sl-SI" dirty="0" err="1" smtClean="0"/>
+              <a:t>vnešeni</a:t>
+            </a:r>
+            <a:r>
+              <a:rPr lang="sl-SI" dirty="0" smtClean="0"/>
+              <a:t> podatki v obrazce.</a:t>
+            </a:r>
+          </a:p>
+        </p:txBody>
+      </p:sp>
+    </p:spTree>
+  </p:cSld>
+  <p:clrMapOvr>
+    <a:masterClrMapping/>
+  </p:clrMapOvr>
+  <p:timing>
+    <p:tnLst>
+      <p:par>
+        <p:cTn id="1" dur="indefinite" restart="never" nodeType="tmRoot"/>
+      </p:par>
+    </p:tnLst>
+  </p:timing>
+</p:sld>
+</file>
+
+<file path=ppt/slides/slide19.xml><?xml version="1.0" encoding="utf-8"?>
+<p:sld xmlns:a="http://schemas.openxmlformats.org/drawingml/2006/main" xmlns:r="http://schemas.openxmlformats.org/officeDocument/2006/relationships" xmlns:p="http://schemas.openxmlformats.org/presentationml/2006/main">
+  <p:cSld>
+    <p:spTree>
+      <p:nvGrpSpPr>
+        <p:cNvPr id="1" name=""/>
+        <p:cNvGrpSpPr/>
+        <p:nvPr/>
+      </p:nvGrpSpPr>
+      <p:grpSpPr>
+        <a:xfrm>
+          <a:off x="0" y="0"/>
+          <a:ext cx="0" cy="0"/>
+          <a:chOff x="0" y="0"/>
+          <a:chExt cx="0" cy="0"/>
+        </a:xfrm>
+      </p:grpSpPr>
+      <p:sp>
+        <p:nvSpPr>
+          <p:cNvPr id="2" name="Naslov 1"/>
+          <p:cNvSpPr>
+            <a:spLocks noGrp="1"/>
+          </p:cNvSpPr>
+          <p:nvPr>
+            <p:ph type="title"/>
+          </p:nvPr>
+        </p:nvSpPr>
+        <p:spPr/>
+        <p:txBody>
+          <a:bodyPr>
+            <a:normAutofit/>
+          </a:bodyPr>
+          <a:lstStyle/>
+          <a:p>
+            <a:pPr algn="l"/>
+            <a:r>
+              <a:rPr lang="sl-SI" sz="3600" dirty="0" smtClean="0"/>
+              <a:t>Preiskovanje spletnih brskalnikov (2.)</a:t>
+            </a:r>
+            <a:endParaRPr lang="sl-SI" sz="3600" dirty="0"/>
+          </a:p>
+        </p:txBody>
+      </p:sp>
+      <p:sp>
+        <p:nvSpPr>
+          <p:cNvPr id="3" name="Ograda vsebine 2"/>
+          <p:cNvSpPr>
+            <a:spLocks noGrp="1"/>
+          </p:cNvSpPr>
+          <p:nvPr>
+            <p:ph idx="1"/>
+          </p:nvPr>
+        </p:nvSpPr>
+        <p:spPr/>
+        <p:txBody>
+          <a:bodyPr>
+            <a:normAutofit fontScale="92500" lnSpcReduction="10000"/>
+          </a:bodyPr>
+          <a:lstStyle/>
+          <a:p>
+            <a:r>
+              <a:rPr lang="sl-SI" dirty="0" smtClean="0"/>
+              <a:t>Časovni žigi (</a:t>
+            </a:r>
+            <a:r>
+              <a:rPr lang="sl-SI" dirty="0" err="1" smtClean="0"/>
+              <a:t>PRTime</a:t>
+            </a:r>
+            <a:r>
+              <a:rPr lang="sl-SI" dirty="0" smtClean="0"/>
+              <a:t> – mikrosekunde od 1.1.1970 </a:t>
+            </a:r>
+            <a:r>
+              <a:rPr lang="sl-SI" dirty="0" smtClean="0">
+                <a:sym typeface="Wingdings" pitchFamily="2" charset="2"/>
+              </a:rPr>
+              <a:t></a:t>
+            </a:r>
+            <a:r>
+              <a:rPr lang="sl-SI" dirty="0" smtClean="0"/>
+              <a:t> )</a:t>
+            </a:r>
+          </a:p>
+          <a:p>
+            <a:endParaRPr lang="sl-SI" dirty="0" smtClean="0"/>
+          </a:p>
+          <a:p>
+            <a:r>
+              <a:rPr lang="sl-SI" dirty="0" err="1" smtClean="0"/>
+              <a:t>Visit</a:t>
+            </a:r>
+            <a:r>
+              <a:rPr lang="sl-SI" dirty="0" smtClean="0"/>
+              <a:t>_</a:t>
+            </a:r>
+            <a:r>
+              <a:rPr lang="sl-SI" dirty="0" err="1" smtClean="0"/>
+              <a:t>Type</a:t>
+            </a:r>
+            <a:r>
+              <a:rPr lang="sl-SI" dirty="0" smtClean="0"/>
+              <a:t>  - način prehoda na spletno stran</a:t>
+            </a:r>
+          </a:p>
+          <a:p>
+            <a:endParaRPr lang="sl-SI" dirty="0" smtClean="0"/>
+          </a:p>
+          <a:p>
+            <a:pPr>
+              <a:buNone/>
+            </a:pPr>
+            <a:r>
+              <a:rPr lang="sl-SI" sz="2700" dirty="0" err="1" smtClean="0"/>
+              <a:t>sqlite</a:t>
+            </a:r>
+            <a:r>
+              <a:rPr lang="sl-SI" sz="2700" dirty="0" smtClean="0"/>
+              <a:t>&gt;SELECT </a:t>
+            </a:r>
+            <a:r>
+              <a:rPr lang="sl-SI" sz="2700" dirty="0" err="1" smtClean="0"/>
+              <a:t>datetime</a:t>
+            </a:r>
+            <a:r>
+              <a:rPr lang="sl-SI" sz="2700" dirty="0" smtClean="0"/>
+              <a:t>((</a:t>
+            </a:r>
+            <a:r>
+              <a:rPr lang="sl-SI" sz="2700" dirty="0" err="1" smtClean="0"/>
+              <a:t>visit</a:t>
+            </a:r>
+            <a:r>
+              <a:rPr lang="sl-SI" sz="2700" dirty="0" smtClean="0"/>
+              <a:t>_</a:t>
+            </a:r>
+            <a:r>
+              <a:rPr lang="sl-SI" sz="2700" dirty="0" err="1" smtClean="0"/>
+              <a:t>date</a:t>
+            </a:r>
+            <a:r>
+              <a:rPr lang="sl-SI" sz="2700" dirty="0" smtClean="0"/>
+              <a:t>/1000000), '</a:t>
+            </a:r>
+            <a:r>
+              <a:rPr lang="sl-SI" sz="2700" dirty="0" err="1" smtClean="0"/>
+              <a:t>unixepoch</a:t>
+            </a:r>
+            <a:r>
+              <a:rPr lang="sl-SI" sz="2700" dirty="0" smtClean="0"/>
+              <a:t>', '</a:t>
+            </a:r>
+            <a:r>
+              <a:rPr lang="sl-SI" sz="2700" dirty="0" err="1" smtClean="0"/>
+              <a:t>localtime</a:t>
+            </a:r>
+            <a:r>
+              <a:rPr lang="sl-SI" sz="2700" dirty="0" smtClean="0"/>
+              <a:t>') as </a:t>
+            </a:r>
+            <a:r>
+              <a:rPr lang="sl-SI" sz="2700" dirty="0" err="1" smtClean="0"/>
+              <a:t>date</a:t>
+            </a:r>
+            <a:r>
+              <a:rPr lang="sl-SI" sz="2700" dirty="0" smtClean="0"/>
+              <a:t>, </a:t>
+            </a:r>
+            <a:r>
+              <a:rPr lang="sl-SI" sz="2700" dirty="0" err="1" smtClean="0"/>
+              <a:t>p.url</a:t>
+            </a:r>
+            <a:r>
+              <a:rPr lang="sl-SI" sz="2700" dirty="0" smtClean="0"/>
+              <a:t>, </a:t>
+            </a:r>
+            <a:r>
+              <a:rPr lang="sl-SI" sz="2700" dirty="0" err="1" smtClean="0"/>
+              <a:t>p.title</a:t>
+            </a:r>
+            <a:endParaRPr lang="sl-SI" sz="2700" dirty="0" smtClean="0"/>
+          </a:p>
+          <a:p>
+            <a:pPr>
+              <a:buNone/>
+            </a:pPr>
+            <a:r>
+              <a:rPr lang="sl-SI" sz="2700" dirty="0" smtClean="0"/>
+              <a:t> ...&gt;FROM </a:t>
+            </a:r>
+            <a:r>
+              <a:rPr lang="sl-SI" sz="2700" dirty="0" err="1" smtClean="0"/>
+              <a:t>moz</a:t>
+            </a:r>
+            <a:r>
+              <a:rPr lang="sl-SI" sz="2700" dirty="0" smtClean="0"/>
+              <a:t>_</a:t>
+            </a:r>
+            <a:r>
+              <a:rPr lang="sl-SI" sz="2700" dirty="0" err="1" smtClean="0"/>
+              <a:t>places</a:t>
+            </a:r>
+            <a:r>
+              <a:rPr lang="sl-SI" sz="2700" dirty="0" smtClean="0"/>
+              <a:t> p, </a:t>
+            </a:r>
+            <a:r>
+              <a:rPr lang="sl-SI" sz="2700" dirty="0" err="1" smtClean="0"/>
+              <a:t>moz</a:t>
+            </a:r>
+            <a:r>
+              <a:rPr lang="sl-SI" sz="2700" dirty="0" smtClean="0"/>
+              <a:t>_</a:t>
+            </a:r>
+            <a:r>
+              <a:rPr lang="sl-SI" sz="2700" dirty="0" err="1" smtClean="0"/>
+              <a:t>historyvisits</a:t>
+            </a:r>
+            <a:endParaRPr lang="sl-SI" sz="2700" dirty="0" smtClean="0"/>
+          </a:p>
+          <a:p>
+            <a:pPr>
+              <a:buNone/>
+            </a:pPr>
+            <a:r>
+              <a:rPr lang="sl-SI" sz="2700" dirty="0" smtClean="0"/>
+              <a:t> ...&gt;WHERE </a:t>
+            </a:r>
+            <a:r>
+              <a:rPr lang="sl-SI" sz="2700" dirty="0" err="1" smtClean="0"/>
+              <a:t>date</a:t>
+            </a:r>
+            <a:r>
+              <a:rPr lang="sl-SI" sz="2700" dirty="0" smtClean="0"/>
+              <a:t> BETWEEN '2012-04-02 00:00:00' AND '2012-04-04 00:00:00'</a:t>
+            </a:r>
+          </a:p>
+          <a:p>
+            <a:pPr>
+              <a:buNone/>
+            </a:pPr>
+            <a:r>
+              <a:rPr lang="sl-SI" sz="2700" dirty="0" smtClean="0"/>
+              <a:t> ...&gt;ORDER BY </a:t>
+            </a:r>
+            <a:r>
+              <a:rPr lang="sl-SI" sz="2700" dirty="0" err="1" smtClean="0"/>
+              <a:t>date</a:t>
+            </a:r>
+            <a:r>
+              <a:rPr lang="sl-SI" sz="2700" dirty="0" smtClean="0"/>
+              <a:t> DESC;</a:t>
+            </a:r>
+          </a:p>
+          <a:p>
+            <a:endParaRPr lang="sl-SI" dirty="0"/>
+          </a:p>
+        </p:txBody>
+      </p:sp>
+    </p:spTree>
+  </p:cSld>
+  <p:clrMapOvr>
+    <a:masterClrMapping/>
+  </p:clrMapOvr>
+  <p:timing>
+    <p:tnLst>
+      <p:par>
+        <p:cTn id="1" dur="indefinite" restart="never" nodeType="tmRoot"/>
+      </p:par>
+    </p:tnLst>
+  </p:timing>
 </p:sld>
 </file>
 
@@ -4715,6 +5738,111 @@
       </p:grpSpPr>
       <p:sp>
         <p:nvSpPr>
+          <p:cNvPr id="2" name="Title 1"/>
+          <p:cNvSpPr>
+            <a:spLocks noGrp="1"/>
+          </p:cNvSpPr>
+          <p:nvPr>
+            <p:ph type="title"/>
+          </p:nvPr>
+        </p:nvSpPr>
+        <p:spPr/>
+        <p:txBody>
+          <a:bodyPr/>
+          <a:lstStyle/>
+          <a:p>
+            <a:pPr algn="l"/>
+            <a:r>
+              <a:rPr lang="sl-SI" dirty="0" smtClean="0"/>
+              <a:t>Vsebina</a:t>
+            </a:r>
+            <a:endParaRPr lang="sl-SI" dirty="0"/>
+          </a:p>
+        </p:txBody>
+      </p:sp>
+      <p:sp>
+        <p:nvSpPr>
+          <p:cNvPr id="3" name="Content Placeholder 2"/>
+          <p:cNvSpPr>
+            <a:spLocks noGrp="1"/>
+          </p:cNvSpPr>
+          <p:nvPr>
+            <p:ph idx="1"/>
+          </p:nvPr>
+        </p:nvSpPr>
+        <p:spPr/>
+        <p:txBody>
+          <a:bodyPr/>
+          <a:lstStyle/>
+          <a:p>
+            <a:r>
+              <a:rPr lang="sl-SI" dirty="0" smtClean="0"/>
+              <a:t>Forenzična preiskava v okolju Linux</a:t>
+            </a:r>
+          </a:p>
+          <a:p>
+            <a:pPr lvl="1"/>
+            <a:r>
+              <a:rPr lang="sl-SI" dirty="0" smtClean="0"/>
+              <a:t>Preiskovanje diska</a:t>
+            </a:r>
+          </a:p>
+          <a:p>
+            <a:pPr lvl="1"/>
+            <a:r>
+              <a:rPr lang="sl-SI" dirty="0" smtClean="0"/>
+              <a:t>Preiskovanje omrežja</a:t>
+            </a:r>
+          </a:p>
+          <a:p>
+            <a:pPr lvl="1"/>
+            <a:r>
+              <a:rPr lang="sl-SI" dirty="0" smtClean="0"/>
+              <a:t>Preiskovanje brskalnikov</a:t>
+            </a:r>
+            <a:endParaRPr lang="sl-SI" dirty="0"/>
+          </a:p>
+        </p:txBody>
+      </p:sp>
+    </p:spTree>
+    <p:extLst>
+      <p:ext uri="{BB962C8B-B14F-4D97-AF65-F5344CB8AC3E}">
+        <p14:creationId xmlns:p14="http://schemas.microsoft.com/office/powerpoint/2010/main" val="2147924475"/>
+      </p:ext>
+    </p:extLst>
+  </p:cSld>
+  <p:clrMapOvr>
+    <a:masterClrMapping/>
+  </p:clrMapOvr>
+  <p:timing>
+    <p:tnLst>
+      <p:par>
+        <p:cTn id="1" dur="indefinite" restart="never" nodeType="tmRoot"/>
+      </p:par>
+    </p:tnLst>
+  </p:timing>
+</p:sld>
+</file>
+
+<file path=ppt/slides/slide20.xml><?xml version="1.0" encoding="utf-8"?>
+<p:sld xmlns:a="http://schemas.openxmlformats.org/drawingml/2006/main" xmlns:r="http://schemas.openxmlformats.org/officeDocument/2006/relationships" xmlns:p="http://schemas.openxmlformats.org/presentationml/2006/main">
+  <p:cSld>
+    <p:spTree>
+      <p:nvGrpSpPr>
+        <p:cNvPr id="1" name=""/>
+        <p:cNvGrpSpPr/>
+        <p:nvPr/>
+      </p:nvGrpSpPr>
+      <p:grpSpPr>
+        <a:xfrm>
+          <a:off x="0" y="0"/>
+          <a:ext cx="0" cy="0"/>
+          <a:chOff x="0" y="0"/>
+          <a:chExt cx="0" cy="0"/>
+        </a:xfrm>
+      </p:grpSpPr>
+      <p:sp>
+        <p:nvSpPr>
           <p:cNvPr id="2" name="Naslov 1"/>
           <p:cNvSpPr>
             <a:spLocks noGrp="1"/>
@@ -4730,18 +5858,12 @@
           </a:bodyPr>
           <a:lstStyle/>
           <a:p>
-            <a:r>
-              <a:rPr lang="sl-SI" sz="4000" dirty="0" smtClean="0"/>
-              <a:t>Preiskovanje spletnih brskalnikov</a:t>
-            </a:r>
-            <a:br>
-              <a:rPr lang="sl-SI" sz="4000" dirty="0" smtClean="0"/>
-            </a:br>
-            <a:r>
-              <a:rPr lang="sl-SI" sz="3000" dirty="0" smtClean="0"/>
-              <a:t>opisal: Uroš Kastelic</a:t>
-            </a:r>
-            <a:endParaRPr lang="sl-SI" sz="3000" dirty="0"/>
+            <a:pPr algn="l"/>
+            <a:r>
+              <a:rPr lang="sl-SI" sz="3600" dirty="0" smtClean="0"/>
+              <a:t>Preiskovanje spletnih brskalnikov (3.)</a:t>
+            </a:r>
+            <a:endParaRPr lang="sl-SI" sz="3600" dirty="0"/>
           </a:p>
         </p:txBody>
       </p:sp>
@@ -4755,24 +5877,24 @@
             <p:ph idx="1"/>
           </p:nvPr>
         </p:nvSpPr>
-        <p:spPr/>
+        <p:spPr>
+          <a:xfrm>
+            <a:off x="457200" y="1646236"/>
+            <a:ext cx="8229600" cy="4663083"/>
+          </a:xfrm>
+        </p:spPr>
         <p:txBody>
           <a:bodyPr>
-            <a:normAutofit fontScale="92500" lnSpcReduction="10000"/>
+            <a:normAutofit fontScale="85000" lnSpcReduction="10000"/>
           </a:bodyPr>
           <a:lstStyle/>
           <a:p>
-            <a:r>
-              <a:rPr lang="sl-SI" dirty="0" smtClean="0"/>
-              <a:t>Osredotočili na </a:t>
-            </a:r>
-            <a:r>
-              <a:rPr lang="sl-SI" dirty="0" err="1" smtClean="0"/>
-              <a:t>Firefox</a:t>
-            </a:r>
-            <a:r>
-              <a:rPr lang="sl-SI" dirty="0" smtClean="0"/>
-              <a:t> in Google </a:t>
+            <a:pPr algn="ctr">
+              <a:buNone/>
+            </a:pPr>
+            <a:r>
+              <a:rPr lang="sl-SI" dirty="0" smtClean="0"/>
+              <a:t>Google </a:t>
             </a:r>
             <a:r>
               <a:rPr lang="sl-SI" dirty="0" err="1" smtClean="0"/>
@@ -4781,42 +5903,543 @@
             <a:endParaRPr lang="sl-SI" dirty="0" smtClean="0"/>
           </a:p>
           <a:p>
+            <a:pPr algn="ctr">
+              <a:buNone/>
+            </a:pPr>
             <a:endParaRPr lang="sl-SI" dirty="0" smtClean="0"/>
           </a:p>
           <a:p>
             <a:r>
               <a:rPr lang="sl-SI" dirty="0" smtClean="0"/>
-              <a:t>Shranjevanje v .</a:t>
-            </a:r>
+              <a:t>Ločimo Google </a:t>
+            </a:r>
+            <a:r>
+              <a:rPr lang="sl-SI" dirty="0" err="1" smtClean="0"/>
+              <a:t>Chrome</a:t>
+            </a:r>
+            <a:r>
+              <a:rPr lang="sl-SI" dirty="0" smtClean="0"/>
+              <a:t> in </a:t>
+            </a:r>
+            <a:r>
+              <a:rPr lang="sl-SI" dirty="0" err="1" smtClean="0"/>
+              <a:t>Chromium</a:t>
+            </a:r>
+            <a:r>
+              <a:rPr lang="sl-SI" dirty="0" smtClean="0"/>
+              <a:t>-</a:t>
+            </a:r>
+            <a:r>
+              <a:rPr lang="sl-SI" dirty="0" err="1" smtClean="0"/>
+              <a:t>browser</a:t>
+            </a:r>
+            <a:endParaRPr lang="sl-SI" dirty="0" smtClean="0"/>
+          </a:p>
+          <a:p>
+            <a:endParaRPr lang="sl-SI" dirty="0" smtClean="0"/>
+          </a:p>
+          <a:p>
+            <a:r>
+              <a:rPr lang="sl-SI" dirty="0" smtClean="0"/>
+              <a:t>~/.</a:t>
+            </a:r>
+            <a:r>
+              <a:rPr lang="sl-SI" dirty="0" err="1" smtClean="0"/>
+              <a:t>config</a:t>
+            </a:r>
+            <a:r>
+              <a:rPr lang="sl-SI" dirty="0" smtClean="0"/>
+              <a:t>/</a:t>
+            </a:r>
+            <a:r>
+              <a:rPr lang="sl-SI" dirty="0" err="1" smtClean="0"/>
+              <a:t>google</a:t>
+            </a:r>
+            <a:r>
+              <a:rPr lang="sl-SI" dirty="0" smtClean="0"/>
+              <a:t>-</a:t>
+            </a:r>
+            <a:r>
+              <a:rPr lang="sl-SI" dirty="0" err="1" smtClean="0"/>
+              <a:t>chrome</a:t>
+            </a:r>
+            <a:r>
+              <a:rPr lang="sl-SI" dirty="0" smtClean="0"/>
+              <a:t>/</a:t>
+            </a:r>
+          </a:p>
+          <a:p>
+            <a:endParaRPr lang="sl-SI" dirty="0" smtClean="0"/>
+          </a:p>
+          <a:p>
+            <a:r>
+              <a:rPr lang="sl-SI" dirty="0" err="1" smtClean="0"/>
+              <a:t>Favicons</a:t>
+            </a:r>
+            <a:r>
+              <a:rPr lang="sl-SI" dirty="0" smtClean="0"/>
+              <a:t>, </a:t>
+            </a:r>
+            <a:r>
+              <a:rPr lang="sl-SI" dirty="0" err="1" smtClean="0"/>
+              <a:t>History</a:t>
+            </a:r>
+            <a:r>
+              <a:rPr lang="sl-SI" dirty="0" smtClean="0"/>
+              <a:t>, </a:t>
+            </a:r>
+            <a:r>
+              <a:rPr lang="sl-SI" dirty="0" err="1" smtClean="0"/>
+              <a:t>Bookmarks</a:t>
+            </a:r>
+            <a:r>
+              <a:rPr lang="sl-SI" dirty="0" smtClean="0"/>
+              <a:t>, </a:t>
+            </a:r>
+            <a:r>
+              <a:rPr lang="sl-SI" dirty="0" err="1" smtClean="0"/>
+              <a:t>Archived</a:t>
+            </a:r>
+            <a:r>
+              <a:rPr lang="sl-SI" dirty="0" smtClean="0"/>
+              <a:t> </a:t>
+            </a:r>
+            <a:r>
+              <a:rPr lang="sl-SI" dirty="0" err="1" smtClean="0"/>
+              <a:t>History</a:t>
+            </a:r>
+            <a:r>
+              <a:rPr lang="sl-SI" dirty="0" smtClean="0"/>
+              <a:t>, </a:t>
+            </a:r>
+            <a:r>
+              <a:rPr lang="sl-SI" dirty="0" err="1" smtClean="0"/>
+              <a:t>Cookies</a:t>
+            </a:r>
+            <a:r>
+              <a:rPr lang="sl-SI" dirty="0" smtClean="0"/>
+              <a:t>, …</a:t>
+            </a:r>
+          </a:p>
+          <a:p>
+            <a:endParaRPr lang="sl-SI" dirty="0" smtClean="0"/>
+          </a:p>
+          <a:p>
+            <a:r>
+              <a:rPr lang="sl-SI" dirty="0" err="1" smtClean="0"/>
+              <a:t>History</a:t>
+            </a:r>
+            <a:r>
+              <a:rPr lang="sl-SI" dirty="0" smtClean="0"/>
+              <a:t> [</a:t>
+            </a:r>
+            <a:r>
+              <a:rPr lang="sl-SI" dirty="0" err="1" smtClean="0"/>
+              <a:t>downloads</a:t>
+            </a:r>
+            <a:r>
+              <a:rPr lang="sl-SI" dirty="0" smtClean="0"/>
+              <a:t>, </a:t>
+            </a:r>
+            <a:r>
+              <a:rPr lang="sl-SI" dirty="0" err="1" smtClean="0"/>
+              <a:t>presentation</a:t>
+            </a:r>
+            <a:r>
+              <a:rPr lang="sl-SI" dirty="0" smtClean="0"/>
+              <a:t>, </a:t>
+            </a:r>
+            <a:r>
+              <a:rPr lang="sl-SI" dirty="0" err="1" smtClean="0"/>
+              <a:t>urls</a:t>
+            </a:r>
+            <a:r>
+              <a:rPr lang="sl-SI" dirty="0" smtClean="0"/>
+              <a:t>, </a:t>
+            </a:r>
+            <a:r>
+              <a:rPr lang="sl-SI" dirty="0" err="1" smtClean="0"/>
+              <a:t>keyword</a:t>
+            </a:r>
+            <a:r>
+              <a:rPr lang="sl-SI" dirty="0" smtClean="0"/>
+              <a:t>_</a:t>
+            </a:r>
+            <a:r>
+              <a:rPr lang="sl-SI" dirty="0" err="1" smtClean="0"/>
+              <a:t>search</a:t>
+            </a:r>
+            <a:r>
+              <a:rPr lang="sl-SI" dirty="0" smtClean="0"/>
+              <a:t>_</a:t>
+            </a:r>
+            <a:r>
+              <a:rPr lang="sl-SI" dirty="0" err="1" smtClean="0"/>
+              <a:t>terms</a:t>
+            </a:r>
+            <a:r>
+              <a:rPr lang="sl-SI" dirty="0" smtClean="0"/>
+              <a:t>, segment_</a:t>
+            </a:r>
+            <a:r>
+              <a:rPr lang="sl-SI" dirty="0" err="1" smtClean="0"/>
+              <a:t>usage</a:t>
+            </a:r>
+            <a:r>
+              <a:rPr lang="sl-SI" dirty="0" smtClean="0"/>
+              <a:t>, </a:t>
+            </a:r>
+            <a:r>
+              <a:rPr lang="sl-SI" dirty="0" err="1" smtClean="0"/>
+              <a:t>visits</a:t>
+            </a:r>
+            <a:r>
+              <a:rPr lang="sl-SI" dirty="0" smtClean="0"/>
+              <a:t>, meta, </a:t>
+            </a:r>
+            <a:r>
+              <a:rPr lang="sl-SI" dirty="0" err="1" smtClean="0"/>
+              <a:t>segments</a:t>
+            </a:r>
+            <a:r>
+              <a:rPr lang="sl-SI" dirty="0" smtClean="0"/>
+              <a:t>] – zgodovina brskanja</a:t>
+            </a:r>
+          </a:p>
+        </p:txBody>
+      </p:sp>
+    </p:spTree>
+  </p:cSld>
+  <p:clrMapOvr>
+    <a:masterClrMapping/>
+  </p:clrMapOvr>
+  <p:timing>
+    <p:tnLst>
+      <p:par>
+        <p:cTn id="1" dur="indefinite" restart="never" nodeType="tmRoot"/>
+      </p:par>
+    </p:tnLst>
+  </p:timing>
+</p:sld>
+</file>
+
+<file path=ppt/slides/slide21.xml><?xml version="1.0" encoding="utf-8"?>
+<p:sld xmlns:a="http://schemas.openxmlformats.org/drawingml/2006/main" xmlns:r="http://schemas.openxmlformats.org/officeDocument/2006/relationships" xmlns:p="http://schemas.openxmlformats.org/presentationml/2006/main">
+  <p:cSld>
+    <p:spTree>
+      <p:nvGrpSpPr>
+        <p:cNvPr id="1" name=""/>
+        <p:cNvGrpSpPr/>
+        <p:nvPr/>
+      </p:nvGrpSpPr>
+      <p:grpSpPr>
+        <a:xfrm>
+          <a:off x="0" y="0"/>
+          <a:ext cx="0" cy="0"/>
+          <a:chOff x="0" y="0"/>
+          <a:chExt cx="0" cy="0"/>
+        </a:xfrm>
+      </p:grpSpPr>
+      <p:sp>
+        <p:nvSpPr>
+          <p:cNvPr id="2" name="Naslov 1"/>
+          <p:cNvSpPr>
+            <a:spLocks noGrp="1"/>
+          </p:cNvSpPr>
+          <p:nvPr>
+            <p:ph type="title"/>
+          </p:nvPr>
+        </p:nvSpPr>
+        <p:spPr/>
+        <p:txBody>
+          <a:bodyPr>
+            <a:normAutofit/>
+          </a:bodyPr>
+          <a:lstStyle/>
+          <a:p>
+            <a:pPr algn="l"/>
+            <a:r>
+              <a:rPr lang="sl-SI" sz="3600" dirty="0" smtClean="0"/>
+              <a:t>Preiskovanje spletnih brskalnikov (4.)</a:t>
+            </a:r>
+            <a:endParaRPr lang="sl-SI" sz="3600" dirty="0"/>
+          </a:p>
+        </p:txBody>
+      </p:sp>
+      <p:sp>
+        <p:nvSpPr>
+          <p:cNvPr id="3" name="Ograda vsebine 2"/>
+          <p:cNvSpPr>
+            <a:spLocks noGrp="1"/>
+          </p:cNvSpPr>
+          <p:nvPr>
+            <p:ph idx="1"/>
+          </p:nvPr>
+        </p:nvSpPr>
+        <p:spPr/>
+        <p:txBody>
+          <a:bodyPr>
+            <a:normAutofit fontScale="92500" lnSpcReduction="20000"/>
+          </a:bodyPr>
+          <a:lstStyle/>
+          <a:p>
+            <a:r>
+              <a:rPr lang="sl-SI" dirty="0" smtClean="0"/>
+              <a:t>Časovni žigi mešano (1.1.1601, 1.1.1970)</a:t>
+            </a:r>
+          </a:p>
+          <a:p>
+            <a:endParaRPr lang="sl-SI" dirty="0" smtClean="0"/>
+          </a:p>
+          <a:p>
+            <a:r>
+              <a:rPr lang="sl-SI" dirty="0" err="1" smtClean="0"/>
+              <a:t>Transition</a:t>
+            </a:r>
+            <a:r>
+              <a:rPr lang="sl-SI" dirty="0" smtClean="0"/>
+              <a:t> (11 prehodov)</a:t>
+            </a:r>
+          </a:p>
+          <a:p>
+            <a:endParaRPr lang="sl-SI" dirty="0" smtClean="0"/>
+          </a:p>
+          <a:p>
+            <a:pPr>
+              <a:buNone/>
+            </a:pPr>
             <a:r>
               <a:rPr lang="sl-SI" dirty="0" err="1" smtClean="0"/>
               <a:t>sqlite</a:t>
             </a:r>
             <a:r>
               <a:rPr lang="sl-SI" dirty="0" smtClean="0"/>
-              <a:t> datoteke</a:t>
-            </a:r>
-          </a:p>
-          <a:p>
+              <a:t>&gt;SELECT </a:t>
+            </a:r>
+            <a:r>
+              <a:rPr lang="sl-SI" dirty="0" err="1" smtClean="0"/>
+              <a:t>datetime</a:t>
+            </a:r>
+            <a:r>
+              <a:rPr lang="sl-SI" dirty="0" smtClean="0"/>
+              <a:t>(((</a:t>
+            </a:r>
+            <a:r>
+              <a:rPr lang="sl-SI" dirty="0" err="1" smtClean="0"/>
+              <a:t>visits.visit</a:t>
+            </a:r>
+            <a:r>
+              <a:rPr lang="sl-SI" dirty="0" smtClean="0"/>
+              <a:t>_time/1000000)-11644473600), "</a:t>
+            </a:r>
+            <a:r>
+              <a:rPr lang="sl-SI" dirty="0" err="1" smtClean="0"/>
+              <a:t>unixepoch</a:t>
+            </a:r>
+            <a:r>
+              <a:rPr lang="sl-SI" dirty="0" smtClean="0"/>
+              <a:t>") as time, </a:t>
+            </a:r>
+            <a:r>
+              <a:rPr lang="sl-SI" dirty="0" err="1" smtClean="0"/>
+              <a:t>urls.url</a:t>
+            </a:r>
+            <a:r>
+              <a:rPr lang="sl-SI" dirty="0" smtClean="0"/>
+              <a:t>, </a:t>
+            </a:r>
+            <a:r>
+              <a:rPr lang="sl-SI" dirty="0" err="1" smtClean="0"/>
+              <a:t>urls.title</a:t>
+            </a:r>
             <a:endParaRPr lang="sl-SI" dirty="0" smtClean="0"/>
           </a:p>
           <a:p>
-            <a:r>
-              <a:rPr lang="sl-SI" dirty="0" smtClean="0"/>
-              <a:t>Pregledovanje sqlite3</a:t>
-            </a:r>
-          </a:p>
-          <a:p>
+            <a:pPr>
+              <a:buNone/>
+            </a:pPr>
+            <a:r>
+              <a:rPr lang="sl-SI" dirty="0" smtClean="0"/>
+              <a:t> ...&gt;FROM </a:t>
+            </a:r>
+            <a:r>
+              <a:rPr lang="sl-SI" dirty="0" err="1" smtClean="0"/>
+              <a:t>urls</a:t>
+            </a:r>
+            <a:r>
+              <a:rPr lang="sl-SI" dirty="0" smtClean="0"/>
+              <a:t>, </a:t>
+            </a:r>
+            <a:r>
+              <a:rPr lang="sl-SI" dirty="0" err="1" smtClean="0"/>
+              <a:t>visits</a:t>
+            </a:r>
             <a:endParaRPr lang="sl-SI" dirty="0" smtClean="0"/>
           </a:p>
           <a:p>
-            <a:r>
-              <a:rPr lang="sl-SI" dirty="0" smtClean="0"/>
-              <a:t>Grafična orodja – </a:t>
+            <a:pPr>
+              <a:buNone/>
+            </a:pPr>
+            <a:r>
+              <a:rPr lang="sl-SI" dirty="0" smtClean="0"/>
+              <a:t> ...&gt;WHERE </a:t>
             </a:r>
             <a:r>
               <a:rPr lang="sl-SI" dirty="0" err="1" smtClean="0"/>
-              <a:t>SQLite</a:t>
+              <a:t>urls.id</a:t>
+            </a:r>
+            <a:r>
+              <a:rPr lang="sl-SI" dirty="0" smtClean="0"/>
+              <a:t> = </a:t>
+            </a:r>
+            <a:r>
+              <a:rPr lang="sl-SI" dirty="0" err="1" smtClean="0"/>
+              <a:t>visits.url</a:t>
+            </a:r>
+            <a:endParaRPr lang="sl-SI" dirty="0" smtClean="0"/>
+          </a:p>
+          <a:p>
+            <a:pPr>
+              <a:buNone/>
+            </a:pPr>
+            <a:r>
+              <a:rPr lang="sl-SI" dirty="0" smtClean="0"/>
+              <a:t> ...&gt;ORDER BY time;</a:t>
+            </a:r>
+          </a:p>
+          <a:p>
+            <a:endParaRPr lang="sl-SI" dirty="0"/>
+          </a:p>
+        </p:txBody>
+      </p:sp>
+    </p:spTree>
+  </p:cSld>
+  <p:clrMapOvr>
+    <a:masterClrMapping/>
+  </p:clrMapOvr>
+  <p:timing>
+    <p:tnLst>
+      <p:par>
+        <p:cTn id="1" dur="indefinite" restart="never" nodeType="tmRoot"/>
+      </p:par>
+    </p:tnLst>
+  </p:timing>
+</p:sld>
+</file>
+
+<file path=ppt/slides/slide22.xml><?xml version="1.0" encoding="utf-8"?>
+<p:sld xmlns:a="http://schemas.openxmlformats.org/drawingml/2006/main" xmlns:r="http://schemas.openxmlformats.org/officeDocument/2006/relationships" xmlns:p="http://schemas.openxmlformats.org/presentationml/2006/main">
+  <p:cSld>
+    <p:spTree>
+      <p:nvGrpSpPr>
+        <p:cNvPr id="1" name=""/>
+        <p:cNvGrpSpPr/>
+        <p:nvPr/>
+      </p:nvGrpSpPr>
+      <p:grpSpPr>
+        <a:xfrm>
+          <a:off x="0" y="0"/>
+          <a:ext cx="0" cy="0"/>
+          <a:chOff x="0" y="0"/>
+          <a:chExt cx="0" cy="0"/>
+        </a:xfrm>
+      </p:grpSpPr>
+      <p:sp>
+        <p:nvSpPr>
+          <p:cNvPr id="2" name="Naslov 1"/>
+          <p:cNvSpPr>
+            <a:spLocks noGrp="1"/>
+          </p:cNvSpPr>
+          <p:nvPr>
+            <p:ph type="title"/>
+          </p:nvPr>
+        </p:nvSpPr>
+        <p:spPr/>
+        <p:txBody>
+          <a:bodyPr>
+            <a:normAutofit/>
+          </a:bodyPr>
+          <a:lstStyle/>
+          <a:p>
+            <a:pPr algn="l"/>
+            <a:r>
+              <a:rPr lang="sl-SI" sz="3600" dirty="0" smtClean="0"/>
+              <a:t>Preiskovanje spletnih brskalnikov (5.)</a:t>
+            </a:r>
+            <a:endParaRPr lang="sl-SI" sz="3600" dirty="0"/>
+          </a:p>
+        </p:txBody>
+      </p:sp>
+      <p:sp>
+        <p:nvSpPr>
+          <p:cNvPr id="3" name="Ograda vsebine 2"/>
+          <p:cNvSpPr>
+            <a:spLocks noGrp="1"/>
+          </p:cNvSpPr>
+          <p:nvPr>
+            <p:ph idx="1"/>
+          </p:nvPr>
+        </p:nvSpPr>
+        <p:spPr/>
+        <p:txBody>
+          <a:bodyPr>
+            <a:normAutofit lnSpcReduction="10000"/>
+          </a:bodyPr>
+          <a:lstStyle/>
+          <a:p>
+            <a:pPr algn="ctr">
+              <a:buNone/>
+            </a:pPr>
+            <a:r>
+              <a:rPr lang="sl-SI" dirty="0" smtClean="0"/>
+              <a:t>Zaključek</a:t>
+            </a:r>
+          </a:p>
+          <a:p>
+            <a:endParaRPr lang="sl-SI" dirty="0" smtClean="0"/>
+          </a:p>
+          <a:p>
+            <a:r>
+              <a:rPr lang="sl-SI" dirty="0" smtClean="0"/>
+              <a:t>Poznavanje strukture/shranjevanje podatkov v relacijske sheme.</a:t>
+            </a:r>
+          </a:p>
+          <a:p>
+            <a:endParaRPr lang="sl-SI" dirty="0" smtClean="0"/>
+          </a:p>
+          <a:p>
+            <a:r>
+              <a:rPr lang="sl-SI" dirty="0" smtClean="0"/>
+              <a:t>Poznavanje jezika SQL.</a:t>
+            </a:r>
+          </a:p>
+          <a:p>
+            <a:endParaRPr lang="sl-SI" dirty="0" smtClean="0"/>
+          </a:p>
+          <a:p>
+            <a:r>
+              <a:rPr lang="sl-SI" dirty="0" smtClean="0"/>
+              <a:t>Zasebno brskanje (</a:t>
+            </a:r>
+            <a:r>
+              <a:rPr lang="sl-SI" dirty="0" err="1" smtClean="0"/>
+              <a:t>InPrivate</a:t>
+            </a:r>
+            <a:r>
+              <a:rPr lang="sl-SI" dirty="0" smtClean="0"/>
+              <a:t>, </a:t>
+            </a:r>
+            <a:r>
+              <a:rPr lang="sl-SI" dirty="0" err="1" smtClean="0"/>
+              <a:t>Incognito</a:t>
+            </a:r>
+            <a:r>
+              <a:rPr lang="sl-SI" dirty="0" smtClean="0"/>
+              <a:t>, </a:t>
+            </a:r>
+            <a:r>
+              <a:rPr lang="sl-SI" dirty="0" err="1" smtClean="0"/>
+              <a:t>Private</a:t>
             </a:r>
             <a:r>
               <a:rPr lang="sl-SI" dirty="0" smtClean="0"/>
@@ -4824,15 +6447,15 @@
             </a:r>
             <a:r>
               <a:rPr lang="sl-SI" dirty="0" err="1" smtClean="0"/>
-              <a:t>Browser</a:t>
-            </a:r>
-            <a:r>
-              <a:rPr lang="sl-SI" dirty="0" smtClean="0"/>
-              <a:t>, </a:t>
+              <a:t>Browsing</a:t>
+            </a:r>
+            <a:r>
+              <a:rPr lang="sl-SI" dirty="0" smtClean="0"/>
+              <a:t>) ni 100% zasebno (registri, ‘</a:t>
             </a:r>
             <a:r>
               <a:rPr lang="sl-SI" dirty="0" err="1" smtClean="0"/>
-              <a:t>SQLite</a:t>
+              <a:t>cache</a:t>
             </a:r>
             <a:r>
               <a:rPr lang="sl-SI" dirty="0" smtClean="0"/>
@@ -4840,38 +6463,12 @@
             </a:r>
             <a:r>
               <a:rPr lang="sl-SI" dirty="0" err="1" smtClean="0"/>
-              <a:t>Manager</a:t>
-            </a:r>
-            <a:r>
-              <a:rPr lang="sl-SI" dirty="0" smtClean="0"/>
-              <a:t> (</a:t>
-            </a:r>
-            <a:r>
-              <a:rPr lang="sl-SI" dirty="0" err="1" smtClean="0"/>
-              <a:t>Firefox</a:t>
-            </a:r>
-            <a:r>
-              <a:rPr lang="sl-SI" dirty="0" smtClean="0"/>
-              <a:t>)</a:t>
-            </a:r>
-          </a:p>
-          <a:p>
-            <a:endParaRPr lang="sl-SI" dirty="0" smtClean="0"/>
-          </a:p>
-          <a:p>
-            <a:r>
-              <a:rPr lang="sl-SI" dirty="0" smtClean="0"/>
-              <a:t>Strukturirani </a:t>
-            </a:r>
-            <a:r>
-              <a:rPr lang="sl-SI" dirty="0" err="1" smtClean="0"/>
-              <a:t>povpraševalni</a:t>
-            </a:r>
-            <a:r>
-              <a:rPr lang="sl-SI" dirty="0" smtClean="0"/>
-              <a:t> jezik SQL</a:t>
-            </a:r>
-            <a:endParaRPr lang="sl-SI" dirty="0"/>
+              <a:t>data</a:t>
+            </a:r>
+            <a:r>
+              <a:rPr lang="sl-SI" dirty="0" smtClean="0"/>
+              <a:t>’ – slike ipd.).</a:t>
+            </a:r>
           </a:p>
         </p:txBody>
       </p:sp>
@@ -4909,7 +6506,7 @@
       </p:grpSpPr>
       <p:sp>
         <p:nvSpPr>
-          <p:cNvPr id="2" name="Naslov 1"/>
+          <p:cNvPr id="2" name="Title 1"/>
           <p:cNvSpPr>
             <a:spLocks noGrp="1"/>
           </p:cNvSpPr>
@@ -4920,21 +6517,22 @@
         <p:spPr/>
         <p:txBody>
           <a:bodyPr>
-            <a:noAutofit/>
+            <a:normAutofit/>
           </a:bodyPr>
           <a:lstStyle/>
           <a:p>
-            <a:r>
-              <a:rPr lang="sl-SI" sz="3600" dirty="0" smtClean="0"/>
-              <a:t>Preiskovanje spletnih brskalnikov (1.)</a:t>
-            </a:r>
-            <a:endParaRPr lang="sl-SI" sz="3600" dirty="0"/>
-          </a:p>
-        </p:txBody>
-      </p:sp>
-      <p:sp>
-        <p:nvSpPr>
-          <p:cNvPr id="3" name="Ograda vsebine 2"/>
+            <a:pPr algn="l"/>
+            <a:r>
+              <a:rPr lang="hr-HR" dirty="0"/>
+              <a:t>Forenzična preiskava diska</a:t>
+            </a:r>
+            <a:endParaRPr lang="en-US" dirty="0"/>
+          </a:p>
+        </p:txBody>
+      </p:sp>
+      <p:sp>
+        <p:nvSpPr>
+          <p:cNvPr id="3" name="Content Placeholder 2"/>
           <p:cNvSpPr>
             <a:spLocks noGrp="1"/>
           </p:cNvSpPr>
@@ -4944,155 +6542,69 @@
         </p:nvSpPr>
         <p:spPr/>
         <p:txBody>
-          <a:bodyPr>
-            <a:normAutofit fontScale="92500" lnSpcReduction="20000"/>
-          </a:bodyPr>
+          <a:bodyPr/>
           <a:lstStyle/>
           <a:p>
-            <a:pPr algn="ctr">
-              <a:buNone/>
-            </a:pPr>
-            <a:r>
-              <a:rPr lang="sl-SI" dirty="0" err="1" smtClean="0"/>
-              <a:t>Firefox</a:t>
-            </a:r>
-            <a:endParaRPr lang="sl-SI" dirty="0" smtClean="0"/>
-          </a:p>
-          <a:p>
-            <a:pPr algn="ctr">
-              <a:buNone/>
-            </a:pPr>
-            <a:endParaRPr lang="sl-SI" dirty="0" smtClean="0"/>
-          </a:p>
-          <a:p>
-            <a:r>
-              <a:rPr lang="sl-SI" dirty="0" smtClean="0"/>
-              <a:t>~/.</a:t>
-            </a:r>
-            <a:r>
-              <a:rPr lang="sl-SI" dirty="0" err="1" smtClean="0"/>
-              <a:t>mozilla</a:t>
-            </a:r>
-            <a:r>
-              <a:rPr lang="sl-SI" dirty="0" smtClean="0"/>
-              <a:t>/</a:t>
-            </a:r>
-            <a:r>
-              <a:rPr lang="sl-SI" dirty="0" err="1" smtClean="0"/>
-              <a:t>firefox</a:t>
-            </a:r>
-            <a:r>
-              <a:rPr lang="sl-SI" dirty="0" smtClean="0"/>
-              <a:t>/&lt;PROFILE&gt;/</a:t>
-            </a:r>
-          </a:p>
-          <a:p>
-            <a:endParaRPr lang="sl-SI" dirty="0" smtClean="0"/>
-          </a:p>
-          <a:p>
-            <a:r>
-              <a:rPr lang="sl-SI" dirty="0" err="1" smtClean="0"/>
-              <a:t>addons</a:t>
-            </a:r>
-            <a:r>
-              <a:rPr lang="sl-SI" dirty="0" smtClean="0"/>
-              <a:t>, </a:t>
-            </a:r>
-            <a:r>
-              <a:rPr lang="sl-SI" dirty="0" err="1" smtClean="0"/>
-              <a:t>cookies</a:t>
-            </a:r>
-            <a:r>
-              <a:rPr lang="sl-SI" dirty="0" smtClean="0"/>
-              <a:t>, </a:t>
-            </a:r>
-            <a:r>
-              <a:rPr lang="sl-SI" dirty="0" err="1" smtClean="0"/>
-              <a:t>downloads</a:t>
-            </a:r>
-            <a:r>
-              <a:rPr lang="sl-SI" dirty="0" smtClean="0"/>
-              <a:t>, </a:t>
-            </a:r>
-            <a:r>
-              <a:rPr lang="sl-SI" dirty="0" err="1" smtClean="0"/>
-              <a:t>extensions</a:t>
-            </a:r>
-            <a:r>
-              <a:rPr lang="sl-SI" dirty="0" smtClean="0"/>
-              <a:t>, </a:t>
-            </a:r>
-            <a:r>
-              <a:rPr lang="sl-SI" dirty="0" err="1" smtClean="0"/>
-              <a:t>formhistory</a:t>
-            </a:r>
-            <a:r>
-              <a:rPr lang="sl-SI" dirty="0" smtClean="0"/>
-              <a:t>, </a:t>
-            </a:r>
-            <a:r>
-              <a:rPr lang="sl-SI" dirty="0" err="1" smtClean="0"/>
-              <a:t>places</a:t>
-            </a:r>
-            <a:r>
-              <a:rPr lang="sl-SI" dirty="0" smtClean="0"/>
-              <a:t>, </a:t>
-            </a:r>
-            <a:r>
-              <a:rPr lang="sl-SI" dirty="0" err="1" smtClean="0"/>
-              <a:t>search</a:t>
-            </a:r>
-            <a:r>
-              <a:rPr lang="sl-SI" dirty="0" smtClean="0"/>
-              <a:t>, …</a:t>
-            </a:r>
-          </a:p>
-          <a:p>
-            <a:endParaRPr lang="sl-SI" dirty="0" smtClean="0"/>
-          </a:p>
-          <a:p>
-            <a:r>
-              <a:rPr lang="sl-SI" dirty="0" smtClean="0"/>
-              <a:t>Veliko zanimivih podatkov.</a:t>
-            </a:r>
-          </a:p>
-          <a:p>
-            <a:endParaRPr lang="sl-SI" dirty="0" smtClean="0"/>
-          </a:p>
-          <a:p>
-            <a:r>
-              <a:rPr lang="sl-SI" dirty="0" err="1" smtClean="0"/>
-              <a:t>Places.sqlite</a:t>
-            </a:r>
-            <a:r>
-              <a:rPr lang="sl-SI" dirty="0" smtClean="0"/>
-              <a:t> – zgodovina brskanja.</a:t>
-            </a:r>
-          </a:p>
-          <a:p>
-            <a:endParaRPr lang="sl-SI" dirty="0" smtClean="0"/>
-          </a:p>
-          <a:p>
-            <a:r>
-              <a:rPr lang="sl-SI" dirty="0" err="1" smtClean="0"/>
-              <a:t>Formhistory</a:t>
-            </a:r>
-            <a:r>
-              <a:rPr lang="sl-SI" dirty="0" smtClean="0"/>
-              <a:t> – </a:t>
-            </a:r>
-            <a:r>
-              <a:rPr lang="sl-SI" dirty="0" err="1" smtClean="0"/>
-              <a:t>vnešeni</a:t>
-            </a:r>
-            <a:r>
-              <a:rPr lang="sl-SI" dirty="0" smtClean="0"/>
-              <a:t> podatki v obrazce.</a:t>
-            </a:r>
+            <a:r>
+              <a:rPr lang="hr-HR" dirty="0"/>
+              <a:t>P</a:t>
+            </a:r>
+            <a:r>
+              <a:rPr lang="hr-HR" dirty="0" smtClean="0"/>
+              <a:t>riklopitev </a:t>
+            </a:r>
+            <a:r>
+              <a:rPr lang="hr-HR" dirty="0" smtClean="0"/>
+              <a:t>diska v </a:t>
+            </a:r>
+            <a:r>
+              <a:rPr lang="hr-HR" i="1" dirty="0" smtClean="0"/>
+              <a:t>read-only</a:t>
+            </a:r>
+            <a:r>
+              <a:rPr lang="hr-HR" dirty="0" smtClean="0"/>
+              <a:t> načinu</a:t>
+            </a:r>
+          </a:p>
+          <a:p>
+            <a:r>
+              <a:rPr lang="hr-HR" dirty="0"/>
+              <a:t>P</a:t>
+            </a:r>
+            <a:r>
+              <a:rPr lang="hr-HR" dirty="0" smtClean="0"/>
+              <a:t>osebnosti </a:t>
+            </a:r>
+            <a:r>
+              <a:rPr lang="hr-HR" dirty="0" smtClean="0"/>
+              <a:t>Linux okolja</a:t>
+            </a:r>
+          </a:p>
+          <a:p>
+            <a:r>
+              <a:rPr lang="hr-HR" dirty="0"/>
+              <a:t>F</a:t>
+            </a:r>
+            <a:r>
+              <a:rPr lang="hr-HR" dirty="0" smtClean="0"/>
+              <a:t>orenzična </a:t>
+            </a:r>
+            <a:r>
+              <a:rPr lang="hr-HR" dirty="0" smtClean="0"/>
+              <a:t>orodja za preiskavo diska</a:t>
+            </a:r>
+          </a:p>
+          <a:p>
+            <a:endParaRPr lang="en-US" dirty="0"/>
           </a:p>
         </p:txBody>
       </p:sp>
     </p:spTree>
+    <p:extLst>
+      <p:ext uri="{BB962C8B-B14F-4D97-AF65-F5344CB8AC3E}">
+        <p14:creationId xmlns:p14="http://schemas.microsoft.com/office/powerpoint/2010/main" val="2162169514"/>
+      </p:ext>
+    </p:extLst>
   </p:cSld>
   <p:clrMapOvr>
     <a:masterClrMapping/>
@@ -5126,7 +6638,7 @@
       </p:grpSpPr>
       <p:sp>
         <p:nvSpPr>
-          <p:cNvPr id="2" name="Naslov 1"/>
+          <p:cNvPr id="2" name="Title 1"/>
           <p:cNvSpPr>
             <a:spLocks noGrp="1"/>
           </p:cNvSpPr>
@@ -5141,17 +6653,22 @@
           </a:bodyPr>
           <a:lstStyle/>
           <a:p>
-            <a:r>
-              <a:rPr lang="sl-SI" sz="3600" dirty="0" smtClean="0"/>
-              <a:t>Preiskovanje spletnih brskalnikov (2.)</a:t>
-            </a:r>
-            <a:endParaRPr lang="sl-SI" sz="3600" dirty="0"/>
-          </a:p>
-        </p:txBody>
-      </p:sp>
-      <p:sp>
-        <p:nvSpPr>
-          <p:cNvPr id="3" name="Ograda vsebine 2"/>
+            <a:pPr algn="l"/>
+            <a:r>
+              <a:rPr lang="hr-HR" sz="4000" dirty="0" smtClean="0"/>
+              <a:t>Forenzična preiskava </a:t>
+            </a:r>
+            <a:r>
+              <a:rPr lang="hr-HR" sz="4000" dirty="0" smtClean="0"/>
+              <a:t>diska(1.)</a:t>
+            </a:r>
+            <a:endParaRPr lang="en-US" sz="4000" dirty="0"/>
+          </a:p>
+        </p:txBody>
+      </p:sp>
+      <p:sp>
+        <p:nvSpPr>
+          <p:cNvPr id="3" name="Content Placeholder 2"/>
           <p:cNvSpPr>
             <a:spLocks noGrp="1"/>
           </p:cNvSpPr>
@@ -5162,209 +6679,80 @@
         <p:spPr/>
         <p:txBody>
           <a:bodyPr>
-            <a:normAutofit fontScale="92500" lnSpcReduction="10000"/>
+            <a:normAutofit/>
           </a:bodyPr>
           <a:lstStyle/>
           <a:p>
             <a:r>
-              <a:rPr lang="sl-SI" dirty="0" smtClean="0"/>
-              <a:t>Časovni žigi (</a:t>
-            </a:r>
-            <a:r>
-              <a:rPr lang="sl-SI" dirty="0" err="1" smtClean="0"/>
-              <a:t>PRTime</a:t>
-            </a:r>
-            <a:r>
-              <a:rPr lang="sl-SI" dirty="0" smtClean="0"/>
-              <a:t> – mikrosekunde od 1.1.1970 </a:t>
-            </a:r>
-            <a:r>
-              <a:rPr lang="sl-SI" dirty="0" smtClean="0">
-                <a:sym typeface="Wingdings" pitchFamily="2" charset="2"/>
-              </a:rPr>
-              <a:t></a:t>
-            </a:r>
-            <a:r>
-              <a:rPr lang="sl-SI" dirty="0" smtClean="0"/>
-              <a:t> )</a:t>
-            </a:r>
-          </a:p>
-          <a:p>
-            <a:endParaRPr lang="sl-SI" dirty="0" smtClean="0"/>
-          </a:p>
-          <a:p>
-            <a:r>
-              <a:rPr lang="sl-SI" dirty="0" err="1" smtClean="0"/>
-              <a:t>Visit</a:t>
-            </a:r>
-            <a:r>
-              <a:rPr lang="sl-SI" dirty="0" smtClean="0"/>
-              <a:t>_</a:t>
-            </a:r>
-            <a:r>
-              <a:rPr lang="sl-SI" dirty="0" err="1" smtClean="0"/>
-              <a:t>Type</a:t>
-            </a:r>
-            <a:r>
-              <a:rPr lang="sl-SI" dirty="0" smtClean="0"/>
-              <a:t>  - način prehoda na spletno stran</a:t>
-            </a:r>
-          </a:p>
-          <a:p>
-            <a:endParaRPr lang="sl-SI" dirty="0" smtClean="0"/>
-          </a:p>
-          <a:p>
-            <a:pPr>
+              <a:rPr lang="hr-HR" dirty="0"/>
+              <a:t>K</a:t>
+            </a:r>
+            <a:r>
+              <a:rPr lang="hr-HR" dirty="0" smtClean="0"/>
+              <a:t>o </a:t>
+            </a:r>
+            <a:r>
+              <a:rPr lang="hr-HR" dirty="0" smtClean="0"/>
+              <a:t>smo prejeli </a:t>
+            </a:r>
+            <a:r>
+              <a:rPr lang="hr-HR" dirty="0" smtClean="0"/>
+              <a:t>disk (</a:t>
+            </a:r>
+            <a:r>
+              <a:rPr lang="hr-HR" dirty="0" smtClean="0"/>
+              <a:t>ali sliko diska), na računalnik ga priklopimo v </a:t>
+            </a:r>
+            <a:r>
+              <a:rPr lang="hr-HR" i="1" dirty="0" smtClean="0"/>
+              <a:t>read-only</a:t>
+            </a:r>
+            <a:r>
+              <a:rPr lang="hr-HR" dirty="0" smtClean="0"/>
+              <a:t> načinu</a:t>
+            </a:r>
+          </a:p>
+          <a:p>
+            <a:endParaRPr lang="hr-HR" dirty="0" smtClean="0"/>
+          </a:p>
+          <a:p>
+            <a:pPr lvl="1">
               <a:buNone/>
             </a:pPr>
             <a:r>
-              <a:rPr lang="sl-SI" sz="2700" dirty="0" err="1" smtClean="0"/>
-              <a:t>sqlite</a:t>
-            </a:r>
-            <a:r>
-              <a:rPr lang="sl-SI" sz="2700" dirty="0" smtClean="0"/>
-              <a:t>&gt;SELECT </a:t>
-            </a:r>
-            <a:r>
-              <a:rPr lang="sl-SI" sz="2700" dirty="0" err="1" smtClean="0"/>
-              <a:t>datetime</a:t>
-            </a:r>
-            <a:r>
-              <a:rPr lang="sl-SI" sz="2700" dirty="0" smtClean="0"/>
-              <a:t>((</a:t>
-            </a:r>
-            <a:r>
-              <a:rPr lang="sl-SI" sz="2700" dirty="0" err="1" smtClean="0"/>
-              <a:t>visit</a:t>
-            </a:r>
-            <a:r>
-              <a:rPr lang="sl-SI" sz="2700" dirty="0" smtClean="0"/>
-              <a:t>_</a:t>
-            </a:r>
-            <a:r>
-              <a:rPr lang="sl-SI" sz="2700" dirty="0" err="1" smtClean="0"/>
-              <a:t>date</a:t>
-            </a:r>
-            <a:r>
-              <a:rPr lang="sl-SI" sz="2700" dirty="0" smtClean="0"/>
-              <a:t>/1000000), '</a:t>
-            </a:r>
-            <a:r>
-              <a:rPr lang="sl-SI" sz="2700" dirty="0" err="1" smtClean="0"/>
-              <a:t>unixepoch</a:t>
-            </a:r>
-            <a:r>
-              <a:rPr lang="sl-SI" sz="2700" dirty="0" smtClean="0"/>
-              <a:t>', '</a:t>
-            </a:r>
-            <a:r>
-              <a:rPr lang="sl-SI" sz="2700" dirty="0" err="1" smtClean="0"/>
-              <a:t>localtime</a:t>
-            </a:r>
-            <a:r>
-              <a:rPr lang="sl-SI" sz="2700" dirty="0" smtClean="0"/>
-              <a:t>') as </a:t>
-            </a:r>
-            <a:r>
-              <a:rPr lang="sl-SI" sz="2700" dirty="0" err="1" smtClean="0"/>
-              <a:t>date</a:t>
-            </a:r>
-            <a:r>
-              <a:rPr lang="sl-SI" sz="2700" dirty="0" smtClean="0"/>
-              <a:t>, </a:t>
-            </a:r>
-            <a:r>
-              <a:rPr lang="sl-SI" sz="2700" dirty="0" err="1" smtClean="0"/>
-              <a:t>p.url</a:t>
-            </a:r>
-            <a:r>
-              <a:rPr lang="sl-SI" sz="2700" dirty="0" smtClean="0"/>
-              <a:t>, </a:t>
-            </a:r>
-            <a:r>
-              <a:rPr lang="sl-SI" sz="2700" dirty="0" err="1" smtClean="0"/>
-              <a:t>p.title</a:t>
-            </a:r>
-            <a:endParaRPr lang="sl-SI" sz="2700" dirty="0" smtClean="0"/>
-          </a:p>
-          <a:p>
-            <a:pPr>
+              <a:rPr lang="hr-HR" sz="2200" dirty="0" smtClean="0"/>
+              <a:t>	mount –r medij direktorij</a:t>
+            </a:r>
+            <a:endParaRPr lang="hr-HR" sz="3200" dirty="0" smtClean="0"/>
+          </a:p>
+          <a:p>
+            <a:pPr lvl="1">
               <a:buNone/>
             </a:pPr>
-            <a:r>
-              <a:rPr lang="sl-SI" sz="2700" dirty="0" smtClean="0"/>
-              <a:t> ...&gt;FROM </a:t>
-            </a:r>
-            <a:r>
-              <a:rPr lang="sl-SI" sz="2700" dirty="0" err="1" smtClean="0"/>
-              <a:t>moz</a:t>
-            </a:r>
-            <a:r>
-              <a:rPr lang="sl-SI" sz="2700" dirty="0" smtClean="0"/>
-              <a:t>_</a:t>
-            </a:r>
-            <a:r>
-              <a:rPr lang="sl-SI" sz="2700" dirty="0" err="1" smtClean="0"/>
-              <a:t>places</a:t>
-            </a:r>
-            <a:r>
-              <a:rPr lang="sl-SI" sz="2700" dirty="0" smtClean="0"/>
-              <a:t> p, </a:t>
-            </a:r>
-            <a:r>
-              <a:rPr lang="sl-SI" sz="2700" dirty="0" err="1" smtClean="0"/>
-              <a:t>moz</a:t>
-            </a:r>
-            <a:r>
-              <a:rPr lang="sl-SI" sz="2700" dirty="0" smtClean="0"/>
-              <a:t>_</a:t>
-            </a:r>
-            <a:r>
-              <a:rPr lang="sl-SI" sz="2700" dirty="0" err="1" smtClean="0"/>
-              <a:t>historyvisits</a:t>
-            </a:r>
-            <a:endParaRPr lang="sl-SI" sz="2700" dirty="0" smtClean="0"/>
-          </a:p>
-          <a:p>
-            <a:pPr>
-              <a:buNone/>
-            </a:pPr>
-            <a:r>
-              <a:rPr lang="sl-SI" sz="2700" dirty="0" smtClean="0"/>
-              <a:t> ...&gt;WHERE </a:t>
-            </a:r>
-            <a:r>
-              <a:rPr lang="sl-SI" sz="2700" dirty="0" err="1" smtClean="0"/>
-              <a:t>date</a:t>
-            </a:r>
-            <a:r>
-              <a:rPr lang="sl-SI" sz="2700" dirty="0" smtClean="0"/>
-              <a:t> BETWEEN '2012-04-02 00:00:00' AND '2012-04-04 00:00:00'</a:t>
-            </a:r>
-          </a:p>
-          <a:p>
-            <a:pPr>
-              <a:buNone/>
-            </a:pPr>
-            <a:r>
-              <a:rPr lang="sl-SI" sz="2700" dirty="0" smtClean="0"/>
-              <a:t> ...&gt;ORDER BY </a:t>
-            </a:r>
-            <a:r>
-              <a:rPr lang="sl-SI" sz="2700" dirty="0" err="1" smtClean="0"/>
-              <a:t>date</a:t>
-            </a:r>
-            <a:r>
-              <a:rPr lang="sl-SI" sz="2700" dirty="0" smtClean="0"/>
-              <a:t> DESC;</a:t>
-            </a:r>
-          </a:p>
-          <a:p>
-            <a:endParaRPr lang="sl-SI" dirty="0"/>
+            <a:endParaRPr lang="hr-HR" sz="3200" dirty="0" smtClean="0"/>
+          </a:p>
+          <a:p>
+            <a:r>
+              <a:rPr lang="hr-HR" dirty="0"/>
+              <a:t>S tem smo zagotovili nespremenjljivost podatkov (uporabimo še MD5 hash </a:t>
+            </a:r>
+            <a:r>
+              <a:rPr lang="hr-HR" dirty="0"/>
+              <a:t>kodo</a:t>
+            </a:r>
+            <a:r>
+              <a:rPr lang="hr-HR" dirty="0"/>
+              <a:t>)</a:t>
+            </a:r>
           </a:p>
         </p:txBody>
       </p:sp>
     </p:spTree>
+    <p:extLst>
+      <p:ext uri="{BB962C8B-B14F-4D97-AF65-F5344CB8AC3E}">
+        <p14:creationId xmlns:p14="http://schemas.microsoft.com/office/powerpoint/2010/main" val="4214750952"/>
+      </p:ext>
+    </p:extLst>
   </p:cSld>
   <p:clrMapOvr>
     <a:masterClrMapping/>
@@ -5398,7 +6786,7 @@
       </p:grpSpPr>
       <p:sp>
         <p:nvSpPr>
-          <p:cNvPr id="2" name="Naslov 1"/>
+          <p:cNvPr id="2" name="Title 1"/>
           <p:cNvSpPr>
             <a:spLocks noGrp="1"/>
           </p:cNvSpPr>
@@ -5409,21 +6797,26 @@
         <p:spPr/>
         <p:txBody>
           <a:bodyPr>
-            <a:noAutofit/>
+            <a:normAutofit fontScale="90000"/>
           </a:bodyPr>
           <a:lstStyle/>
           <a:p>
-            <a:r>
-              <a:rPr lang="sl-SI" sz="3600" dirty="0" smtClean="0"/>
-              <a:t>Preiskovanje spletnih brskalnikov (3.)</a:t>
-            </a:r>
-            <a:endParaRPr lang="sl-SI" sz="3600" dirty="0"/>
-          </a:p>
-        </p:txBody>
-      </p:sp>
-      <p:sp>
-        <p:nvSpPr>
-          <p:cNvPr id="3" name="Ograda vsebine 2"/>
+            <a:pPr algn="l"/>
+            <a:r>
+              <a:rPr lang="hr-HR" dirty="0" smtClean="0"/>
+              <a:t>Forenzična preiskava </a:t>
+            </a:r>
+            <a:r>
+              <a:rPr lang="hr-HR" dirty="0" smtClean="0"/>
+              <a:t>diska(2.)</a:t>
+            </a:r>
+            <a:endParaRPr lang="en-US" dirty="0"/>
+          </a:p>
+        </p:txBody>
+      </p:sp>
+      <p:sp>
+        <p:nvSpPr>
+          <p:cNvPr id="3" name="Content Placeholder 2"/>
           <p:cNvSpPr>
             <a:spLocks noGrp="1"/>
           </p:cNvSpPr>
@@ -5431,238 +6824,69 @@
             <p:ph idx="1"/>
           </p:nvPr>
         </p:nvSpPr>
-        <p:spPr>
-          <a:xfrm>
-            <a:off x="457200" y="1646236"/>
-            <a:ext cx="8229600" cy="4663083"/>
-          </a:xfrm>
-        </p:spPr>
-        <p:txBody>
-          <a:bodyPr>
-            <a:normAutofit fontScale="85000" lnSpcReduction="10000"/>
-          </a:bodyPr>
+        <p:spPr/>
+        <p:txBody>
+          <a:bodyPr/>
           <a:lstStyle/>
           <a:p>
-            <a:pPr algn="ctr">
-              <a:buNone/>
-            </a:pPr>
-            <a:r>
-              <a:rPr lang="sl-SI" dirty="0" smtClean="0"/>
-              <a:t>Google </a:t>
-            </a:r>
-            <a:r>
-              <a:rPr lang="sl-SI" dirty="0" err="1" smtClean="0"/>
-              <a:t>Chrome</a:t>
-            </a:r>
-            <a:endParaRPr lang="sl-SI" dirty="0" smtClean="0"/>
-          </a:p>
-          <a:p>
-            <a:pPr algn="ctr">
-              <a:buNone/>
-            </a:pPr>
-            <a:endParaRPr lang="sl-SI" dirty="0" smtClean="0"/>
-          </a:p>
-          <a:p>
-            <a:r>
-              <a:rPr lang="sl-SI" dirty="0" smtClean="0"/>
-              <a:t>Ločimo Google </a:t>
-            </a:r>
-            <a:r>
-              <a:rPr lang="sl-SI" dirty="0" err="1" smtClean="0"/>
-              <a:t>Chrome</a:t>
-            </a:r>
-            <a:r>
-              <a:rPr lang="sl-SI" dirty="0" smtClean="0"/>
-              <a:t> in </a:t>
-            </a:r>
-            <a:r>
-              <a:rPr lang="sl-SI" dirty="0" err="1" smtClean="0"/>
-              <a:t>Chromium</a:t>
-            </a:r>
-            <a:r>
-              <a:rPr lang="sl-SI" dirty="0" smtClean="0"/>
-              <a:t>-</a:t>
-            </a:r>
-            <a:r>
-              <a:rPr lang="sl-SI" dirty="0" err="1" smtClean="0"/>
-              <a:t>browser</a:t>
-            </a:r>
-            <a:endParaRPr lang="sl-SI" dirty="0" smtClean="0"/>
-          </a:p>
-          <a:p>
-            <a:endParaRPr lang="sl-SI" dirty="0" smtClean="0"/>
-          </a:p>
-          <a:p>
-            <a:r>
-              <a:rPr lang="sl-SI" dirty="0" smtClean="0"/>
-              <a:t>~/.</a:t>
-            </a:r>
-            <a:r>
-              <a:rPr lang="sl-SI" dirty="0" err="1" smtClean="0"/>
-              <a:t>config</a:t>
-            </a:r>
-            <a:r>
-              <a:rPr lang="sl-SI" dirty="0" smtClean="0"/>
-              <a:t>/</a:t>
-            </a:r>
-            <a:r>
-              <a:rPr lang="sl-SI" dirty="0" err="1" smtClean="0"/>
-              <a:t>google</a:t>
-            </a:r>
-            <a:r>
-              <a:rPr lang="sl-SI" dirty="0" smtClean="0"/>
-              <a:t>-</a:t>
-            </a:r>
-            <a:r>
-              <a:rPr lang="sl-SI" dirty="0" err="1" smtClean="0"/>
-              <a:t>chrome</a:t>
-            </a:r>
-            <a:r>
-              <a:rPr lang="sl-SI" dirty="0" smtClean="0"/>
-              <a:t>/</a:t>
-            </a:r>
-          </a:p>
-          <a:p>
-            <a:endParaRPr lang="sl-SI" dirty="0" smtClean="0"/>
-          </a:p>
-          <a:p>
-            <a:r>
-              <a:rPr lang="sl-SI" dirty="0" err="1" smtClean="0"/>
-              <a:t>Favicons</a:t>
-            </a:r>
-            <a:r>
-              <a:rPr lang="sl-SI" dirty="0" smtClean="0"/>
-              <a:t>, </a:t>
-            </a:r>
-            <a:r>
-              <a:rPr lang="sl-SI" dirty="0" err="1" smtClean="0"/>
-              <a:t>History</a:t>
-            </a:r>
-            <a:r>
-              <a:rPr lang="sl-SI" dirty="0" smtClean="0"/>
-              <a:t>, </a:t>
-            </a:r>
-            <a:r>
-              <a:rPr lang="sl-SI" dirty="0" err="1" smtClean="0"/>
-              <a:t>Bookmarks</a:t>
-            </a:r>
-            <a:r>
-              <a:rPr lang="sl-SI" dirty="0" smtClean="0"/>
-              <a:t>, </a:t>
-            </a:r>
-            <a:r>
-              <a:rPr lang="sl-SI" dirty="0" err="1" smtClean="0"/>
-              <a:t>Archived</a:t>
-            </a:r>
-            <a:r>
-              <a:rPr lang="sl-SI" dirty="0" smtClean="0"/>
-              <a:t> </a:t>
-            </a:r>
-            <a:r>
-              <a:rPr lang="sl-SI" dirty="0" err="1" smtClean="0"/>
-              <a:t>History</a:t>
-            </a:r>
-            <a:r>
-              <a:rPr lang="sl-SI" dirty="0" smtClean="0"/>
-              <a:t>, </a:t>
-            </a:r>
-            <a:r>
-              <a:rPr lang="sl-SI" dirty="0" err="1" smtClean="0"/>
-              <a:t>Cookies</a:t>
-            </a:r>
-            <a:r>
-              <a:rPr lang="sl-SI" dirty="0" smtClean="0"/>
-              <a:t>, …</a:t>
-            </a:r>
-          </a:p>
-          <a:p>
-            <a:endParaRPr lang="sl-SI" dirty="0" smtClean="0"/>
-          </a:p>
-          <a:p>
-            <a:r>
-              <a:rPr lang="sl-SI" dirty="0" err="1" smtClean="0"/>
-              <a:t>History</a:t>
-            </a:r>
-            <a:r>
-              <a:rPr lang="sl-SI" dirty="0" smtClean="0"/>
-              <a:t> [</a:t>
-            </a:r>
-            <a:r>
-              <a:rPr lang="sl-SI" dirty="0" err="1" smtClean="0"/>
-              <a:t>downloads</a:t>
-            </a:r>
-            <a:r>
-              <a:rPr lang="sl-SI" dirty="0" smtClean="0"/>
-              <a:t>, </a:t>
-            </a:r>
-            <a:r>
-              <a:rPr lang="sl-SI" dirty="0" err="1" smtClean="0"/>
-              <a:t>presentation</a:t>
-            </a:r>
-            <a:r>
-              <a:rPr lang="sl-SI" dirty="0" smtClean="0"/>
-              <a:t>, </a:t>
-            </a:r>
-            <a:r>
-              <a:rPr lang="sl-SI" dirty="0" err="1" smtClean="0"/>
-              <a:t>urls</a:t>
-            </a:r>
-            <a:r>
-              <a:rPr lang="sl-SI" dirty="0" smtClean="0"/>
-              <a:t>, </a:t>
-            </a:r>
-            <a:r>
-              <a:rPr lang="sl-SI" dirty="0" err="1" smtClean="0"/>
-              <a:t>keyword</a:t>
-            </a:r>
-            <a:r>
-              <a:rPr lang="sl-SI" dirty="0" smtClean="0"/>
-              <a:t>_</a:t>
-            </a:r>
-            <a:r>
-              <a:rPr lang="sl-SI" dirty="0" err="1" smtClean="0"/>
-              <a:t>search</a:t>
-            </a:r>
-            <a:r>
-              <a:rPr lang="sl-SI" dirty="0" smtClean="0"/>
-              <a:t>_</a:t>
-            </a:r>
-            <a:r>
-              <a:rPr lang="sl-SI" dirty="0" err="1" smtClean="0"/>
-              <a:t>terms</a:t>
-            </a:r>
-            <a:r>
-              <a:rPr lang="sl-SI" dirty="0" smtClean="0"/>
-              <a:t>, segment_</a:t>
-            </a:r>
-            <a:r>
-              <a:rPr lang="sl-SI" dirty="0" err="1" smtClean="0"/>
-              <a:t>usage</a:t>
-            </a:r>
-            <a:r>
-              <a:rPr lang="sl-SI" dirty="0" smtClean="0"/>
-              <a:t>, </a:t>
-            </a:r>
-            <a:r>
-              <a:rPr lang="sl-SI" dirty="0" err="1" smtClean="0"/>
-              <a:t>visits</a:t>
-            </a:r>
-            <a:r>
-              <a:rPr lang="sl-SI" dirty="0" smtClean="0"/>
-              <a:t>, meta, </a:t>
-            </a:r>
-            <a:r>
-              <a:rPr lang="sl-SI" dirty="0" err="1" smtClean="0"/>
-              <a:t>segments</a:t>
-            </a:r>
-            <a:r>
-              <a:rPr lang="sl-SI" dirty="0" smtClean="0"/>
-              <a:t>] – zgodovina brskanja</a:t>
-            </a:r>
+            <a:r>
+              <a:rPr lang="hr-HR" dirty="0" smtClean="0"/>
+              <a:t>Posebnosti Linux </a:t>
+            </a:r>
+            <a:r>
+              <a:rPr lang="hr-HR" dirty="0" smtClean="0"/>
+              <a:t>okolja</a:t>
+            </a:r>
+          </a:p>
+          <a:p>
+            <a:pPr lvl="1"/>
+            <a:r>
+              <a:rPr lang="hr-HR" dirty="0" smtClean="0"/>
+              <a:t>pridobivanje </a:t>
+            </a:r>
+            <a:r>
+              <a:rPr lang="hr-HR" dirty="0" smtClean="0"/>
+              <a:t>zbrisanih </a:t>
+            </a:r>
+            <a:r>
+              <a:rPr lang="hr-HR" dirty="0" smtClean="0"/>
+              <a:t>podatkov</a:t>
+            </a:r>
+          </a:p>
+          <a:p>
+            <a:pPr lvl="1"/>
+            <a:r>
+              <a:rPr lang="hr-HR" dirty="0" smtClean="0"/>
+              <a:t>skrivanje podatkov</a:t>
+            </a:r>
+          </a:p>
+          <a:p>
+            <a:pPr lvl="1"/>
+            <a:r>
+              <a:rPr lang="hr-HR" dirty="0" smtClean="0"/>
+              <a:t>časovni žigi</a:t>
+            </a:r>
+          </a:p>
+          <a:p>
+            <a:pPr lvl="1"/>
+            <a:r>
+              <a:rPr lang="hr-HR" dirty="0" smtClean="0"/>
+              <a:t>disk </a:t>
+            </a:r>
+            <a:r>
+              <a:rPr lang="hr-HR" dirty="0" smtClean="0"/>
+              <a:t>zaščiten z enkripcijo in  gesli	</a:t>
+            </a:r>
+            <a:endParaRPr lang="en-US" dirty="0"/>
           </a:p>
         </p:txBody>
       </p:sp>
     </p:spTree>
+    <p:extLst>
+      <p:ext uri="{BB962C8B-B14F-4D97-AF65-F5344CB8AC3E}">
+        <p14:creationId xmlns:p14="http://schemas.microsoft.com/office/powerpoint/2010/main" val="1099461651"/>
+      </p:ext>
+    </p:extLst>
   </p:cSld>
   <p:clrMapOvr>
     <a:masterClrMapping/>
@@ -5696,7 +6920,7 @@
       </p:grpSpPr>
       <p:sp>
         <p:nvSpPr>
-          <p:cNvPr id="2" name="Naslov 1"/>
+          <p:cNvPr id="2" name="Title 1"/>
           <p:cNvSpPr>
             <a:spLocks noGrp="1"/>
           </p:cNvSpPr>
@@ -5706,22 +6930,21 @@
         </p:nvSpPr>
         <p:spPr/>
         <p:txBody>
-          <a:bodyPr>
-            <a:normAutofit/>
-          </a:bodyPr>
+          <a:bodyPr/>
           <a:lstStyle/>
           <a:p>
-            <a:r>
-              <a:rPr lang="sl-SI" sz="3600" dirty="0" smtClean="0"/>
-              <a:t>Preiskovanje spletnih brskalnikov (4.)</a:t>
-            </a:r>
-            <a:endParaRPr lang="sl-SI" sz="3600" dirty="0"/>
-          </a:p>
-        </p:txBody>
-      </p:sp>
-      <p:sp>
-        <p:nvSpPr>
-          <p:cNvPr id="3" name="Ograda vsebine 2"/>
+            <a:pPr algn="l"/>
+            <a:r>
+              <a:rPr lang="hr-HR" dirty="0" smtClean="0"/>
+              <a:t>Pridobivanje skritih podatkov</a:t>
+            </a:r>
+            <a:endParaRPr lang="en-US" dirty="0"/>
+          </a:p>
+        </p:txBody>
+      </p:sp>
+      <p:sp>
+        <p:nvSpPr>
+          <p:cNvPr id="3" name="Content Placeholder 2"/>
           <p:cNvSpPr>
             <a:spLocks noGrp="1"/>
           </p:cNvSpPr>
@@ -5731,152 +6954,48 @@
         </p:nvSpPr>
         <p:spPr/>
         <p:txBody>
-          <a:bodyPr>
-            <a:normAutofit fontScale="92500" lnSpcReduction="20000"/>
-          </a:bodyPr>
+          <a:bodyPr/>
           <a:lstStyle/>
-          <a:p>
-            <a:r>
-              <a:rPr lang="sl-SI" dirty="0" smtClean="0"/>
-              <a:t>Časovni žigi mešano (1.1.1601, 1.1.1970)</a:t>
-            </a:r>
-          </a:p>
-          <a:p>
-            <a:endParaRPr lang="sl-SI" dirty="0" smtClean="0"/>
-          </a:p>
-          <a:p>
-            <a:r>
-              <a:rPr lang="sl-SI" dirty="0" err="1" smtClean="0"/>
-              <a:t>Transition</a:t>
-            </a:r>
-            <a:r>
-              <a:rPr lang="sl-SI" dirty="0" smtClean="0"/>
-              <a:t> (11 prehodov)</a:t>
-            </a:r>
-          </a:p>
-          <a:p>
-            <a:endParaRPr lang="sl-SI" dirty="0" smtClean="0"/>
-          </a:p>
           <a:p>
             <a:pPr>
               <a:buNone/>
             </a:pPr>
             <a:r>
-              <a:rPr lang="sl-SI" dirty="0" err="1" smtClean="0"/>
-              <a:t>sqlite</a:t>
-            </a:r>
-            <a:r>
-              <a:rPr lang="sl-SI" dirty="0" smtClean="0"/>
-              <a:t>&gt;SELECT </a:t>
-            </a:r>
-            <a:r>
-              <a:rPr lang="sl-SI" dirty="0" err="1" smtClean="0"/>
-              <a:t>datetime</a:t>
-            </a:r>
-            <a:r>
-              <a:rPr lang="sl-SI" dirty="0" smtClean="0"/>
-              <a:t>(((</a:t>
-            </a:r>
-            <a:r>
-              <a:rPr lang="sl-SI" dirty="0" err="1" smtClean="0"/>
-              <a:t>visits.visit</a:t>
-            </a:r>
-            <a:r>
-              <a:rPr lang="sl-SI" dirty="0" smtClean="0"/>
-              <a:t>_time/1000000)-11644473600), "</a:t>
-            </a:r>
-            <a:r>
-              <a:rPr lang="sl-SI" dirty="0" err="1" smtClean="0"/>
-              <a:t>unixepoch</a:t>
-            </a:r>
-            <a:r>
-              <a:rPr lang="sl-SI" dirty="0" smtClean="0"/>
-              <a:t>") as time, </a:t>
-            </a:r>
-            <a:r>
-              <a:rPr lang="sl-SI" dirty="0" err="1" smtClean="0"/>
-              <a:t>urls.url</a:t>
-            </a:r>
-            <a:r>
-              <a:rPr lang="sl-SI" dirty="0" smtClean="0"/>
-              <a:t>, </a:t>
-            </a:r>
-            <a:r>
-              <a:rPr lang="sl-SI" dirty="0" err="1" smtClean="0"/>
-              <a:t>urls.title</a:t>
-            </a:r>
-            <a:endParaRPr lang="sl-SI" dirty="0" smtClean="0"/>
-          </a:p>
-          <a:p>
-            <a:pPr>
-              <a:buNone/>
-            </a:pPr>
-            <a:r>
-              <a:rPr lang="sl-SI" dirty="0" smtClean="0"/>
-              <a:t> ...&gt;FROM </a:t>
-            </a:r>
-            <a:r>
-              <a:rPr lang="sl-SI" dirty="0" err="1" smtClean="0"/>
-              <a:t>urls</a:t>
-            </a:r>
-            <a:r>
-              <a:rPr lang="sl-SI" dirty="0" smtClean="0"/>
-              <a:t>, </a:t>
-            </a:r>
-            <a:r>
-              <a:rPr lang="sl-SI" dirty="0" err="1" smtClean="0"/>
-              <a:t>visits</a:t>
-            </a:r>
-            <a:endParaRPr lang="sl-SI" dirty="0" smtClean="0"/>
-          </a:p>
-          <a:p>
-            <a:pPr>
-              <a:buNone/>
-            </a:pPr>
-            <a:r>
-              <a:rPr lang="sl-SI" dirty="0" smtClean="0"/>
-              <a:t> ...&gt;WHERE </a:t>
-            </a:r>
-            <a:r>
-              <a:rPr lang="sl-SI" dirty="0" err="1" smtClean="0"/>
-              <a:t>urls.id</a:t>
-            </a:r>
-            <a:r>
-              <a:rPr lang="sl-SI" dirty="0" smtClean="0"/>
-              <a:t> = </a:t>
-            </a:r>
-            <a:r>
-              <a:rPr lang="sl-SI" dirty="0" err="1" smtClean="0"/>
-              <a:t>visits.url</a:t>
-            </a:r>
-            <a:endParaRPr lang="sl-SI" dirty="0" smtClean="0"/>
-          </a:p>
-          <a:p>
-            <a:pPr>
-              <a:buNone/>
-            </a:pPr>
-            <a:r>
-              <a:rPr lang="sl-SI" dirty="0" smtClean="0"/>
-              <a:t> ...&gt;ORDER BY time;</a:t>
-            </a:r>
-          </a:p>
-          <a:p>
-            <a:endParaRPr lang="sl-SI" dirty="0"/>
+              <a:rPr lang="hr-HR" dirty="0" smtClean="0"/>
+              <a:t>	</a:t>
+            </a:r>
+          </a:p>
+          <a:p>
+            <a:r>
+              <a:rPr lang="hr-HR" dirty="0" smtClean="0"/>
+              <a:t>Poiščemo vse zbrisane inode in z njimi pridobimo izgubljen podatke</a:t>
+            </a:r>
+          </a:p>
+          <a:p>
+            <a:r>
+              <a:rPr lang="hr-HR" dirty="0" smtClean="0"/>
+              <a:t>Preverjanje direktorijev in iskanje zbrisanih vnosov</a:t>
+            </a:r>
+          </a:p>
+          <a:p>
+            <a:r>
+              <a:rPr lang="hr-HR" dirty="0" smtClean="0"/>
+              <a:t>File carving</a:t>
+            </a:r>
+            <a:endParaRPr lang="en-US" dirty="0"/>
           </a:p>
         </p:txBody>
       </p:sp>
     </p:spTree>
+    <p:extLst>
+      <p:ext uri="{BB962C8B-B14F-4D97-AF65-F5344CB8AC3E}">
+        <p14:creationId xmlns:p14="http://schemas.microsoft.com/office/powerpoint/2010/main" val="1361883294"/>
+      </p:ext>
+    </p:extLst>
   </p:cSld>
   <p:clrMapOvr>
     <a:masterClrMapping/>
   </p:clrMapOvr>
-  <p:timing>
-    <p:tnLst>
-      <p:par>
-        <p:cTn id="1" dur="indefinite" restart="never" nodeType="tmRoot"/>
-      </p:par>
-    </p:tnLst>
-  </p:timing>
 </p:sld>
 </file>
 
@@ -5899,7 +7018,7 @@
       </p:grpSpPr>
       <p:sp>
         <p:nvSpPr>
-          <p:cNvPr id="2" name="Naslov 1"/>
+          <p:cNvPr id="2" name="Title 1"/>
           <p:cNvSpPr>
             <a:spLocks noGrp="1"/>
           </p:cNvSpPr>
@@ -5909,22 +7028,21 @@
         </p:nvSpPr>
         <p:spPr/>
         <p:txBody>
-          <a:bodyPr>
-            <a:normAutofit/>
-          </a:bodyPr>
+          <a:bodyPr/>
           <a:lstStyle/>
           <a:p>
-            <a:r>
-              <a:rPr lang="sl-SI" sz="3600" dirty="0" smtClean="0"/>
-              <a:t>Preiskovanje spletnih brskalnikov (5.)</a:t>
-            </a:r>
-            <a:endParaRPr lang="sl-SI" sz="3600" dirty="0"/>
-          </a:p>
-        </p:txBody>
-      </p:sp>
-      <p:sp>
-        <p:nvSpPr>
-          <p:cNvPr id="3" name="Ograda vsebine 2"/>
+            <a:pPr algn="l"/>
+            <a:r>
+              <a:rPr lang="hr-HR" dirty="0" smtClean="0"/>
+              <a:t>Skrivanje podatkov</a:t>
+            </a:r>
+            <a:endParaRPr lang="en-US" dirty="0"/>
+          </a:p>
+        </p:txBody>
+      </p:sp>
+      <p:sp>
+        <p:nvSpPr>
+          <p:cNvPr id="3" name="Content Placeholder 2"/>
           <p:cNvSpPr>
             <a:spLocks noGrp="1"/>
           </p:cNvSpPr>
@@ -5934,108 +7052,50 @@
         </p:nvSpPr>
         <p:spPr/>
         <p:txBody>
-          <a:bodyPr>
-            <a:normAutofit lnSpcReduction="10000"/>
-          </a:bodyPr>
+          <a:bodyPr/>
           <a:lstStyle/>
           <a:p>
-            <a:pPr algn="ctr">
-              <a:buNone/>
-            </a:pPr>
-            <a:r>
-              <a:rPr lang="sl-SI" dirty="0" smtClean="0"/>
-              <a:t>Zaključek</a:t>
-            </a:r>
-          </a:p>
-          <a:p>
-            <a:endParaRPr lang="sl-SI" dirty="0" smtClean="0"/>
-          </a:p>
-          <a:p>
-            <a:r>
-              <a:rPr lang="sl-SI" dirty="0" smtClean="0"/>
-              <a:t>Poznavanje strukture/shranjevanje podatkov v relacijske sheme.</a:t>
-            </a:r>
-          </a:p>
-          <a:p>
-            <a:endParaRPr lang="sl-SI" dirty="0" smtClean="0"/>
-          </a:p>
-          <a:p>
-            <a:r>
-              <a:rPr lang="sl-SI" dirty="0" smtClean="0"/>
-              <a:t>Poznavanje jezika SQL.</a:t>
-            </a:r>
-          </a:p>
-          <a:p>
-            <a:endParaRPr lang="sl-SI" dirty="0" smtClean="0"/>
-          </a:p>
-          <a:p>
-            <a:r>
-              <a:rPr lang="sl-SI" dirty="0" smtClean="0"/>
-              <a:t>Zasebno brskanje (</a:t>
-            </a:r>
-            <a:r>
-              <a:rPr lang="sl-SI" dirty="0" err="1" smtClean="0"/>
-              <a:t>InPrivate</a:t>
-            </a:r>
-            <a:r>
-              <a:rPr lang="sl-SI" dirty="0" smtClean="0"/>
-              <a:t>, </a:t>
-            </a:r>
-            <a:r>
-              <a:rPr lang="sl-SI" dirty="0" err="1" smtClean="0"/>
-              <a:t>Incognito</a:t>
-            </a:r>
-            <a:r>
-              <a:rPr lang="sl-SI" dirty="0" smtClean="0"/>
-              <a:t>, </a:t>
-            </a:r>
-            <a:r>
-              <a:rPr lang="sl-SI" dirty="0" err="1" smtClean="0"/>
-              <a:t>Private</a:t>
-            </a:r>
-            <a:r>
-              <a:rPr lang="sl-SI" dirty="0" smtClean="0"/>
-              <a:t> </a:t>
-            </a:r>
-            <a:r>
-              <a:rPr lang="sl-SI" dirty="0" err="1" smtClean="0"/>
-              <a:t>Browsing</a:t>
-            </a:r>
-            <a:r>
-              <a:rPr lang="sl-SI" dirty="0" smtClean="0"/>
-              <a:t>) ni 100% zasebno (registri, ‘</a:t>
-            </a:r>
-            <a:r>
-              <a:rPr lang="sl-SI" dirty="0" err="1" smtClean="0"/>
-              <a:t>cache</a:t>
-            </a:r>
-            <a:r>
-              <a:rPr lang="sl-SI" dirty="0" smtClean="0"/>
-              <a:t> </a:t>
-            </a:r>
-            <a:r>
-              <a:rPr lang="sl-SI" dirty="0" err="1" smtClean="0"/>
-              <a:t>data</a:t>
-            </a:r>
-            <a:r>
-              <a:rPr lang="sl-SI" dirty="0" smtClean="0"/>
-              <a:t>’ – slike ipd.).</a:t>
-            </a:r>
+            <a:r>
+              <a:rPr lang="hr-HR" dirty="0" smtClean="0"/>
+              <a:t>Manipulacija z imeni datotek</a:t>
+            </a:r>
+          </a:p>
+          <a:p>
+            <a:r>
+              <a:rPr lang="hr-HR" dirty="0" smtClean="0"/>
+              <a:t>Skrivanje v </a:t>
+            </a:r>
+            <a:r>
+              <a:rPr lang="hr-HR" i="1" dirty="0" smtClean="0"/>
+              <a:t>file slack</a:t>
+            </a:r>
+            <a:endParaRPr lang="hr-HR" dirty="0" smtClean="0"/>
+          </a:p>
+          <a:p>
+            <a:r>
+              <a:rPr lang="hr-HR" dirty="0" smtClean="0"/>
+              <a:t>Alternativni tok podatkov</a:t>
+            </a:r>
+          </a:p>
+          <a:p>
+            <a:r>
+              <a:rPr lang="hr-HR" dirty="0" smtClean="0"/>
+              <a:t>Steganografija</a:t>
+            </a:r>
+            <a:endParaRPr lang="en-US" dirty="0"/>
           </a:p>
         </p:txBody>
       </p:sp>
     </p:spTree>
+    <p:extLst>
+      <p:ext uri="{BB962C8B-B14F-4D97-AF65-F5344CB8AC3E}">
+        <p14:creationId xmlns:p14="http://schemas.microsoft.com/office/powerpoint/2010/main" val="2473083097"/>
+      </p:ext>
+    </p:extLst>
   </p:cSld>
   <p:clrMapOvr>
     <a:masterClrMapping/>
   </p:clrMapOvr>
-  <p:timing>
-    <p:tnLst>
-      <p:par>
-        <p:cTn id="1" dur="indefinite" restart="never" nodeType="tmRoot"/>
-      </p:par>
-    </p:tnLst>
-  </p:timing>
 </p:sld>
 </file>
 
@@ -6068,80 +7128,91 @@
         </p:nvSpPr>
         <p:spPr/>
         <p:txBody>
-          <a:bodyPr>
-            <a:normAutofit fontScale="90000"/>
+          <a:bodyPr/>
+          <a:lstStyle/>
+          <a:p>
+            <a:pPr algn="l"/>
+            <a:r>
+              <a:rPr lang="hr-HR" dirty="0" smtClean="0"/>
+              <a:t>Časovni žigi(timestamps)</a:t>
+            </a:r>
+            <a:endParaRPr lang="en-US" dirty="0"/>
+          </a:p>
+        </p:txBody>
+      </p:sp>
+      <p:pic>
+        <p:nvPicPr>
+          <p:cNvPr id="4" name="Slika 6"/>
+          <p:cNvPicPr>
+            <a:picLocks noGrp="1"/>
+          </p:cNvPicPr>
+          <p:nvPr>
+            <p:ph idx="1"/>
+          </p:nvPr>
+        </p:nvPicPr>
+        <p:blipFill>
+          <a:blip r:embed="rId2">
+            <a:extLst>
+              <a:ext uri="{28A0092B-C50C-407E-A947-70E740481C1C}">
+                <a14:useLocalDpi xmlns:a14="http://schemas.microsoft.com/office/drawing/2010/main" val="0"/>
+              </a:ext>
+            </a:extLst>
+          </a:blip>
+          <a:srcRect/>
+          <a:stretch>
+            <a:fillRect/>
+          </a:stretch>
+        </p:blipFill>
+        <p:spPr bwMode="auto">
+          <a:xfrm>
+            <a:off x="1000100" y="1785926"/>
+            <a:ext cx="6929486" cy="2214578"/>
+          </a:xfrm>
+          <a:prstGeom prst="rect">
+            <a:avLst/>
+          </a:prstGeom>
+          <a:noFill/>
+          <a:ln>
+            <a:noFill/>
+          </a:ln>
+        </p:spPr>
+      </p:pic>
+      <p:sp>
+        <p:nvSpPr>
+          <p:cNvPr id="5" name="TextBox 4"/>
+          <p:cNvSpPr txBox="1"/>
+          <p:nvPr/>
+        </p:nvSpPr>
+        <p:spPr>
+          <a:xfrm>
+            <a:off x="714348" y="4714884"/>
+            <a:ext cx="7572428" cy="584775"/>
+          </a:xfrm>
+          <a:prstGeom prst="rect">
+            <a:avLst/>
+          </a:prstGeom>
+          <a:noFill/>
+        </p:spPr>
+        <p:txBody>
+          <a:bodyPr wrap="square" rtlCol="0">
+            <a:spAutoFit/>
           </a:bodyPr>
           <a:lstStyle/>
           <a:p>
             <a:r>
-              <a:rPr lang="hr-HR" dirty="0" smtClean="0"/>
-              <a:t>Forenzična preiskava diska</a:t>
-            </a:r>
-            <a:r>
-              <a:rPr lang="hr-HR" sz="3300" dirty="0" smtClean="0"/>
-              <a:t/>
-            </a:r>
-            <a:br>
-              <a:rPr lang="hr-HR" sz="3300" dirty="0" smtClean="0"/>
-            </a:br>
-            <a:r>
-              <a:rPr lang="hr-HR" sz="3300" dirty="0" smtClean="0"/>
-              <a:t>opisali: Željko Plesac,Jan Varljen</a:t>
-            </a:r>
-            <a:endParaRPr lang="en-US" sz="3300" dirty="0"/>
-          </a:p>
-        </p:txBody>
-      </p:sp>
-      <p:sp>
-        <p:nvSpPr>
-          <p:cNvPr id="3" name="Content Placeholder 2"/>
-          <p:cNvSpPr>
-            <a:spLocks noGrp="1"/>
-          </p:cNvSpPr>
-          <p:nvPr>
-            <p:ph idx="1"/>
-          </p:nvPr>
-        </p:nvSpPr>
-        <p:spPr/>
-        <p:txBody>
-          <a:bodyPr/>
-          <a:lstStyle/>
-          <a:p>
-            <a:r>
-              <a:rPr lang="hr-HR" dirty="0" smtClean="0"/>
-              <a:t>priklopitev diska v </a:t>
-            </a:r>
-            <a:r>
-              <a:rPr lang="hr-HR" i="1" dirty="0" smtClean="0"/>
-              <a:t>read-only</a:t>
-            </a:r>
-            <a:r>
-              <a:rPr lang="hr-HR" dirty="0" smtClean="0"/>
-              <a:t> načinu</a:t>
-            </a:r>
-          </a:p>
-          <a:p>
-            <a:r>
-              <a:rPr lang="hr-HR" dirty="0" smtClean="0"/>
-              <a:t>posebnosti Linux okolja</a:t>
-            </a:r>
-          </a:p>
-          <a:p>
-            <a:r>
-              <a:rPr lang="hr-HR" dirty="0" smtClean="0"/>
-              <a:t>f</a:t>
-            </a:r>
-            <a:r>
-              <a:rPr lang="hr-HR" dirty="0" smtClean="0"/>
-              <a:t>orenzična orodja za preiskavo diska</a:t>
-            </a:r>
-          </a:p>
-          <a:p>
-            <a:endParaRPr lang="en-US" dirty="0"/>
+              <a:rPr lang="hr-HR" sz="3200" dirty="0" smtClean="0"/>
+              <a:t>v Linux okolji – ctime in mtime</a:t>
+            </a:r>
+            <a:endParaRPr lang="en-US" sz="3200" dirty="0"/>
           </a:p>
         </p:txBody>
       </p:sp>
     </p:spTree>
+    <p:extLst>
+      <p:ext uri="{BB962C8B-B14F-4D97-AF65-F5344CB8AC3E}">
+        <p14:creationId xmlns:p14="http://schemas.microsoft.com/office/powerpoint/2010/main" val="2983475384"/>
+      </p:ext>
+    </p:extLst>
   </p:cSld>
   <p:clrMapOvr>
     <a:masterClrMapping/>
@@ -6178,83 +7249,195 @@
         </p:nvSpPr>
         <p:spPr/>
         <p:txBody>
+          <a:bodyPr/>
+          <a:lstStyle/>
+          <a:p>
+            <a:pPr algn="l"/>
+            <a:r>
+              <a:rPr lang="hr-HR" dirty="0" smtClean="0"/>
+              <a:t>Dnevniške datoteke</a:t>
+            </a:r>
+            <a:endParaRPr lang="en-US" dirty="0"/>
+          </a:p>
+        </p:txBody>
+      </p:sp>
+      <p:sp>
+        <p:nvSpPr>
+          <p:cNvPr id="3" name="Content Placeholder 2"/>
+          <p:cNvSpPr>
+            <a:spLocks noGrp="1"/>
+          </p:cNvSpPr>
+          <p:nvPr>
+            <p:ph idx="1"/>
+          </p:nvPr>
+        </p:nvSpPr>
+        <p:spPr/>
+        <p:txBody>
           <a:bodyPr>
-            <a:normAutofit/>
+            <a:normAutofit fontScale="85000" lnSpcReduction="20000"/>
           </a:bodyPr>
           <a:lstStyle/>
           <a:p>
             <a:r>
-              <a:rPr lang="hr-HR" sz="4000" dirty="0" smtClean="0"/>
-              <a:t>Forenzična preiskava diska(1)</a:t>
-            </a:r>
-            <a:endParaRPr lang="en-US" sz="4000" dirty="0"/>
-          </a:p>
-        </p:txBody>
-      </p:sp>
-      <p:sp>
-        <p:nvSpPr>
-          <p:cNvPr id="3" name="Content Placeholder 2"/>
-          <p:cNvSpPr>
-            <a:spLocks noGrp="1"/>
-          </p:cNvSpPr>
-          <p:nvPr>
-            <p:ph idx="1"/>
-          </p:nvPr>
-        </p:nvSpPr>
-        <p:spPr/>
-        <p:txBody>
-          <a:bodyPr/>
-          <a:lstStyle/>
-          <a:p>
-            <a:r>
-              <a:rPr lang="hr-HR" dirty="0" smtClean="0"/>
-              <a:t>k</a:t>
-            </a:r>
-            <a:r>
-              <a:rPr lang="hr-HR" dirty="0" smtClean="0"/>
-              <a:t>o smo prejeli disk(ali sliko diska), na računalnik ga priklopimo v </a:t>
-            </a:r>
-            <a:r>
-              <a:rPr lang="hr-HR" i="1" dirty="0" smtClean="0"/>
-              <a:t>read-only</a:t>
-            </a:r>
-            <a:r>
-              <a:rPr lang="hr-HR" dirty="0" smtClean="0"/>
-              <a:t> načinu</a:t>
-            </a:r>
-          </a:p>
-          <a:p>
-            <a:endParaRPr lang="hr-HR" dirty="0" smtClean="0"/>
-          </a:p>
-          <a:p>
-            <a:pPr lvl="1">
-              <a:buNone/>
-            </a:pPr>
-            <a:r>
-              <a:rPr lang="hr-HR" sz="2200" dirty="0" smtClean="0"/>
-              <a:t>	mount –r medij direktorij</a:t>
-            </a:r>
-            <a:endParaRPr lang="hr-HR" sz="3200" dirty="0" smtClean="0"/>
-          </a:p>
-          <a:p>
-            <a:pPr lvl="1">
-              <a:buNone/>
-            </a:pPr>
-            <a:endParaRPr lang="hr-HR" sz="3200" dirty="0" smtClean="0"/>
-          </a:p>
-          <a:p>
-            <a:pPr lvl="1">
-              <a:buNone/>
-            </a:pPr>
-            <a:r>
-              <a:rPr lang="hr-HR" sz="3200" dirty="0" smtClean="0"/>
-              <a:t>Z tim smo zagotovili nespremenjljivost podatkov(uporabimo še MD5 hash kodo)</a:t>
-            </a:r>
-            <a:endParaRPr lang="hr-HR" sz="2200" dirty="0" smtClean="0"/>
+              <a:rPr lang="sl-SI" i="1" dirty="0" smtClean="0"/>
+              <a:t>/var/log/message</a:t>
+            </a:r>
+            <a:r>
+              <a:rPr lang="sl-SI" dirty="0" smtClean="0"/>
+              <a:t>: generalna sporočila in sporočila povezana z sistemom</a:t>
+            </a:r>
+            <a:endParaRPr lang="en-US" dirty="0" smtClean="0"/>
+          </a:p>
+          <a:p>
+            <a:r>
+              <a:rPr lang="sl-SI" i="1" dirty="0" smtClean="0"/>
+              <a:t>/var/log/auth.log</a:t>
+            </a:r>
+            <a:r>
+              <a:rPr lang="sl-SI" dirty="0" smtClean="0"/>
+              <a:t>: avtentikacija</a:t>
+            </a:r>
+            <a:endParaRPr lang="en-US" dirty="0" smtClean="0"/>
+          </a:p>
+          <a:p>
+            <a:r>
+              <a:rPr lang="sl-SI" i="1" dirty="0" smtClean="0"/>
+              <a:t>/var/log/kern.log</a:t>
+            </a:r>
+            <a:r>
+              <a:rPr lang="sl-SI" dirty="0" smtClean="0"/>
+              <a:t>: jedro</a:t>
+            </a:r>
+            <a:endParaRPr lang="en-US" dirty="0" smtClean="0"/>
+          </a:p>
+          <a:p>
+            <a:r>
+              <a:rPr lang="sl-SI" i="1" dirty="0" smtClean="0"/>
+              <a:t>/var/log/cron.log</a:t>
+            </a:r>
+            <a:r>
+              <a:rPr lang="sl-SI" dirty="0" smtClean="0"/>
+              <a:t>: Cron </a:t>
+            </a:r>
+            <a:endParaRPr lang="en-US" dirty="0" smtClean="0"/>
+          </a:p>
+          <a:p>
+            <a:r>
+              <a:rPr lang="sl-SI" i="1" dirty="0" smtClean="0"/>
+              <a:t>/var/log/maillog</a:t>
+            </a:r>
+            <a:r>
+              <a:rPr lang="sl-SI" dirty="0" smtClean="0"/>
+              <a:t>: poštni strežnik</a:t>
+            </a:r>
+            <a:endParaRPr lang="en-US" dirty="0" smtClean="0"/>
+          </a:p>
+          <a:p>
+            <a:r>
+              <a:rPr lang="sl-SI" i="1" dirty="0" smtClean="0"/>
+              <a:t>/var/log/qmail/ </a:t>
+            </a:r>
+            <a:r>
+              <a:rPr lang="sl-SI" dirty="0" smtClean="0"/>
+              <a:t>: Qmail </a:t>
+            </a:r>
+            <a:endParaRPr lang="en-US" dirty="0" smtClean="0"/>
+          </a:p>
+          <a:p>
+            <a:r>
+              <a:rPr lang="sl-SI" i="1" dirty="0" smtClean="0"/>
+              <a:t>/var/log/httpd/</a:t>
+            </a:r>
+            <a:r>
+              <a:rPr lang="sl-SI" dirty="0" smtClean="0"/>
+              <a:t>: Apache strežnik in sporočila o napakami</a:t>
+            </a:r>
+            <a:endParaRPr lang="en-US" dirty="0" smtClean="0"/>
+          </a:p>
+          <a:p>
+            <a:r>
+              <a:rPr lang="sl-SI" i="1" dirty="0" smtClean="0"/>
+              <a:t>/var/log/boot.log</a:t>
+            </a:r>
+            <a:r>
+              <a:rPr lang="sl-SI" dirty="0" smtClean="0"/>
+              <a:t> : </a:t>
+            </a:r>
+            <a:r>
+              <a:rPr lang="sl-SI" i="1" dirty="0" smtClean="0"/>
+              <a:t>System boot </a:t>
+            </a:r>
+            <a:r>
+              <a:rPr lang="sl-SI" dirty="0" smtClean="0"/>
+              <a:t>sporočila</a:t>
+            </a:r>
+            <a:endParaRPr lang="en-US" dirty="0" smtClean="0"/>
+          </a:p>
+          <a:p>
+            <a:r>
+              <a:rPr lang="sl-SI" i="1" dirty="0" smtClean="0"/>
+              <a:t>/var/log/mysqld.log</a:t>
+            </a:r>
+            <a:r>
+              <a:rPr lang="sl-SI" dirty="0" smtClean="0"/>
+              <a:t>: </a:t>
+            </a:r>
+            <a:r>
+              <a:rPr lang="sl-SI" i="1" dirty="0" smtClean="0"/>
+              <a:t>MySQL server</a:t>
+            </a:r>
+            <a:r>
+              <a:rPr lang="sl-SI" dirty="0" smtClean="0"/>
+              <a:t> sporočila</a:t>
+            </a:r>
+            <a:endParaRPr lang="en-US" dirty="0" smtClean="0"/>
+          </a:p>
+          <a:p>
+            <a:r>
+              <a:rPr lang="sl-SI" i="1" dirty="0" smtClean="0"/>
+              <a:t>/var/log/secure</a:t>
+            </a:r>
+            <a:r>
+              <a:rPr lang="sl-SI" dirty="0" smtClean="0"/>
+              <a:t>: avtentikacija </a:t>
+            </a:r>
+            <a:endParaRPr lang="en-US" dirty="0" smtClean="0"/>
+          </a:p>
+          <a:p>
+            <a:r>
+              <a:rPr lang="sl-SI" i="1" dirty="0" smtClean="0"/>
+              <a:t>/var/log/utmp</a:t>
+            </a:r>
+            <a:r>
+              <a:rPr lang="sl-SI" dirty="0" smtClean="0"/>
+              <a:t> ali </a:t>
+            </a:r>
+            <a:r>
+              <a:rPr lang="sl-SI" i="1" dirty="0" smtClean="0"/>
+              <a:t>/var/log/wtmp</a:t>
+            </a:r>
+            <a:r>
+              <a:rPr lang="sl-SI" dirty="0" smtClean="0"/>
+              <a:t>:</a:t>
+            </a:r>
+            <a:r>
+              <a:rPr lang="sl-SI" i="1" dirty="0" smtClean="0"/>
+              <a:t> login</a:t>
+            </a:r>
+            <a:r>
+              <a:rPr lang="sl-SI" dirty="0" smtClean="0"/>
+              <a:t> sporočila</a:t>
+            </a:r>
+            <a:endParaRPr lang="en-US" dirty="0"/>
           </a:p>
         </p:txBody>
       </p:sp>
     </p:spTree>
+    <p:extLst>
+      <p:ext uri="{BB962C8B-B14F-4D97-AF65-F5344CB8AC3E}">
+        <p14:creationId xmlns:p14="http://schemas.microsoft.com/office/powerpoint/2010/main" val="1839666243"/>
+      </p:ext>
+    </p:extLst>
   </p:cSld>
   <p:clrMapOvr>
     <a:masterClrMapping/>
@@ -6542,4 +7725,289 @@
   <a:objectDefaults/>
   <a:extraClrSchemeLst/>
 </a:theme>
+</file>
+
+<file path=ppt/theme/theme2.xml><?xml version="1.0" encoding="utf-8"?>
+<a:theme xmlns:a="http://schemas.openxmlformats.org/drawingml/2006/main" name="Office Theme">
+  <a:themeElements>
+    <a:clrScheme name="Office">
+      <a:dk1>
+        <a:sysClr val="windowText" lastClr="000000"/>
+      </a:dk1>
+      <a:lt1>
+        <a:sysClr val="window" lastClr="FFFFFF"/>
+      </a:lt1>
+      <a:dk2>
+        <a:srgbClr val="1F497D"/>
+      </a:dk2>
+      <a:lt2>
+        <a:srgbClr val="EEECE1"/>
+      </a:lt2>
+      <a:accent1>
+        <a:srgbClr val="4F81BD"/>
+      </a:accent1>
+      <a:accent2>
+        <a:srgbClr val="C0504D"/>
+      </a:accent2>
+      <a:accent3>
+        <a:srgbClr val="9BBB59"/>
+      </a:accent3>
+      <a:accent4>
+        <a:srgbClr val="8064A2"/>
+      </a:accent4>
+      <a:accent5>
+        <a:srgbClr val="4BACC6"/>
+      </a:accent5>
+      <a:accent6>
+        <a:srgbClr val="F79646"/>
+      </a:accent6>
+      <a:hlink>
+        <a:srgbClr val="0000FF"/>
+      </a:hlink>
+      <a:folHlink>
+        <a:srgbClr val="800080"/>
+      </a:folHlink>
+    </a:clrScheme>
+    <a:fontScheme name="Office">
+      <a:majorFont>
+        <a:latin typeface="Calibri"/>
+        <a:ea typeface=""/>
+        <a:cs typeface=""/>
+        <a:font script="Jpan" typeface="ＭＳ Ｐゴシック"/>
+        <a:font script="Hang" typeface="맑은 고딕"/>
+        <a:font script="Hans" typeface="宋体"/>
+        <a:font script="Hant" typeface="新細明體"/>
+        <a:font script="Arab" typeface="Times New Roman"/>
+        <a:font script="Hebr" typeface="Times New Roman"/>
+        <a:font script="Thai" typeface="Angsana New"/>
+        <a:font script="Ethi" typeface="Nyala"/>
+        <a:font script="Beng" typeface="Vrinda"/>
+        <a:font script="Gujr" typeface="Shruti"/>
+        <a:font script="Khmr" typeface="MoolBoran"/>
+        <a:font script="Knda" typeface="Tunga"/>
+        <a:font script="Guru" typeface="Raavi"/>
+        <a:font script="Cans" typeface="Euphemia"/>
+        <a:font script="Cher" typeface="Plantagenet Cherokee"/>
+        <a:font script="Yiii" typeface="Microsoft Yi Baiti"/>
+        <a:font script="Tibt" typeface="Microsoft Himalaya"/>
+        <a:font script="Thaa" typeface="MV Boli"/>
+        <a:font script="Deva" typeface="Mangal"/>
+        <a:font script="Telu" typeface="Gautami"/>
+        <a:font script="Taml" typeface="Latha"/>
+        <a:font script="Syrc" typeface="Estrangelo Edessa"/>
+        <a:font script="Orya" typeface="Kalinga"/>
+        <a:font script="Mlym" typeface="Kartika"/>
+        <a:font script="Laoo" typeface="DokChampa"/>
+        <a:font script="Sinh" typeface="Iskoola Pota"/>
+        <a:font script="Mong" typeface="Mongolian Baiti"/>
+        <a:font script="Viet" typeface="Times New Roman"/>
+        <a:font script="Uigh" typeface="Microsoft Uighur"/>
+        <a:font script="Geor" typeface="Sylfaen"/>
+      </a:majorFont>
+      <a:minorFont>
+        <a:latin typeface="Calibri"/>
+        <a:ea typeface=""/>
+        <a:cs typeface=""/>
+        <a:font script="Jpan" typeface="ＭＳ Ｐゴシック"/>
+        <a:font script="Hang" typeface="맑은 고딕"/>
+        <a:font script="Hans" typeface="宋体"/>
+        <a:font script="Hant" typeface="新細明體"/>
+        <a:font script="Arab" typeface="Arial"/>
+        <a:font script="Hebr" typeface="Arial"/>
+        <a:font script="Thai" typeface="Cordia New"/>
+        <a:font script="Ethi" typeface="Nyala"/>
+        <a:font script="Beng" typeface="Vrinda"/>
+        <a:font script="Gujr" typeface="Shruti"/>
+        <a:font script="Khmr" typeface="DaunPenh"/>
+        <a:font script="Knda" typeface="Tunga"/>
+        <a:font script="Guru" typeface="Raavi"/>
+        <a:font script="Cans" typeface="Euphemia"/>
+        <a:font script="Cher" typeface="Plantagenet Cherokee"/>
+        <a:font script="Yiii" typeface="Microsoft Yi Baiti"/>
+        <a:font script="Tibt" typeface="Microsoft Himalaya"/>
+        <a:font script="Thaa" typeface="MV Boli"/>
+        <a:font script="Deva" typeface="Mangal"/>
+        <a:font script="Telu" typeface="Gautami"/>
+        <a:font script="Taml" typeface="Latha"/>
+        <a:font script="Syrc" typeface="Estrangelo Edessa"/>
+        <a:font script="Orya" typeface="Kalinga"/>
+        <a:font script="Mlym" typeface="Kartika"/>
+        <a:font script="Laoo" typeface="DokChampa"/>
+        <a:font script="Sinh" typeface="Iskoola Pota"/>
+        <a:font script="Mong" typeface="Mongolian Baiti"/>
+        <a:font script="Viet" typeface="Arial"/>
+        <a:font script="Uigh" typeface="Microsoft Uighur"/>
+        <a:font script="Geor" typeface="Sylfaen"/>
+      </a:minorFont>
+    </a:fontScheme>
+    <a:fmtScheme name="Office">
+      <a:fillStyleLst>
+        <a:solidFill>
+          <a:schemeClr val="phClr"/>
+        </a:solidFill>
+        <a:gradFill rotWithShape="1">
+          <a:gsLst>
+            <a:gs pos="0">
+              <a:schemeClr val="phClr">
+                <a:tint val="50000"/>
+                <a:satMod val="300000"/>
+              </a:schemeClr>
+            </a:gs>
+            <a:gs pos="35000">
+              <a:schemeClr val="phClr">
+                <a:tint val="37000"/>
+                <a:satMod val="300000"/>
+              </a:schemeClr>
+            </a:gs>
+            <a:gs pos="100000">
+              <a:schemeClr val="phClr">
+                <a:tint val="15000"/>
+                <a:satMod val="350000"/>
+              </a:schemeClr>
+            </a:gs>
+          </a:gsLst>
+          <a:lin ang="16200000" scaled="1"/>
+        </a:gradFill>
+        <a:gradFill rotWithShape="1">
+          <a:gsLst>
+            <a:gs pos="0">
+              <a:schemeClr val="phClr">
+                <a:shade val="51000"/>
+                <a:satMod val="130000"/>
+              </a:schemeClr>
+            </a:gs>
+            <a:gs pos="80000">
+              <a:schemeClr val="phClr">
+                <a:shade val="93000"/>
+                <a:satMod val="130000"/>
+              </a:schemeClr>
+            </a:gs>
+            <a:gs pos="100000">
+              <a:schemeClr val="phClr">
+                <a:shade val="94000"/>
+                <a:satMod val="135000"/>
+              </a:schemeClr>
+            </a:gs>
+          </a:gsLst>
+          <a:lin ang="16200000" scaled="0"/>
+        </a:gradFill>
+      </a:fillStyleLst>
+      <a:lnStyleLst>
+        <a:ln w="9525" cap="flat" cmpd="sng" algn="ctr">
+          <a:solidFill>
+            <a:schemeClr val="phClr">
+              <a:shade val="95000"/>
+              <a:satMod val="105000"/>
+            </a:schemeClr>
+          </a:solidFill>
+          <a:prstDash val="solid"/>
+        </a:ln>
+        <a:ln w="25400" cap="flat" cmpd="sng" algn="ctr">
+          <a:solidFill>
+            <a:schemeClr val="phClr"/>
+          </a:solidFill>
+          <a:prstDash val="solid"/>
+        </a:ln>
+        <a:ln w="38100" cap="flat" cmpd="sng" algn="ctr">
+          <a:solidFill>
+            <a:schemeClr val="phClr"/>
+          </a:solidFill>
+          <a:prstDash val="solid"/>
+        </a:ln>
+      </a:lnStyleLst>
+      <a:effectStyleLst>
+        <a:effectStyle>
+          <a:effectLst>
+            <a:outerShdw blurRad="40000" dist="20000" dir="5400000" rotWithShape="0">
+              <a:srgbClr val="000000">
+                <a:alpha val="38000"/>
+              </a:srgbClr>
+            </a:outerShdw>
+          </a:effectLst>
+        </a:effectStyle>
+        <a:effectStyle>
+          <a:effectLst>
+            <a:outerShdw blurRad="40000" dist="23000" dir="5400000" rotWithShape="0">
+              <a:srgbClr val="000000">
+                <a:alpha val="35000"/>
+              </a:srgbClr>
+            </a:outerShdw>
+          </a:effectLst>
+        </a:effectStyle>
+        <a:effectStyle>
+          <a:effectLst>
+            <a:outerShdw blurRad="40000" dist="23000" dir="5400000" rotWithShape="0">
+              <a:srgbClr val="000000">
+                <a:alpha val="35000"/>
+              </a:srgbClr>
+            </a:outerShdw>
+          </a:effectLst>
+          <a:scene3d>
+            <a:camera prst="orthographicFront">
+              <a:rot lat="0" lon="0" rev="0"/>
+            </a:camera>
+            <a:lightRig rig="threePt" dir="t">
+              <a:rot lat="0" lon="0" rev="1200000"/>
+            </a:lightRig>
+          </a:scene3d>
+          <a:sp3d>
+            <a:bevelT w="63500" h="25400"/>
+          </a:sp3d>
+        </a:effectStyle>
+      </a:effectStyleLst>
+      <a:bgFillStyleLst>
+        <a:solidFill>
+          <a:schemeClr val="phClr"/>
+        </a:solidFill>
+        <a:gradFill rotWithShape="1">
+          <a:gsLst>
+            <a:gs pos="0">
+              <a:schemeClr val="phClr">
+                <a:tint val="40000"/>
+                <a:satMod val="350000"/>
+              </a:schemeClr>
+            </a:gs>
+            <a:gs pos="40000">
+              <a:schemeClr val="phClr">
+                <a:tint val="45000"/>
+                <a:shade val="99000"/>
+                <a:satMod val="350000"/>
+              </a:schemeClr>
+            </a:gs>
+            <a:gs pos="100000">
+              <a:schemeClr val="phClr">
+                <a:shade val="20000"/>
+                <a:satMod val="255000"/>
+              </a:schemeClr>
+            </a:gs>
+          </a:gsLst>
+          <a:path path="circle">
+            <a:fillToRect l="50000" t="-80000" r="50000" b="180000"/>
+          </a:path>
+        </a:gradFill>
+        <a:gradFill rotWithShape="1">
+          <a:gsLst>
+            <a:gs pos="0">
+              <a:schemeClr val="phClr">
+                <a:tint val="80000"/>
+                <a:satMod val="300000"/>
+              </a:schemeClr>
+            </a:gs>
+            <a:gs pos="100000">
+              <a:schemeClr val="phClr">
+                <a:shade val="30000"/>
+                <a:satMod val="200000"/>
+              </a:schemeClr>
+            </a:gs>
+          </a:gsLst>
+          <a:path path="circle">
+            <a:fillToRect l="50000" t="50000" r="50000" b="50000"/>
+          </a:path>
+        </a:gradFill>
+      </a:bgFillStyleLst>
+    </a:fmtScheme>
+  </a:themeElements>
+  <a:objectDefaults/>
+  <a:extraClrSchemeLst/>
+</a:theme>
 </file>